--- a/main/games/rock_paper_scissors/Rock Paper Scissors Documentation.pptx
+++ b/main/games/rock_paper_scissors/Rock Paper Scissors Documentation.pptx
@@ -5,7 +5,7 @@
     <p:sldMasterId id="2147483659" r:id="rId4"/>
   </p:sldMasterIdLst>
   <p:notesMasterIdLst>
-    <p:notesMasterId r:id="rId37"/>
+    <p:notesMasterId r:id="rId35"/>
   </p:notesMasterIdLst>
   <p:sldIdLst>
     <p:sldId id="256" r:id="rId5"/>
@@ -15,31 +15,29 @@
     <p:sldId id="290" r:id="rId9"/>
     <p:sldId id="291" r:id="rId10"/>
     <p:sldId id="259" r:id="rId11"/>
-    <p:sldId id="288" r:id="rId12"/>
-    <p:sldId id="262" r:id="rId13"/>
-    <p:sldId id="263" r:id="rId14"/>
-    <p:sldId id="261" r:id="rId15"/>
-    <p:sldId id="265" r:id="rId16"/>
-    <p:sldId id="264" r:id="rId17"/>
-    <p:sldId id="271" r:id="rId18"/>
-    <p:sldId id="272" r:id="rId19"/>
-    <p:sldId id="266" r:id="rId20"/>
-    <p:sldId id="270" r:id="rId21"/>
-    <p:sldId id="276" r:id="rId22"/>
-    <p:sldId id="273" r:id="rId23"/>
-    <p:sldId id="274" r:id="rId24"/>
-    <p:sldId id="275" r:id="rId25"/>
-    <p:sldId id="277" r:id="rId26"/>
-    <p:sldId id="278" r:id="rId27"/>
-    <p:sldId id="279" r:id="rId28"/>
-    <p:sldId id="280" r:id="rId29"/>
-    <p:sldId id="283" r:id="rId30"/>
-    <p:sldId id="282" r:id="rId31"/>
-    <p:sldId id="281" r:id="rId32"/>
-    <p:sldId id="284" r:id="rId33"/>
-    <p:sldId id="285" r:id="rId34"/>
-    <p:sldId id="286" r:id="rId35"/>
-    <p:sldId id="287" r:id="rId36"/>
+    <p:sldId id="262" r:id="rId12"/>
+    <p:sldId id="261" r:id="rId13"/>
+    <p:sldId id="265" r:id="rId14"/>
+    <p:sldId id="264" r:id="rId15"/>
+    <p:sldId id="271" r:id="rId16"/>
+    <p:sldId id="272" r:id="rId17"/>
+    <p:sldId id="266" r:id="rId18"/>
+    <p:sldId id="270" r:id="rId19"/>
+    <p:sldId id="276" r:id="rId20"/>
+    <p:sldId id="273" r:id="rId21"/>
+    <p:sldId id="274" r:id="rId22"/>
+    <p:sldId id="275" r:id="rId23"/>
+    <p:sldId id="277" r:id="rId24"/>
+    <p:sldId id="278" r:id="rId25"/>
+    <p:sldId id="279" r:id="rId26"/>
+    <p:sldId id="280" r:id="rId27"/>
+    <p:sldId id="283" r:id="rId28"/>
+    <p:sldId id="282" r:id="rId29"/>
+    <p:sldId id="281" r:id="rId30"/>
+    <p:sldId id="284" r:id="rId31"/>
+    <p:sldId id="285" r:id="rId32"/>
+    <p:sldId id="286" r:id="rId33"/>
+    <p:sldId id="287" r:id="rId34"/>
   </p:sldIdLst>
   <p:sldSz cx="9144000" cy="5143500" type="screen16x9"/>
   <p:notesSz cx="6858000" cy="9144000"/>
@@ -986,7 +984,7 @@
     </p:spTree>
     <p:extLst>
       <p:ext uri="{BB962C8B-B14F-4D97-AF65-F5344CB8AC3E}">
-        <p14:creationId xmlns:p14="http://schemas.microsoft.com/office/powerpoint/2010/main" val="2935618172"/>
+        <p14:creationId xmlns:p14="http://schemas.microsoft.com/office/powerpoint/2010/main" val="4124737771"/>
       </p:ext>
     </p:extLst>
   </p:cSld>
@@ -1095,7 +1093,7 @@
     </p:spTree>
     <p:extLst>
       <p:ext uri="{BB962C8B-B14F-4D97-AF65-F5344CB8AC3E}">
-        <p14:creationId xmlns:p14="http://schemas.microsoft.com/office/powerpoint/2010/main" val="4124737771"/>
+        <p14:creationId xmlns:p14="http://schemas.microsoft.com/office/powerpoint/2010/main" val="3579829201"/>
       </p:ext>
     </p:extLst>
   </p:cSld>
@@ -1204,7 +1202,7 @@
     </p:spTree>
     <p:extLst>
       <p:ext uri="{BB962C8B-B14F-4D97-AF65-F5344CB8AC3E}">
-        <p14:creationId xmlns:p14="http://schemas.microsoft.com/office/powerpoint/2010/main" val="3579829201"/>
+        <p14:creationId xmlns:p14="http://schemas.microsoft.com/office/powerpoint/2010/main" val="1233197778"/>
       </p:ext>
     </p:extLst>
   </p:cSld>
@@ -1313,7 +1311,7 @@
     </p:spTree>
     <p:extLst>
       <p:ext uri="{BB962C8B-B14F-4D97-AF65-F5344CB8AC3E}">
-        <p14:creationId xmlns:p14="http://schemas.microsoft.com/office/powerpoint/2010/main" val="1233197778"/>
+        <p14:creationId xmlns:p14="http://schemas.microsoft.com/office/powerpoint/2010/main" val="1854659955"/>
       </p:ext>
     </p:extLst>
   </p:cSld>
@@ -1422,7 +1420,7 @@
     </p:spTree>
     <p:extLst>
       <p:ext uri="{BB962C8B-B14F-4D97-AF65-F5344CB8AC3E}">
-        <p14:creationId xmlns:p14="http://schemas.microsoft.com/office/powerpoint/2010/main" val="1854659955"/>
+        <p14:creationId xmlns:p14="http://schemas.microsoft.com/office/powerpoint/2010/main" val="1567913487"/>
       </p:ext>
     </p:extLst>
   </p:cSld>
@@ -1531,7 +1529,7 @@
     </p:spTree>
     <p:extLst>
       <p:ext uri="{BB962C8B-B14F-4D97-AF65-F5344CB8AC3E}">
-        <p14:creationId xmlns:p14="http://schemas.microsoft.com/office/powerpoint/2010/main" val="1567913487"/>
+        <p14:creationId xmlns:p14="http://schemas.microsoft.com/office/powerpoint/2010/main" val="745779560"/>
       </p:ext>
     </p:extLst>
   </p:cSld>
@@ -1640,7 +1638,7 @@
     </p:spTree>
     <p:extLst>
       <p:ext uri="{BB962C8B-B14F-4D97-AF65-F5344CB8AC3E}">
-        <p14:creationId xmlns:p14="http://schemas.microsoft.com/office/powerpoint/2010/main" val="745779560"/>
+        <p14:creationId xmlns:p14="http://schemas.microsoft.com/office/powerpoint/2010/main" val="3926368428"/>
       </p:ext>
     </p:extLst>
   </p:cSld>
@@ -1749,7 +1747,7 @@
     </p:spTree>
     <p:extLst>
       <p:ext uri="{BB962C8B-B14F-4D97-AF65-F5344CB8AC3E}">
-        <p14:creationId xmlns:p14="http://schemas.microsoft.com/office/powerpoint/2010/main" val="3926368428"/>
+        <p14:creationId xmlns:p14="http://schemas.microsoft.com/office/powerpoint/2010/main" val="4036109500"/>
       </p:ext>
     </p:extLst>
   </p:cSld>
@@ -1858,7 +1856,7 @@
     </p:spTree>
     <p:extLst>
       <p:ext uri="{BB962C8B-B14F-4D97-AF65-F5344CB8AC3E}">
-        <p14:creationId xmlns:p14="http://schemas.microsoft.com/office/powerpoint/2010/main" val="4036109500"/>
+        <p14:creationId xmlns:p14="http://schemas.microsoft.com/office/powerpoint/2010/main" val="4056452143"/>
       </p:ext>
     </p:extLst>
   </p:cSld>
@@ -1967,7 +1965,7 @@
     </p:spTree>
     <p:extLst>
       <p:ext uri="{BB962C8B-B14F-4D97-AF65-F5344CB8AC3E}">
-        <p14:creationId xmlns:p14="http://schemas.microsoft.com/office/powerpoint/2010/main" val="4056452143"/>
+        <p14:creationId xmlns:p14="http://schemas.microsoft.com/office/powerpoint/2010/main" val="3531987235"/>
       </p:ext>
     </p:extLst>
   </p:cSld>
@@ -2201,7 +2199,7 @@
     </p:spTree>
     <p:extLst>
       <p:ext uri="{BB962C8B-B14F-4D97-AF65-F5344CB8AC3E}">
-        <p14:creationId xmlns:p14="http://schemas.microsoft.com/office/powerpoint/2010/main" val="3531987235"/>
+        <p14:creationId xmlns:p14="http://schemas.microsoft.com/office/powerpoint/2010/main" val="1284591829"/>
       </p:ext>
     </p:extLst>
   </p:cSld>
@@ -2310,7 +2308,7 @@
     </p:spTree>
     <p:extLst>
       <p:ext uri="{BB962C8B-B14F-4D97-AF65-F5344CB8AC3E}">
-        <p14:creationId xmlns:p14="http://schemas.microsoft.com/office/powerpoint/2010/main" val="1284591829"/>
+        <p14:creationId xmlns:p14="http://schemas.microsoft.com/office/powerpoint/2010/main" val="3354959135"/>
       </p:ext>
     </p:extLst>
   </p:cSld>
@@ -2419,7 +2417,7 @@
     </p:spTree>
     <p:extLst>
       <p:ext uri="{BB962C8B-B14F-4D97-AF65-F5344CB8AC3E}">
-        <p14:creationId xmlns:p14="http://schemas.microsoft.com/office/powerpoint/2010/main" val="3354959135"/>
+        <p14:creationId xmlns:p14="http://schemas.microsoft.com/office/powerpoint/2010/main" val="3864249418"/>
       </p:ext>
     </p:extLst>
   </p:cSld>
@@ -2528,7 +2526,7 @@
     </p:spTree>
     <p:extLst>
       <p:ext uri="{BB962C8B-B14F-4D97-AF65-F5344CB8AC3E}">
-        <p14:creationId xmlns:p14="http://schemas.microsoft.com/office/powerpoint/2010/main" val="3864249418"/>
+        <p14:creationId xmlns:p14="http://schemas.microsoft.com/office/powerpoint/2010/main" val="6615638"/>
       </p:ext>
     </p:extLst>
   </p:cSld>
@@ -2539,115 +2537,6 @@
 </file>
 
 <file path=ppt/notesSlides/notesSlide24.xml><?xml version="1.0" encoding="utf-8"?>
-<p:notes xmlns:a="http://schemas.openxmlformats.org/drawingml/2006/main" xmlns:r="http://schemas.openxmlformats.org/officeDocument/2006/relationships" xmlns:p="http://schemas.openxmlformats.org/presentationml/2006/main" showMasterSp="0" showMasterPhAnim="0">
-  <p:cSld>
-    <p:spTree>
-      <p:nvGrpSpPr>
-        <p:cNvPr id="1" name="Shape 80"/>
-        <p:cNvGrpSpPr/>
-        <p:nvPr/>
-      </p:nvGrpSpPr>
-      <p:grpSpPr>
-        <a:xfrm>
-          <a:off x="0" y="0"/>
-          <a:ext cx="0" cy="0"/>
-          <a:chOff x="0" y="0"/>
-          <a:chExt cx="0" cy="0"/>
-        </a:xfrm>
-      </p:grpSpPr>
-      <p:sp>
-        <p:nvSpPr>
-          <p:cNvPr id="81" name="Google Shape;81;ga2e8d2e1f6_0_75:notes"/>
-          <p:cNvSpPr>
-            <a:spLocks noGrp="1" noRot="1" noChangeAspect="1"/>
-          </p:cNvSpPr>
-          <p:nvPr>
-            <p:ph type="sldImg" idx="2"/>
-          </p:nvPr>
-        </p:nvSpPr>
-        <p:spPr>
-          <a:xfrm>
-            <a:off x="381000" y="685800"/>
-            <a:ext cx="6096000" cy="3429000"/>
-          </a:xfrm>
-          <a:custGeom>
-            <a:avLst/>
-            <a:gdLst/>
-            <a:ahLst/>
-            <a:cxnLst/>
-            <a:rect l="l" t="t" r="r" b="b"/>
-            <a:pathLst>
-              <a:path w="120000" h="120000" extrusionOk="0">
-                <a:moveTo>
-                  <a:pt x="0" y="0"/>
-                </a:moveTo>
-                <a:lnTo>
-                  <a:pt x="120000" y="0"/>
-                </a:lnTo>
-                <a:lnTo>
-                  <a:pt x="120000" y="120000"/>
-                </a:lnTo>
-                <a:lnTo>
-                  <a:pt x="0" y="120000"/>
-                </a:lnTo>
-                <a:close/>
-              </a:path>
-            </a:pathLst>
-          </a:custGeom>
-        </p:spPr>
-      </p:sp>
-      <p:sp>
-        <p:nvSpPr>
-          <p:cNvPr id="82" name="Google Shape;82;ga2e8d2e1f6_0_75:notes"/>
-          <p:cNvSpPr txBox="1">
-            <a:spLocks noGrp="1"/>
-          </p:cNvSpPr>
-          <p:nvPr>
-            <p:ph type="body" idx="1"/>
-          </p:nvPr>
-        </p:nvSpPr>
-        <p:spPr>
-          <a:xfrm>
-            <a:off x="685800" y="4343400"/>
-            <a:ext cx="5486400" cy="4114800"/>
-          </a:xfrm>
-          <a:prstGeom prst="rect">
-            <a:avLst/>
-          </a:prstGeom>
-        </p:spPr>
-        <p:txBody>
-          <a:bodyPr spcFirstLastPara="1" wrap="square" lIns="91425" tIns="91425" rIns="91425" bIns="91425" anchor="t" anchorCtr="0">
-            <a:noAutofit/>
-          </a:bodyPr>
-          <a:lstStyle/>
-          <a:p>
-            <a:pPr marL="0" lvl="0" indent="0" algn="l" rtl="0">
-              <a:spcBef>
-                <a:spcPts val="0"/>
-              </a:spcBef>
-              <a:spcAft>
-                <a:spcPts val="0"/>
-              </a:spcAft>
-              <a:buNone/>
-            </a:pPr>
-            <a:endParaRPr/>
-          </a:p>
-        </p:txBody>
-      </p:sp>
-    </p:spTree>
-    <p:extLst>
-      <p:ext uri="{BB962C8B-B14F-4D97-AF65-F5344CB8AC3E}">
-        <p14:creationId xmlns:p14="http://schemas.microsoft.com/office/powerpoint/2010/main" val="6615638"/>
-      </p:ext>
-    </p:extLst>
-  </p:cSld>
-  <p:clrMapOvr>
-    <a:masterClrMapping/>
-  </p:clrMapOvr>
-</p:notes>
-</file>
-
-<file path=ppt/notesSlides/notesSlide25.xml><?xml version="1.0" encoding="utf-8"?>
 <p:notes xmlns:a="http://schemas.openxmlformats.org/drawingml/2006/main" xmlns:r="http://schemas.openxmlformats.org/officeDocument/2006/relationships" xmlns:p="http://schemas.openxmlformats.org/presentationml/2006/main" showMasterSp="0" showMasterPhAnim="0">
   <p:cSld>
     <p:spTree>
@@ -2952,7 +2841,7 @@
               </a:spcAft>
               <a:buNone/>
             </a:pPr>
-            <a:endParaRPr/>
+            <a:endParaRPr dirty="0"/>
           </a:p>
         </p:txBody>
       </p:sp>
@@ -2969,7 +2858,7 @@
   <p:cSld>
     <p:spTree>
       <p:nvGrpSpPr>
-        <p:cNvPr id="1" name="Shape 74"/>
+        <p:cNvPr id="1" name="Shape 80"/>
         <p:cNvGrpSpPr/>
         <p:nvPr/>
       </p:nvGrpSpPr>
@@ -2983,7 +2872,7 @@
       </p:grpSpPr>
       <p:sp>
         <p:nvSpPr>
-          <p:cNvPr id="75" name="Google Shape;75;ga2e8d2e1f6_0_20:notes"/>
+          <p:cNvPr id="81" name="Google Shape;81;ga2e8d2e1f6_0_75:notes"/>
           <p:cNvSpPr>
             <a:spLocks noGrp="1" noRot="1" noChangeAspect="1"/>
           </p:cNvSpPr>
@@ -3024,7 +2913,7 @@
       </p:sp>
       <p:sp>
         <p:nvSpPr>
-          <p:cNvPr id="76" name="Google Shape;76;ga2e8d2e1f6_0_20:notes"/>
+          <p:cNvPr id="82" name="Google Shape;82;ga2e8d2e1f6_0_75:notes"/>
           <p:cNvSpPr txBox="1">
             <a:spLocks noGrp="1"/>
           </p:cNvSpPr>
@@ -3061,11 +2950,6 @@
         </p:txBody>
       </p:sp>
     </p:spTree>
-    <p:extLst>
-      <p:ext uri="{BB962C8B-B14F-4D97-AF65-F5344CB8AC3E}">
-        <p14:creationId xmlns:p14="http://schemas.microsoft.com/office/powerpoint/2010/main" val="2673306886"/>
-      </p:ext>
-    </p:extLst>
   </p:cSld>
   <p:clrMapOvr>
     <a:masterClrMapping/>
@@ -3170,6 +3054,11 @@
         </p:txBody>
       </p:sp>
     </p:spTree>
+    <p:extLst>
+      <p:ext uri="{BB962C8B-B14F-4D97-AF65-F5344CB8AC3E}">
+        <p14:creationId xmlns:p14="http://schemas.microsoft.com/office/powerpoint/2010/main" val="974409297"/>
+      </p:ext>
+    </p:extLst>
   </p:cSld>
   <p:clrMapOvr>
     <a:masterClrMapping/>
@@ -3276,7 +3165,7 @@
     </p:spTree>
     <p:extLst>
       <p:ext uri="{BB962C8B-B14F-4D97-AF65-F5344CB8AC3E}">
-        <p14:creationId xmlns:p14="http://schemas.microsoft.com/office/powerpoint/2010/main" val="974409297"/>
+        <p14:creationId xmlns:p14="http://schemas.microsoft.com/office/powerpoint/2010/main" val="801243526"/>
       </p:ext>
     </p:extLst>
   </p:cSld>
@@ -3385,7 +3274,7 @@
     </p:spTree>
     <p:extLst>
       <p:ext uri="{BB962C8B-B14F-4D97-AF65-F5344CB8AC3E}">
-        <p14:creationId xmlns:p14="http://schemas.microsoft.com/office/powerpoint/2010/main" val="801243526"/>
+        <p14:creationId xmlns:p14="http://schemas.microsoft.com/office/powerpoint/2010/main" val="4134617096"/>
       </p:ext>
     </p:extLst>
   </p:cSld>
@@ -3494,7 +3383,7 @@
     </p:spTree>
     <p:extLst>
       <p:ext uri="{BB962C8B-B14F-4D97-AF65-F5344CB8AC3E}">
-        <p14:creationId xmlns:p14="http://schemas.microsoft.com/office/powerpoint/2010/main" val="4134617096"/>
+        <p14:creationId xmlns:p14="http://schemas.microsoft.com/office/powerpoint/2010/main" val="2935618172"/>
       </p:ext>
     </p:extLst>
   </p:cSld>
@@ -8563,286 +8452,6 @@
   <p:cSld>
     <p:spTree>
       <p:nvGrpSpPr>
-        <p:cNvPr id="1" name=""/>
-        <p:cNvGrpSpPr/>
-        <p:nvPr/>
-      </p:nvGrpSpPr>
-      <p:grpSpPr>
-        <a:xfrm>
-          <a:off x="0" y="0"/>
-          <a:ext cx="0" cy="0"/>
-          <a:chOff x="0" y="0"/>
-          <a:chExt cx="0" cy="0"/>
-        </a:xfrm>
-      </p:grpSpPr>
-      <p:sp>
-        <p:nvSpPr>
-          <p:cNvPr id="2" name="Title 1">
-            <a:extLst>
-              <a:ext uri="{FF2B5EF4-FFF2-40B4-BE49-F238E27FC236}">
-                <a16:creationId xmlns:a16="http://schemas.microsoft.com/office/drawing/2014/main" id="{530D5B42-7055-4623-A2AE-E820E726C281}"/>
-              </a:ext>
-            </a:extLst>
-          </p:cNvPr>
-          <p:cNvSpPr>
-            <a:spLocks noGrp="1"/>
-          </p:cNvSpPr>
-          <p:nvPr>
-            <p:ph type="title"/>
-          </p:nvPr>
-        </p:nvSpPr>
-        <p:spPr/>
-        <p:txBody>
-          <a:bodyPr/>
-          <a:lstStyle/>
-          <a:p>
-            <a:r>
-              <a:rPr lang="en-US" b="1" dirty="0"/>
-              <a:t>Yes / No Checker Testing</a:t>
-            </a:r>
-            <a:endParaRPr lang="en-NZ" b="1" dirty="0"/>
-          </a:p>
-        </p:txBody>
-      </p:sp>
-      <p:pic>
-        <p:nvPicPr>
-          <p:cNvPr id="3" name="Picture 2">
-            <a:extLst>
-              <a:ext uri="{FF2B5EF4-FFF2-40B4-BE49-F238E27FC236}">
-                <a16:creationId xmlns:a16="http://schemas.microsoft.com/office/drawing/2014/main" id="{EF9BDCB2-D62E-4280-B512-E2F3B331180F}"/>
-              </a:ext>
-            </a:extLst>
-          </p:cNvPr>
-          <p:cNvPicPr>
-            <a:picLocks noChangeAspect="1"/>
-          </p:cNvPicPr>
-          <p:nvPr/>
-        </p:nvPicPr>
-        <p:blipFill>
-          <a:blip r:embed="rId2"/>
-          <a:stretch>
-            <a:fillRect/>
-          </a:stretch>
-        </p:blipFill>
-        <p:spPr>
-          <a:xfrm>
-            <a:off x="3518451" y="1474680"/>
-            <a:ext cx="4055188" cy="2355197"/>
-          </a:xfrm>
-          <a:prstGeom prst="rect">
-            <a:avLst/>
-          </a:prstGeom>
-        </p:spPr>
-      </p:pic>
-      <p:sp>
-        <p:nvSpPr>
-          <p:cNvPr id="6" name="Rectangle 5">
-            <a:extLst>
-              <a:ext uri="{FF2B5EF4-FFF2-40B4-BE49-F238E27FC236}">
-                <a16:creationId xmlns:a16="http://schemas.microsoft.com/office/drawing/2014/main" id="{4B07E0F8-BB7C-444A-BA05-88CEC5880AA6}"/>
-              </a:ext>
-            </a:extLst>
-          </p:cNvPr>
-          <p:cNvSpPr/>
-          <p:nvPr/>
-        </p:nvSpPr>
-        <p:spPr>
-          <a:xfrm>
-            <a:off x="954156" y="1481759"/>
-            <a:ext cx="1704548" cy="2179982"/>
-          </a:xfrm>
-          <a:prstGeom prst="rect">
-            <a:avLst/>
-          </a:prstGeom>
-        </p:spPr>
-        <p:style>
-          <a:lnRef idx="2">
-            <a:schemeClr val="accent1">
-              <a:shade val="50000"/>
-            </a:schemeClr>
-          </a:lnRef>
-          <a:fillRef idx="1">
-            <a:schemeClr val="accent1"/>
-          </a:fillRef>
-          <a:effectRef idx="0">
-            <a:schemeClr val="accent1"/>
-          </a:effectRef>
-          <a:fontRef idx="minor">
-            <a:schemeClr val="lt1"/>
-          </a:fontRef>
-        </p:style>
-        <p:txBody>
-          <a:bodyPr rtlCol="0" anchor="ctr"/>
-          <a:lstStyle/>
-          <a:p>
-            <a:r>
-              <a:rPr lang="en-NZ"/>
-              <a:t>All cases worked as expected (code has been looped to make testing easier)</a:t>
-            </a:r>
-            <a:endParaRPr lang="en-NZ" dirty="0"/>
-          </a:p>
-        </p:txBody>
-      </p:sp>
-    </p:spTree>
-    <p:extLst>
-      <p:ext uri="{BB962C8B-B14F-4D97-AF65-F5344CB8AC3E}">
-        <p14:creationId xmlns:p14="http://schemas.microsoft.com/office/powerpoint/2010/main" val="3716461137"/>
-      </p:ext>
-    </p:extLst>
-  </p:cSld>
-  <p:clrMapOvr>
-    <a:masterClrMapping/>
-  </p:clrMapOvr>
-</p:sld>
-</file>
-
-<file path=ppt/slides/slide11.xml><?xml version="1.0" encoding="utf-8"?>
-<p:sld xmlns:a="http://schemas.openxmlformats.org/drawingml/2006/main" xmlns:r="http://schemas.openxmlformats.org/officeDocument/2006/relationships" xmlns:p="http://schemas.openxmlformats.org/presentationml/2006/main">
-  <p:cSld>
-    <p:bg>
-      <p:bgPr>
-        <a:solidFill>
-          <a:srgbClr val="FFD966"/>
-        </a:solidFill>
-        <a:effectLst/>
-      </p:bgPr>
-    </p:bg>
-    <p:spTree>
-      <p:nvGrpSpPr>
-        <p:cNvPr id="1" name="Shape 83"/>
-        <p:cNvGrpSpPr/>
-        <p:nvPr/>
-      </p:nvGrpSpPr>
-      <p:grpSpPr>
-        <a:xfrm>
-          <a:off x="0" y="0"/>
-          <a:ext cx="0" cy="0"/>
-          <a:chOff x="0" y="0"/>
-          <a:chExt cx="0" cy="0"/>
-        </a:xfrm>
-      </p:grpSpPr>
-      <p:sp>
-        <p:nvSpPr>
-          <p:cNvPr id="84" name="Google Shape;84;p18"/>
-          <p:cNvSpPr txBox="1">
-            <a:spLocks noGrp="1"/>
-          </p:cNvSpPr>
-          <p:nvPr>
-            <p:ph type="title"/>
-          </p:nvPr>
-        </p:nvSpPr>
-        <p:spPr>
-          <a:xfrm>
-            <a:off x="311700" y="445025"/>
-            <a:ext cx="8520600" cy="572700"/>
-          </a:xfrm>
-          <a:prstGeom prst="rect">
-            <a:avLst/>
-          </a:prstGeom>
-        </p:spPr>
-        <p:txBody>
-          <a:bodyPr spcFirstLastPara="1" wrap="square" lIns="91425" tIns="91425" rIns="91425" bIns="91425" anchor="t" anchorCtr="0">
-            <a:noAutofit/>
-          </a:bodyPr>
-          <a:lstStyle/>
-          <a:p>
-            <a:pPr marL="0" lvl="0" indent="0" algn="l" rtl="0">
-              <a:spcBef>
-                <a:spcPts val="0"/>
-              </a:spcBef>
-              <a:spcAft>
-                <a:spcPts val="0"/>
-              </a:spcAft>
-              <a:buNone/>
-            </a:pPr>
-            <a:r>
-              <a:rPr lang="en-NZ" b="1" dirty="0"/>
-              <a:t>Yes / No trialling</a:t>
-            </a:r>
-            <a:endParaRPr b="1" dirty="0"/>
-          </a:p>
-        </p:txBody>
-      </p:sp>
-      <p:sp>
-        <p:nvSpPr>
-          <p:cNvPr id="85" name="Google Shape;85;p18"/>
-          <p:cNvSpPr txBox="1">
-            <a:spLocks noGrp="1"/>
-          </p:cNvSpPr>
-          <p:nvPr>
-            <p:ph type="body" idx="1"/>
-          </p:nvPr>
-        </p:nvSpPr>
-        <p:spPr>
-          <a:xfrm>
-            <a:off x="311700" y="1152475"/>
-            <a:ext cx="8520600" cy="3416400"/>
-          </a:xfrm>
-          <a:prstGeom prst="rect">
-            <a:avLst/>
-          </a:prstGeom>
-        </p:spPr>
-        <p:txBody>
-          <a:bodyPr spcFirstLastPara="1" wrap="square" lIns="91425" tIns="91425" rIns="91425" bIns="91425" anchor="t" anchorCtr="0">
-            <a:noAutofit/>
-          </a:bodyPr>
-          <a:lstStyle/>
-          <a:p>
-            <a:pPr marL="0" lvl="0" indent="0" algn="l" rtl="0">
-              <a:spcBef>
-                <a:spcPts val="0"/>
-              </a:spcBef>
-              <a:spcAft>
-                <a:spcPts val="1600"/>
-              </a:spcAft>
-              <a:buNone/>
-            </a:pPr>
-            <a:r>
-              <a:rPr lang="en" i="1" dirty="0"/>
-              <a:t>Intial Trial: The code worked for yes / no but failed if UPPERCASE characters were used.</a:t>
-            </a:r>
-            <a:br>
-              <a:rPr lang="en" i="1" dirty="0"/>
-            </a:br>
-            <a:r>
-              <a:rPr lang="en" i="1" dirty="0"/>
-              <a:t>Trial 1 (01_yes_no_v1.py): This piece of code worked for both UPPER and lower case characters but was ineffecient. It has five if / elif / else statements and quite a bit of repeated code. </a:t>
-            </a:r>
-            <a:br>
-              <a:rPr lang="en" i="1" dirty="0"/>
-            </a:br>
-            <a:r>
-              <a:rPr lang="en" i="1" dirty="0"/>
-              <a:t>Trial 2 (01_yes_no_v2): I used the ‘or’ command</a:t>
-            </a:r>
-            <a:r>
-              <a:rPr lang="en-NZ" i="1" dirty="0"/>
-              <a:t> to combine my ‘yes’ / ‘y’ statements and this code is more efficient compared with trial #1. </a:t>
-            </a:r>
-            <a:br>
-              <a:rPr lang="en-NZ" i="1" dirty="0"/>
-            </a:br>
-            <a:r>
-              <a:rPr lang="en-NZ" i="1" dirty="0"/>
-              <a:t>Trial 3 (02_yes_no_v1.py): I made the code from trial 3 into a function which makes it easy to ask more than one yes / no question in a program. I will use this function in my Lucky Unicorn outcome. </a:t>
-            </a:r>
-            <a:endParaRPr i="1" dirty="0"/>
-          </a:p>
-        </p:txBody>
-      </p:sp>
-    </p:spTree>
-  </p:cSld>
-  <p:clrMapOvr>
-    <a:masterClrMapping/>
-  </p:clrMapOvr>
-</p:sld>
-</file>
-
-<file path=ppt/slides/slide12.xml><?xml version="1.0" encoding="utf-8"?>
-<p:sld xmlns:a="http://schemas.openxmlformats.org/drawingml/2006/main" xmlns:r="http://schemas.openxmlformats.org/officeDocument/2006/relationships" xmlns:p="http://schemas.openxmlformats.org/presentationml/2006/main">
-  <p:cSld>
-    <p:spTree>
-      <p:nvGrpSpPr>
         <p:cNvPr id="1" name="Shape 83"/>
         <p:cNvGrpSpPr/>
         <p:nvPr/>
@@ -9080,7 +8689,7 @@
 </p:sld>
 </file>
 
-<file path=ppt/slides/slide13.xml><?xml version="1.0" encoding="utf-8"?>
+<file path=ppt/slides/slide11.xml><?xml version="1.0" encoding="utf-8"?>
 <p:sld xmlns:a="http://schemas.openxmlformats.org/drawingml/2006/main" xmlns:r="http://schemas.openxmlformats.org/officeDocument/2006/relationships" xmlns:p="http://schemas.openxmlformats.org/presentationml/2006/main">
   <p:cSld>
     <p:spTree>
@@ -9224,7 +8833,7 @@
 </p:sld>
 </file>
 
-<file path=ppt/slides/slide14.xml><?xml version="1.0" encoding="utf-8"?>
+<file path=ppt/slides/slide12.xml><?xml version="1.0" encoding="utf-8"?>
 <p:sld xmlns:a="http://schemas.openxmlformats.org/drawingml/2006/main" xmlns:r="http://schemas.openxmlformats.org/officeDocument/2006/relationships" xmlns:p="http://schemas.openxmlformats.org/presentationml/2006/main">
   <p:cSld>
     <p:spTree>
@@ -9313,7 +8922,7 @@
 </p:sld>
 </file>
 
-<file path=ppt/slides/slide15.xml><?xml version="1.0" encoding="utf-8"?>
+<file path=ppt/slides/slide13.xml><?xml version="1.0" encoding="utf-8"?>
 <p:sld xmlns:a="http://schemas.openxmlformats.org/drawingml/2006/main" xmlns:r="http://schemas.openxmlformats.org/officeDocument/2006/relationships" xmlns:p="http://schemas.openxmlformats.org/presentationml/2006/main">
   <p:cSld>
     <p:spTree>
@@ -9450,7 +9059,7 @@
 </p:sld>
 </file>
 
-<file path=ppt/slides/slide16.xml><?xml version="1.0" encoding="utf-8"?>
+<file path=ppt/slides/slide14.xml><?xml version="1.0" encoding="utf-8"?>
 <p:sld xmlns:a="http://schemas.openxmlformats.org/drawingml/2006/main" xmlns:r="http://schemas.openxmlformats.org/officeDocument/2006/relationships" xmlns:p="http://schemas.openxmlformats.org/presentationml/2006/main">
   <p:cSld>
     <p:spTree>
@@ -9658,7 +9267,7 @@
 </p:sld>
 </file>
 
-<file path=ppt/slides/slide17.xml><?xml version="1.0" encoding="utf-8"?>
+<file path=ppt/slides/slide15.xml><?xml version="1.0" encoding="utf-8"?>
 <p:sld xmlns:a="http://schemas.openxmlformats.org/drawingml/2006/main" xmlns:r="http://schemas.openxmlformats.org/officeDocument/2006/relationships" xmlns:p="http://schemas.openxmlformats.org/presentationml/2006/main">
   <p:cSld>
     <p:spTree>
@@ -9982,7 +9591,7 @@
 </p:sld>
 </file>
 
-<file path=ppt/slides/slide18.xml><?xml version="1.0" encoding="utf-8"?>
+<file path=ppt/slides/slide16.xml><?xml version="1.0" encoding="utf-8"?>
 <p:sld xmlns:a="http://schemas.openxmlformats.org/drawingml/2006/main" xmlns:r="http://schemas.openxmlformats.org/officeDocument/2006/relationships" xmlns:p="http://schemas.openxmlformats.org/presentationml/2006/main">
   <p:cSld>
     <p:spTree>
@@ -10498,7 +10107,7 @@
 </p:sld>
 </file>
 
-<file path=ppt/slides/slide19.xml><?xml version="1.0" encoding="utf-8"?>
+<file path=ppt/slides/slide17.xml><?xml version="1.0" encoding="utf-8"?>
 <p:sld xmlns:a="http://schemas.openxmlformats.org/drawingml/2006/main" xmlns:r="http://schemas.openxmlformats.org/officeDocument/2006/relationships" xmlns:p="http://schemas.openxmlformats.org/presentationml/2006/main">
   <p:cSld>
     <p:spTree>
@@ -10679,112 +10288,7 @@
 </p:sld>
 </file>
 
-<file path=ppt/slides/slide2.xml><?xml version="1.0" encoding="utf-8"?>
-<p:sld xmlns:a="http://schemas.openxmlformats.org/drawingml/2006/main" xmlns:r="http://schemas.openxmlformats.org/officeDocument/2006/relationships" xmlns:p="http://schemas.openxmlformats.org/presentationml/2006/main">
-  <p:cSld>
-    <p:bg>
-      <p:bgPr>
-        <a:solidFill>
-          <a:srgbClr val="D9EAD3"/>
-        </a:solidFill>
-        <a:effectLst/>
-      </p:bgPr>
-    </p:bg>
-    <p:spTree>
-      <p:nvGrpSpPr>
-        <p:cNvPr id="1" name="Shape 66"/>
-        <p:cNvGrpSpPr/>
-        <p:nvPr/>
-      </p:nvGrpSpPr>
-      <p:grpSpPr>
-        <a:xfrm>
-          <a:off x="0" y="0"/>
-          <a:ext cx="0" cy="0"/>
-          <a:chOff x="0" y="0"/>
-          <a:chExt cx="0" cy="0"/>
-        </a:xfrm>
-      </p:grpSpPr>
-      <p:sp>
-        <p:nvSpPr>
-          <p:cNvPr id="67" name="Google Shape;67;p15"/>
-          <p:cNvSpPr txBox="1">
-            <a:spLocks noGrp="1"/>
-          </p:cNvSpPr>
-          <p:nvPr>
-            <p:ph type="title"/>
-          </p:nvPr>
-        </p:nvSpPr>
-        <p:spPr>
-          <a:xfrm>
-            <a:off x="311700" y="445025"/>
-            <a:ext cx="8520600" cy="572700"/>
-          </a:xfrm>
-          <a:prstGeom prst="rect">
-            <a:avLst/>
-          </a:prstGeom>
-        </p:spPr>
-        <p:txBody>
-          <a:bodyPr spcFirstLastPara="1" wrap="square" lIns="91425" tIns="91425" rIns="91425" bIns="91425" anchor="t" anchorCtr="0">
-            <a:noAutofit/>
-          </a:bodyPr>
-          <a:lstStyle/>
-          <a:p>
-            <a:pPr marL="0" lvl="0" indent="0" algn="l" rtl="0">
-              <a:spcBef>
-                <a:spcPts val="0"/>
-              </a:spcBef>
-              <a:spcAft>
-                <a:spcPts val="0"/>
-              </a:spcAft>
-              <a:buNone/>
-            </a:pPr>
-            <a:r>
-              <a:rPr lang="en" b="1" dirty="0"/>
-              <a:t>Decomposition</a:t>
-            </a:r>
-            <a:endParaRPr b="1" dirty="0"/>
-          </a:p>
-        </p:txBody>
-      </p:sp>
-      <p:pic>
-        <p:nvPicPr>
-          <p:cNvPr id="2" name="Picture 1">
-            <a:extLst>
-              <a:ext uri="{FF2B5EF4-FFF2-40B4-BE49-F238E27FC236}">
-                <a16:creationId xmlns:a16="http://schemas.microsoft.com/office/drawing/2014/main" id="{B89EF260-77D9-4233-8AB5-57CEACD591F9}"/>
-              </a:ext>
-            </a:extLst>
-          </p:cNvPr>
-          <p:cNvPicPr>
-            <a:picLocks noChangeAspect="1"/>
-          </p:cNvPicPr>
-          <p:nvPr/>
-        </p:nvPicPr>
-        <p:blipFill>
-          <a:blip r:embed="rId3"/>
-          <a:stretch>
-            <a:fillRect/>
-          </a:stretch>
-        </p:blipFill>
-        <p:spPr>
-          <a:xfrm>
-            <a:off x="514779" y="1144283"/>
-            <a:ext cx="2052421" cy="3554192"/>
-          </a:xfrm>
-          <a:prstGeom prst="rect">
-            <a:avLst/>
-          </a:prstGeom>
-        </p:spPr>
-      </p:pic>
-    </p:spTree>
-  </p:cSld>
-  <p:clrMapOvr>
-    <a:masterClrMapping/>
-  </p:clrMapOvr>
-</p:sld>
-</file>
-
-<file path=ppt/slides/slide20.xml><?xml version="1.0" encoding="utf-8"?>
+<file path=ppt/slides/slide18.xml><?xml version="1.0" encoding="utf-8"?>
 <p:sld xmlns:a="http://schemas.openxmlformats.org/drawingml/2006/main" xmlns:r="http://schemas.openxmlformats.org/officeDocument/2006/relationships" xmlns:p="http://schemas.openxmlformats.org/presentationml/2006/main">
   <p:cSld>
     <p:spTree>
@@ -10932,7 +10436,7 @@
 </p:sld>
 </file>
 
-<file path=ppt/slides/slide21.xml><?xml version="1.0" encoding="utf-8"?>
+<file path=ppt/slides/slide19.xml><?xml version="1.0" encoding="utf-8"?>
 <p:sld xmlns:a="http://schemas.openxmlformats.org/drawingml/2006/main" xmlns:r="http://schemas.openxmlformats.org/officeDocument/2006/relationships" xmlns:p="http://schemas.openxmlformats.org/presentationml/2006/main">
   <p:cSld>
     <p:spTree>
@@ -11207,7 +10711,112 @@
 </p:sld>
 </file>
 
-<file path=ppt/slides/slide22.xml><?xml version="1.0" encoding="utf-8"?>
+<file path=ppt/slides/slide2.xml><?xml version="1.0" encoding="utf-8"?>
+<p:sld xmlns:a="http://schemas.openxmlformats.org/drawingml/2006/main" xmlns:r="http://schemas.openxmlformats.org/officeDocument/2006/relationships" xmlns:p="http://schemas.openxmlformats.org/presentationml/2006/main">
+  <p:cSld>
+    <p:bg>
+      <p:bgPr>
+        <a:solidFill>
+          <a:srgbClr val="D9EAD3"/>
+        </a:solidFill>
+        <a:effectLst/>
+      </p:bgPr>
+    </p:bg>
+    <p:spTree>
+      <p:nvGrpSpPr>
+        <p:cNvPr id="1" name="Shape 66"/>
+        <p:cNvGrpSpPr/>
+        <p:nvPr/>
+      </p:nvGrpSpPr>
+      <p:grpSpPr>
+        <a:xfrm>
+          <a:off x="0" y="0"/>
+          <a:ext cx="0" cy="0"/>
+          <a:chOff x="0" y="0"/>
+          <a:chExt cx="0" cy="0"/>
+        </a:xfrm>
+      </p:grpSpPr>
+      <p:sp>
+        <p:nvSpPr>
+          <p:cNvPr id="67" name="Google Shape;67;p15"/>
+          <p:cNvSpPr txBox="1">
+            <a:spLocks noGrp="1"/>
+          </p:cNvSpPr>
+          <p:nvPr>
+            <p:ph type="title"/>
+          </p:nvPr>
+        </p:nvSpPr>
+        <p:spPr>
+          <a:xfrm>
+            <a:off x="311700" y="445025"/>
+            <a:ext cx="8520600" cy="572700"/>
+          </a:xfrm>
+          <a:prstGeom prst="rect">
+            <a:avLst/>
+          </a:prstGeom>
+        </p:spPr>
+        <p:txBody>
+          <a:bodyPr spcFirstLastPara="1" wrap="square" lIns="91425" tIns="91425" rIns="91425" bIns="91425" anchor="t" anchorCtr="0">
+            <a:noAutofit/>
+          </a:bodyPr>
+          <a:lstStyle/>
+          <a:p>
+            <a:pPr marL="0" lvl="0" indent="0" algn="l" rtl="0">
+              <a:spcBef>
+                <a:spcPts val="0"/>
+              </a:spcBef>
+              <a:spcAft>
+                <a:spcPts val="0"/>
+              </a:spcAft>
+              <a:buNone/>
+            </a:pPr>
+            <a:r>
+              <a:rPr lang="en" b="1" dirty="0"/>
+              <a:t>Decomposition</a:t>
+            </a:r>
+            <a:endParaRPr b="1" dirty="0"/>
+          </a:p>
+        </p:txBody>
+      </p:sp>
+      <p:pic>
+        <p:nvPicPr>
+          <p:cNvPr id="2" name="Picture 1">
+            <a:extLst>
+              <a:ext uri="{FF2B5EF4-FFF2-40B4-BE49-F238E27FC236}">
+                <a16:creationId xmlns:a16="http://schemas.microsoft.com/office/drawing/2014/main" id="{B89EF260-77D9-4233-8AB5-57CEACD591F9}"/>
+              </a:ext>
+            </a:extLst>
+          </p:cNvPr>
+          <p:cNvPicPr>
+            <a:picLocks noChangeAspect="1"/>
+          </p:cNvPicPr>
+          <p:nvPr/>
+        </p:nvPicPr>
+        <p:blipFill>
+          <a:blip r:embed="rId3"/>
+          <a:stretch>
+            <a:fillRect/>
+          </a:stretch>
+        </p:blipFill>
+        <p:spPr>
+          <a:xfrm>
+            <a:off x="514779" y="1144283"/>
+            <a:ext cx="2052421" cy="3554192"/>
+          </a:xfrm>
+          <a:prstGeom prst="rect">
+            <a:avLst/>
+          </a:prstGeom>
+        </p:spPr>
+      </p:pic>
+    </p:spTree>
+  </p:cSld>
+  <p:clrMapOvr>
+    <a:masterClrMapping/>
+  </p:clrMapOvr>
+</p:sld>
+</file>
+
+<file path=ppt/slides/slide20.xml><?xml version="1.0" encoding="utf-8"?>
 <p:sld xmlns:a="http://schemas.openxmlformats.org/drawingml/2006/main" xmlns:r="http://schemas.openxmlformats.org/officeDocument/2006/relationships" xmlns:p="http://schemas.openxmlformats.org/presentationml/2006/main">
   <p:cSld>
     <p:spTree>
@@ -11451,7 +11060,7 @@
 </p:sld>
 </file>
 
-<file path=ppt/slides/slide23.xml><?xml version="1.0" encoding="utf-8"?>
+<file path=ppt/slides/slide21.xml><?xml version="1.0" encoding="utf-8"?>
 <p:sld xmlns:a="http://schemas.openxmlformats.org/drawingml/2006/main" xmlns:r="http://schemas.openxmlformats.org/officeDocument/2006/relationships" xmlns:p="http://schemas.openxmlformats.org/presentationml/2006/main">
   <p:cSld>
     <p:spTree>
@@ -11602,7 +11211,7 @@
 </p:sld>
 </file>
 
-<file path=ppt/slides/slide24.xml><?xml version="1.0" encoding="utf-8"?>
+<file path=ppt/slides/slide22.xml><?xml version="1.0" encoding="utf-8"?>
 <p:sld xmlns:a="http://schemas.openxmlformats.org/drawingml/2006/main" xmlns:r="http://schemas.openxmlformats.org/officeDocument/2006/relationships" xmlns:p="http://schemas.openxmlformats.org/presentationml/2006/main">
   <p:cSld>
     <p:spTree>
@@ -11852,7 +11461,7 @@
 </p:sld>
 </file>
 
-<file path=ppt/slides/slide25.xml><?xml version="1.0" encoding="utf-8"?>
+<file path=ppt/slides/slide23.xml><?xml version="1.0" encoding="utf-8"?>
 <p:sld xmlns:a="http://schemas.openxmlformats.org/drawingml/2006/main" xmlns:r="http://schemas.openxmlformats.org/officeDocument/2006/relationships" xmlns:p="http://schemas.openxmlformats.org/presentationml/2006/main">
   <p:cSld>
     <p:spTree>
@@ -12120,7 +11729,7 @@
 </p:sld>
 </file>
 
-<file path=ppt/slides/slide26.xml><?xml version="1.0" encoding="utf-8"?>
+<file path=ppt/slides/slide24.xml><?xml version="1.0" encoding="utf-8"?>
 <p:sld xmlns:a="http://schemas.openxmlformats.org/drawingml/2006/main" xmlns:r="http://schemas.openxmlformats.org/officeDocument/2006/relationships" xmlns:p="http://schemas.openxmlformats.org/presentationml/2006/main">
   <p:cSld>
     <p:spTree>
@@ -12373,7 +11982,7 @@
 </p:sld>
 </file>
 
-<file path=ppt/slides/slide27.xml><?xml version="1.0" encoding="utf-8"?>
+<file path=ppt/slides/slide25.xml><?xml version="1.0" encoding="utf-8"?>
 <p:sld xmlns:a="http://schemas.openxmlformats.org/drawingml/2006/main" xmlns:r="http://schemas.openxmlformats.org/officeDocument/2006/relationships" xmlns:p="http://schemas.openxmlformats.org/presentationml/2006/main">
   <p:cSld>
     <p:spTree>
@@ -12505,7 +12114,7 @@
 </p:sld>
 </file>
 
-<file path=ppt/slides/slide28.xml><?xml version="1.0" encoding="utf-8"?>
+<file path=ppt/slides/slide26.xml><?xml version="1.0" encoding="utf-8"?>
 <p:sld xmlns:a="http://schemas.openxmlformats.org/drawingml/2006/main" xmlns:r="http://schemas.openxmlformats.org/officeDocument/2006/relationships" xmlns:p="http://schemas.openxmlformats.org/presentationml/2006/main">
   <p:cSld>
     <p:spTree>
@@ -12637,7 +12246,7 @@
 </p:sld>
 </file>
 
-<file path=ppt/slides/slide29.xml><?xml version="1.0" encoding="utf-8"?>
+<file path=ppt/slides/slide27.xml><?xml version="1.0" encoding="utf-8"?>
 <p:sld xmlns:a="http://schemas.openxmlformats.org/drawingml/2006/main" xmlns:r="http://schemas.openxmlformats.org/officeDocument/2006/relationships" xmlns:p="http://schemas.openxmlformats.org/presentationml/2006/main">
   <p:cSld>
     <p:spTree>
@@ -12760,6 +12369,263 @@
     <p:extLst>
       <p:ext uri="{BB962C8B-B14F-4D97-AF65-F5344CB8AC3E}">
         <p14:creationId xmlns:p14="http://schemas.microsoft.com/office/powerpoint/2010/main" val="3630987550"/>
+      </p:ext>
+    </p:extLst>
+  </p:cSld>
+  <p:clrMapOvr>
+    <a:masterClrMapping/>
+  </p:clrMapOvr>
+</p:sld>
+</file>
+
+<file path=ppt/slides/slide28.xml><?xml version="1.0" encoding="utf-8"?>
+<p:sld xmlns:a="http://schemas.openxmlformats.org/drawingml/2006/main" xmlns:r="http://schemas.openxmlformats.org/officeDocument/2006/relationships" xmlns:p="http://schemas.openxmlformats.org/presentationml/2006/main">
+  <p:cSld>
+    <p:spTree>
+      <p:nvGrpSpPr>
+        <p:cNvPr id="1" name="Shape 83"/>
+        <p:cNvGrpSpPr/>
+        <p:nvPr/>
+      </p:nvGrpSpPr>
+      <p:grpSpPr>
+        <a:xfrm>
+          <a:off x="0" y="0"/>
+          <a:ext cx="0" cy="0"/>
+          <a:chOff x="0" y="0"/>
+          <a:chExt cx="0" cy="0"/>
+        </a:xfrm>
+      </p:grpSpPr>
+      <p:sp>
+        <p:nvSpPr>
+          <p:cNvPr id="84" name="Google Shape;84;p18"/>
+          <p:cNvSpPr txBox="1">
+            <a:spLocks noGrp="1"/>
+          </p:cNvSpPr>
+          <p:nvPr>
+            <p:ph type="title"/>
+          </p:nvPr>
+        </p:nvSpPr>
+        <p:spPr>
+          <a:xfrm>
+            <a:off x="311700" y="445025"/>
+            <a:ext cx="8520600" cy="572700"/>
+          </a:xfrm>
+          <a:prstGeom prst="rect">
+            <a:avLst/>
+          </a:prstGeom>
+        </p:spPr>
+        <p:txBody>
+          <a:bodyPr spcFirstLastPara="1" wrap="square" lIns="91425" tIns="91425" rIns="91425" bIns="91425" anchor="t" anchorCtr="0">
+            <a:noAutofit/>
+          </a:bodyPr>
+          <a:lstStyle/>
+          <a:p>
+            <a:pPr marL="0" lvl="0" indent="0" algn="l" rtl="0">
+              <a:spcBef>
+                <a:spcPts val="0"/>
+              </a:spcBef>
+              <a:spcAft>
+                <a:spcPts val="0"/>
+              </a:spcAft>
+              <a:buNone/>
+            </a:pPr>
+            <a:r>
+              <a:rPr lang="en" b="1" dirty="0"/>
+              <a:t>Addressing Relevant Implications</a:t>
+            </a:r>
+            <a:endParaRPr b="1" dirty="0"/>
+          </a:p>
+        </p:txBody>
+      </p:sp>
+      <p:sp>
+        <p:nvSpPr>
+          <p:cNvPr id="85" name="Google Shape;85;p18"/>
+          <p:cNvSpPr txBox="1">
+            <a:spLocks noGrp="1"/>
+          </p:cNvSpPr>
+          <p:nvPr>
+            <p:ph type="body" idx="1"/>
+          </p:nvPr>
+        </p:nvSpPr>
+        <p:spPr>
+          <a:xfrm>
+            <a:off x="311700" y="1152475"/>
+            <a:ext cx="8520600" cy="3416400"/>
+          </a:xfrm>
+          <a:prstGeom prst="rect">
+            <a:avLst/>
+          </a:prstGeom>
+        </p:spPr>
+        <p:txBody>
+          <a:bodyPr spcFirstLastPara="1" wrap="square" lIns="91425" tIns="91425" rIns="91425" bIns="91425" anchor="t" anchorCtr="0">
+            <a:noAutofit/>
+          </a:bodyPr>
+          <a:lstStyle/>
+          <a:p>
+            <a:pPr marL="0" lvl="0" indent="0" algn="l" rtl="0">
+              <a:spcBef>
+                <a:spcPts val="0"/>
+              </a:spcBef>
+              <a:spcAft>
+                <a:spcPts val="1600"/>
+              </a:spcAft>
+              <a:buNone/>
+            </a:pPr>
+            <a:r>
+              <a:rPr lang="en-NZ" i="1" dirty="0"/>
+              <a:t>I’ve comprehensively tested my outcome to ensure that the functionality implication has been address (i.e., it works for expected, unexpected, and boundary values).</a:t>
+            </a:r>
+          </a:p>
+          <a:p>
+            <a:pPr marL="0" lvl="0" indent="0" algn="l" rtl="0">
+              <a:spcBef>
+                <a:spcPts val="0"/>
+              </a:spcBef>
+              <a:spcAft>
+                <a:spcPts val="1600"/>
+              </a:spcAft>
+              <a:buNone/>
+            </a:pPr>
+            <a:r>
+              <a:rPr lang="en-NZ" i="1" dirty="0"/>
+              <a:t>The inclusion of optional instructions and clear error messages help to make the out come easy to use (i.e., addresses the Usability implication)</a:t>
+            </a:r>
+          </a:p>
+          <a:p>
+            <a:pPr marL="0" lvl="0" indent="0" algn="l" rtl="0">
+              <a:spcBef>
+                <a:spcPts val="0"/>
+              </a:spcBef>
+              <a:spcAft>
+                <a:spcPts val="1600"/>
+              </a:spcAft>
+              <a:buNone/>
+            </a:pPr>
+            <a:r>
+              <a:rPr lang="en-NZ" i="1" dirty="0"/>
+              <a:t>I’ve also carefully spaced the program’s output and used a statement generator function to address the aesthetics implication. Whilst aesthetics is not the main focus of text based programs, ensuring the outcome looks good also helps address the usability implication.</a:t>
+            </a:r>
+          </a:p>
+        </p:txBody>
+      </p:sp>
+    </p:spTree>
+    <p:extLst>
+      <p:ext uri="{BB962C8B-B14F-4D97-AF65-F5344CB8AC3E}">
+        <p14:creationId xmlns:p14="http://schemas.microsoft.com/office/powerpoint/2010/main" val="251612550"/>
+      </p:ext>
+    </p:extLst>
+  </p:cSld>
+  <p:clrMapOvr>
+    <a:masterClrMapping/>
+  </p:clrMapOvr>
+</p:sld>
+</file>
+
+<file path=ppt/slides/slide29.xml><?xml version="1.0" encoding="utf-8"?>
+<p:sld xmlns:a="http://schemas.openxmlformats.org/drawingml/2006/main" xmlns:r="http://schemas.openxmlformats.org/officeDocument/2006/relationships" xmlns:p="http://schemas.openxmlformats.org/presentationml/2006/main">
+  <p:cSld>
+    <p:spTree>
+      <p:nvGrpSpPr>
+        <p:cNvPr id="1" name="Shape 83"/>
+        <p:cNvGrpSpPr/>
+        <p:nvPr/>
+      </p:nvGrpSpPr>
+      <p:grpSpPr>
+        <a:xfrm>
+          <a:off x="0" y="0"/>
+          <a:ext cx="0" cy="0"/>
+          <a:chOff x="0" y="0"/>
+          <a:chExt cx="0" cy="0"/>
+        </a:xfrm>
+      </p:grpSpPr>
+      <p:sp>
+        <p:nvSpPr>
+          <p:cNvPr id="84" name="Google Shape;84;p18"/>
+          <p:cNvSpPr txBox="1">
+            <a:spLocks noGrp="1"/>
+          </p:cNvSpPr>
+          <p:nvPr>
+            <p:ph type="title"/>
+          </p:nvPr>
+        </p:nvSpPr>
+        <p:spPr>
+          <a:xfrm>
+            <a:off x="311700" y="445025"/>
+            <a:ext cx="8520600" cy="572700"/>
+          </a:xfrm>
+          <a:prstGeom prst="rect">
+            <a:avLst/>
+          </a:prstGeom>
+        </p:spPr>
+        <p:txBody>
+          <a:bodyPr spcFirstLastPara="1" wrap="square" lIns="91425" tIns="91425" rIns="91425" bIns="91425" anchor="t" anchorCtr="0">
+            <a:noAutofit/>
+          </a:bodyPr>
+          <a:lstStyle/>
+          <a:p>
+            <a:pPr marL="0" lvl="0" indent="0" algn="l" rtl="0">
+              <a:spcBef>
+                <a:spcPts val="0"/>
+              </a:spcBef>
+              <a:spcAft>
+                <a:spcPts val="0"/>
+              </a:spcAft>
+              <a:buNone/>
+            </a:pPr>
+            <a:r>
+              <a:rPr lang="en" b="1" dirty="0"/>
+              <a:t>Addressing Relevant Implications</a:t>
+            </a:r>
+            <a:endParaRPr b="1" dirty="0"/>
+          </a:p>
+        </p:txBody>
+      </p:sp>
+      <p:sp>
+        <p:nvSpPr>
+          <p:cNvPr id="85" name="Google Shape;85;p18"/>
+          <p:cNvSpPr txBox="1">
+            <a:spLocks noGrp="1"/>
+          </p:cNvSpPr>
+          <p:nvPr>
+            <p:ph type="body" idx="1"/>
+          </p:nvPr>
+        </p:nvSpPr>
+        <p:spPr>
+          <a:xfrm>
+            <a:off x="311700" y="1152475"/>
+            <a:ext cx="8520600" cy="3416400"/>
+          </a:xfrm>
+          <a:prstGeom prst="rect">
+            <a:avLst/>
+          </a:prstGeom>
+        </p:spPr>
+        <p:txBody>
+          <a:bodyPr spcFirstLastPara="1" wrap="square" lIns="91425" tIns="91425" rIns="91425" bIns="91425" anchor="t" anchorCtr="0">
+            <a:noAutofit/>
+          </a:bodyPr>
+          <a:lstStyle/>
+          <a:p>
+            <a:pPr marL="0" lvl="0" indent="0" algn="l" rtl="0">
+              <a:spcBef>
+                <a:spcPts val="0"/>
+              </a:spcBef>
+              <a:spcAft>
+                <a:spcPts val="1600"/>
+              </a:spcAft>
+              <a:buNone/>
+            </a:pPr>
+            <a:r>
+              <a:rPr lang="en" i="1" dirty="0"/>
+              <a:t>Finally, my program has a limit on the amount users can spend. This addreses the social implicayion as we have a gambling game but want toensure that users do not spend an excessive amount of money. </a:t>
+            </a:r>
+            <a:endParaRPr i="1" dirty="0"/>
+          </a:p>
+        </p:txBody>
+      </p:sp>
+    </p:spTree>
+    <p:extLst>
+      <p:ext uri="{BB962C8B-B14F-4D97-AF65-F5344CB8AC3E}">
+        <p14:creationId xmlns:p14="http://schemas.microsoft.com/office/powerpoint/2010/main" val="824036131"/>
       </p:ext>
     </p:extLst>
   </p:cSld>
@@ -13441,263 +13307,6 @@
             </a:pPr>
             <a:r>
               <a:rPr lang="en" b="1" dirty="0"/>
-              <a:t>Addressing Relevant Implications</a:t>
-            </a:r>
-            <a:endParaRPr b="1" dirty="0"/>
-          </a:p>
-        </p:txBody>
-      </p:sp>
-      <p:sp>
-        <p:nvSpPr>
-          <p:cNvPr id="85" name="Google Shape;85;p18"/>
-          <p:cNvSpPr txBox="1">
-            <a:spLocks noGrp="1"/>
-          </p:cNvSpPr>
-          <p:nvPr>
-            <p:ph type="body" idx="1"/>
-          </p:nvPr>
-        </p:nvSpPr>
-        <p:spPr>
-          <a:xfrm>
-            <a:off x="311700" y="1152475"/>
-            <a:ext cx="8520600" cy="3416400"/>
-          </a:xfrm>
-          <a:prstGeom prst="rect">
-            <a:avLst/>
-          </a:prstGeom>
-        </p:spPr>
-        <p:txBody>
-          <a:bodyPr spcFirstLastPara="1" wrap="square" lIns="91425" tIns="91425" rIns="91425" bIns="91425" anchor="t" anchorCtr="0">
-            <a:noAutofit/>
-          </a:bodyPr>
-          <a:lstStyle/>
-          <a:p>
-            <a:pPr marL="0" lvl="0" indent="0" algn="l" rtl="0">
-              <a:spcBef>
-                <a:spcPts val="0"/>
-              </a:spcBef>
-              <a:spcAft>
-                <a:spcPts val="1600"/>
-              </a:spcAft>
-              <a:buNone/>
-            </a:pPr>
-            <a:r>
-              <a:rPr lang="en-NZ" i="1" dirty="0"/>
-              <a:t>I’ve comprehensively tested my outcome to ensure that the functionality implication has been address (i.e., it works for expected, unexpected, and boundary values).</a:t>
-            </a:r>
-          </a:p>
-          <a:p>
-            <a:pPr marL="0" lvl="0" indent="0" algn="l" rtl="0">
-              <a:spcBef>
-                <a:spcPts val="0"/>
-              </a:spcBef>
-              <a:spcAft>
-                <a:spcPts val="1600"/>
-              </a:spcAft>
-              <a:buNone/>
-            </a:pPr>
-            <a:r>
-              <a:rPr lang="en-NZ" i="1" dirty="0"/>
-              <a:t>The inclusion of optional instructions and clear error messages help to make the out come easy to use (i.e., addresses the Usability implication)</a:t>
-            </a:r>
-          </a:p>
-          <a:p>
-            <a:pPr marL="0" lvl="0" indent="0" algn="l" rtl="0">
-              <a:spcBef>
-                <a:spcPts val="0"/>
-              </a:spcBef>
-              <a:spcAft>
-                <a:spcPts val="1600"/>
-              </a:spcAft>
-              <a:buNone/>
-            </a:pPr>
-            <a:r>
-              <a:rPr lang="en-NZ" i="1" dirty="0"/>
-              <a:t>I’ve also carefully spaced the program’s output and used a statement generator function to address the aesthetics implication. Whilst aesthetics is not the main focus of text based programs, ensuring the outcome looks good also helps address the usability implication.</a:t>
-            </a:r>
-          </a:p>
-        </p:txBody>
-      </p:sp>
-    </p:spTree>
-    <p:extLst>
-      <p:ext uri="{BB962C8B-B14F-4D97-AF65-F5344CB8AC3E}">
-        <p14:creationId xmlns:p14="http://schemas.microsoft.com/office/powerpoint/2010/main" val="251612550"/>
-      </p:ext>
-    </p:extLst>
-  </p:cSld>
-  <p:clrMapOvr>
-    <a:masterClrMapping/>
-  </p:clrMapOvr>
-</p:sld>
-</file>
-
-<file path=ppt/slides/slide31.xml><?xml version="1.0" encoding="utf-8"?>
-<p:sld xmlns:a="http://schemas.openxmlformats.org/drawingml/2006/main" xmlns:r="http://schemas.openxmlformats.org/officeDocument/2006/relationships" xmlns:p="http://schemas.openxmlformats.org/presentationml/2006/main">
-  <p:cSld>
-    <p:spTree>
-      <p:nvGrpSpPr>
-        <p:cNvPr id="1" name="Shape 83"/>
-        <p:cNvGrpSpPr/>
-        <p:nvPr/>
-      </p:nvGrpSpPr>
-      <p:grpSpPr>
-        <a:xfrm>
-          <a:off x="0" y="0"/>
-          <a:ext cx="0" cy="0"/>
-          <a:chOff x="0" y="0"/>
-          <a:chExt cx="0" cy="0"/>
-        </a:xfrm>
-      </p:grpSpPr>
-      <p:sp>
-        <p:nvSpPr>
-          <p:cNvPr id="84" name="Google Shape;84;p18"/>
-          <p:cNvSpPr txBox="1">
-            <a:spLocks noGrp="1"/>
-          </p:cNvSpPr>
-          <p:nvPr>
-            <p:ph type="title"/>
-          </p:nvPr>
-        </p:nvSpPr>
-        <p:spPr>
-          <a:xfrm>
-            <a:off x="311700" y="445025"/>
-            <a:ext cx="8520600" cy="572700"/>
-          </a:xfrm>
-          <a:prstGeom prst="rect">
-            <a:avLst/>
-          </a:prstGeom>
-        </p:spPr>
-        <p:txBody>
-          <a:bodyPr spcFirstLastPara="1" wrap="square" lIns="91425" tIns="91425" rIns="91425" bIns="91425" anchor="t" anchorCtr="0">
-            <a:noAutofit/>
-          </a:bodyPr>
-          <a:lstStyle/>
-          <a:p>
-            <a:pPr marL="0" lvl="0" indent="0" algn="l" rtl="0">
-              <a:spcBef>
-                <a:spcPts val="0"/>
-              </a:spcBef>
-              <a:spcAft>
-                <a:spcPts val="0"/>
-              </a:spcAft>
-              <a:buNone/>
-            </a:pPr>
-            <a:r>
-              <a:rPr lang="en" b="1" dirty="0"/>
-              <a:t>Addressing Relevant Implications</a:t>
-            </a:r>
-            <a:endParaRPr b="1" dirty="0"/>
-          </a:p>
-        </p:txBody>
-      </p:sp>
-      <p:sp>
-        <p:nvSpPr>
-          <p:cNvPr id="85" name="Google Shape;85;p18"/>
-          <p:cNvSpPr txBox="1">
-            <a:spLocks noGrp="1"/>
-          </p:cNvSpPr>
-          <p:nvPr>
-            <p:ph type="body" idx="1"/>
-          </p:nvPr>
-        </p:nvSpPr>
-        <p:spPr>
-          <a:xfrm>
-            <a:off x="311700" y="1152475"/>
-            <a:ext cx="8520600" cy="3416400"/>
-          </a:xfrm>
-          <a:prstGeom prst="rect">
-            <a:avLst/>
-          </a:prstGeom>
-        </p:spPr>
-        <p:txBody>
-          <a:bodyPr spcFirstLastPara="1" wrap="square" lIns="91425" tIns="91425" rIns="91425" bIns="91425" anchor="t" anchorCtr="0">
-            <a:noAutofit/>
-          </a:bodyPr>
-          <a:lstStyle/>
-          <a:p>
-            <a:pPr marL="0" lvl="0" indent="0" algn="l" rtl="0">
-              <a:spcBef>
-                <a:spcPts val="0"/>
-              </a:spcBef>
-              <a:spcAft>
-                <a:spcPts val="1600"/>
-              </a:spcAft>
-              <a:buNone/>
-            </a:pPr>
-            <a:r>
-              <a:rPr lang="en" i="1" dirty="0"/>
-              <a:t>Finally, my program has a limit on the amount users can spend. This addreses the social implicayion as we have a gambling game but want toensure that users do not spend an excessive amount of money. </a:t>
-            </a:r>
-            <a:endParaRPr i="1" dirty="0"/>
-          </a:p>
-        </p:txBody>
-      </p:sp>
-    </p:spTree>
-    <p:extLst>
-      <p:ext uri="{BB962C8B-B14F-4D97-AF65-F5344CB8AC3E}">
-        <p14:creationId xmlns:p14="http://schemas.microsoft.com/office/powerpoint/2010/main" val="824036131"/>
-      </p:ext>
-    </p:extLst>
-  </p:cSld>
-  <p:clrMapOvr>
-    <a:masterClrMapping/>
-  </p:clrMapOvr>
-</p:sld>
-</file>
-
-<file path=ppt/slides/slide32.xml><?xml version="1.0" encoding="utf-8"?>
-<p:sld xmlns:a="http://schemas.openxmlformats.org/drawingml/2006/main" xmlns:r="http://schemas.openxmlformats.org/officeDocument/2006/relationships" xmlns:p="http://schemas.openxmlformats.org/presentationml/2006/main">
-  <p:cSld>
-    <p:spTree>
-      <p:nvGrpSpPr>
-        <p:cNvPr id="1" name="Shape 83"/>
-        <p:cNvGrpSpPr/>
-        <p:nvPr/>
-      </p:nvGrpSpPr>
-      <p:grpSpPr>
-        <a:xfrm>
-          <a:off x="0" y="0"/>
-          <a:ext cx="0" cy="0"/>
-          <a:chOff x="0" y="0"/>
-          <a:chExt cx="0" cy="0"/>
-        </a:xfrm>
-      </p:grpSpPr>
-      <p:sp>
-        <p:nvSpPr>
-          <p:cNvPr id="84" name="Google Shape;84;p18"/>
-          <p:cNvSpPr txBox="1">
-            <a:spLocks noGrp="1"/>
-          </p:cNvSpPr>
-          <p:nvPr>
-            <p:ph type="title"/>
-          </p:nvPr>
-        </p:nvSpPr>
-        <p:spPr>
-          <a:xfrm>
-            <a:off x="311700" y="445025"/>
-            <a:ext cx="8520600" cy="572700"/>
-          </a:xfrm>
-          <a:prstGeom prst="rect">
-            <a:avLst/>
-          </a:prstGeom>
-        </p:spPr>
-        <p:txBody>
-          <a:bodyPr spcFirstLastPara="1" wrap="square" lIns="91425" tIns="91425" rIns="91425" bIns="91425" anchor="t" anchorCtr="0">
-            <a:noAutofit/>
-          </a:bodyPr>
-          <a:lstStyle/>
-          <a:p>
-            <a:pPr marL="0" lvl="0" indent="0" algn="l" rtl="0">
-              <a:spcBef>
-                <a:spcPts val="0"/>
-              </a:spcBef>
-              <a:spcAft>
-                <a:spcPts val="0"/>
-              </a:spcAft>
-              <a:buNone/>
-            </a:pPr>
-            <a:r>
-              <a:rPr lang="en" b="1" dirty="0"/>
               <a:t>Trialling Slide</a:t>
             </a:r>
             <a:endParaRPr b="1" dirty="0"/>
@@ -14155,8 +13764,8 @@
               <a:buNone/>
             </a:pPr>
             <a:r>
-              <a:rPr lang="en" b="1"/>
-              <a:t>Get user choice</a:t>
+              <a:rPr lang="en" b="1" dirty="0"/>
+              <a:t>Round Mechanics</a:t>
             </a:r>
             <a:endParaRPr b="1" dirty="0"/>
           </a:p>
@@ -14164,10 +13773,10 @@
       </p:sp>
       <p:pic>
         <p:nvPicPr>
-          <p:cNvPr id="2" name="Picture 1">
+          <p:cNvPr id="3" name="Picture 2">
             <a:extLst>
               <a:ext uri="{FF2B5EF4-FFF2-40B4-BE49-F238E27FC236}">
-                <a16:creationId xmlns:a16="http://schemas.microsoft.com/office/drawing/2014/main" id="{11826166-7BAB-400E-A79F-F4289F52D61E}"/>
+                <a16:creationId xmlns:a16="http://schemas.microsoft.com/office/drawing/2014/main" id="{4C06E00B-8301-47D8-AF43-E56121E06830}"/>
               </a:ext>
             </a:extLst>
           </p:cNvPr>
@@ -14184,8 +13793,8 @@
         </p:blipFill>
         <p:spPr>
           <a:xfrm>
-            <a:off x="513764" y="1088550"/>
-            <a:ext cx="4323280" cy="3891709"/>
+            <a:off x="596155" y="1345095"/>
+            <a:ext cx="2079583" cy="3271011"/>
           </a:xfrm>
           <a:prstGeom prst="rect">
             <a:avLst/>
@@ -14201,302 +13810,6 @@
 </file>
 
 <file path=ppt/slides/slide8.xml><?xml version="1.0" encoding="utf-8"?>
-<p:sld xmlns:a="http://schemas.openxmlformats.org/drawingml/2006/main" xmlns:r="http://schemas.openxmlformats.org/officeDocument/2006/relationships" xmlns:p="http://schemas.openxmlformats.org/presentationml/2006/main">
-  <p:cSld>
-    <p:spTree>
-      <p:nvGrpSpPr>
-        <p:cNvPr id="1" name="Shape 77"/>
-        <p:cNvGrpSpPr/>
-        <p:nvPr/>
-      </p:nvGrpSpPr>
-      <p:grpSpPr>
-        <a:xfrm>
-          <a:off x="0" y="0"/>
-          <a:ext cx="0" cy="0"/>
-          <a:chOff x="0" y="0"/>
-          <a:chExt cx="0" cy="0"/>
-        </a:xfrm>
-      </p:grpSpPr>
-      <p:sp>
-        <p:nvSpPr>
-          <p:cNvPr id="78" name="Google Shape;78;p17"/>
-          <p:cNvSpPr txBox="1">
-            <a:spLocks noGrp="1"/>
-          </p:cNvSpPr>
-          <p:nvPr>
-            <p:ph type="title"/>
-          </p:nvPr>
-        </p:nvSpPr>
-        <p:spPr>
-          <a:xfrm>
-            <a:off x="311700" y="445025"/>
-            <a:ext cx="8520600" cy="572700"/>
-          </a:xfrm>
-          <a:prstGeom prst="rect">
-            <a:avLst/>
-          </a:prstGeom>
-        </p:spPr>
-        <p:txBody>
-          <a:bodyPr spcFirstLastPara="1" wrap="square" lIns="91425" tIns="91425" rIns="91425" bIns="91425" anchor="t" anchorCtr="0">
-            <a:noAutofit/>
-          </a:bodyPr>
-          <a:lstStyle/>
-          <a:p>
-            <a:pPr marL="0" lvl="0" indent="0" algn="l" rtl="0">
-              <a:spcBef>
-                <a:spcPts val="0"/>
-              </a:spcBef>
-              <a:spcAft>
-                <a:spcPts val="0"/>
-              </a:spcAft>
-              <a:buNone/>
-            </a:pPr>
-            <a:r>
-              <a:rPr lang="en" b="1" dirty="0"/>
-              <a:t>Component 1 - Test Plan (?and screenshot)</a:t>
-            </a:r>
-            <a:endParaRPr b="1" dirty="0"/>
-          </a:p>
-        </p:txBody>
-      </p:sp>
-      <p:graphicFrame>
-        <p:nvGraphicFramePr>
-          <p:cNvPr id="79" name="Google Shape;79;p17"/>
-          <p:cNvGraphicFramePr/>
-          <p:nvPr/>
-        </p:nvGraphicFramePr>
-        <p:xfrm>
-          <a:off x="382475" y="1267724"/>
-          <a:ext cx="8520600" cy="2106510"/>
-        </p:xfrm>
-        <a:graphic>
-          <a:graphicData uri="http://schemas.openxmlformats.org/drawingml/2006/table">
-            <a:tbl>
-              <a:tblPr>
-                <a:tableStyleId>{35758FB7-9AC5-4552-8A53-C91805E547FA}</a:tableStyleId>
-              </a:tblPr>
-              <a:tblGrid>
-                <a:gridCol w="4260300">
-                  <a:extLst>
-                    <a:ext uri="{9D8B030D-6E8A-4147-A177-3AD203B41FA5}">
-                      <a16:colId xmlns:a16="http://schemas.microsoft.com/office/drawing/2014/main" val="20000"/>
-                    </a:ext>
-                  </a:extLst>
-                </a:gridCol>
-                <a:gridCol w="4260300">
-                  <a:extLst>
-                    <a:ext uri="{9D8B030D-6E8A-4147-A177-3AD203B41FA5}">
-                      <a16:colId xmlns:a16="http://schemas.microsoft.com/office/drawing/2014/main" val="20001"/>
-                    </a:ext>
-                  </a:extLst>
-                </a:gridCol>
-              </a:tblGrid>
-              <a:tr h="501540">
-                <a:tc>
-                  <a:txBody>
-                    <a:bodyPr/>
-                    <a:lstStyle/>
-                    <a:p>
-                      <a:pPr marL="0" lvl="0" indent="0" algn="l" rtl="0">
-                        <a:spcBef>
-                          <a:spcPts val="0"/>
-                        </a:spcBef>
-                        <a:spcAft>
-                          <a:spcPts val="0"/>
-                        </a:spcAft>
-                        <a:buNone/>
-                      </a:pPr>
-                      <a:r>
-                        <a:rPr lang="en" sz="1800" dirty="0"/>
-                        <a:t>Test Case</a:t>
-                      </a:r>
-                      <a:endParaRPr sz="1800" b="1" dirty="0"/>
-                    </a:p>
-                  </a:txBody>
-                  <a:tcPr marL="91425" marR="91425" marT="91425" marB="91425"/>
-                </a:tc>
-                <a:tc>
-                  <a:txBody>
-                    <a:bodyPr/>
-                    <a:lstStyle/>
-                    <a:p>
-                      <a:pPr marL="0" lvl="0" indent="0" algn="l" rtl="0">
-                        <a:spcBef>
-                          <a:spcPts val="0"/>
-                        </a:spcBef>
-                        <a:spcAft>
-                          <a:spcPts val="0"/>
-                        </a:spcAft>
-                        <a:buNone/>
-                      </a:pPr>
-                      <a:r>
-                        <a:rPr lang="en" sz="1800"/>
-                        <a:t>Expected Values</a:t>
-                      </a:r>
-                      <a:endParaRPr sz="1800" b="1"/>
-                    </a:p>
-                  </a:txBody>
-                  <a:tcPr marL="91425" marR="91425" marT="91425" marB="91425"/>
-                </a:tc>
-                <a:extLst>
-                  <a:ext uri="{0D108BD9-81ED-4DB2-BD59-A6C34878D82A}">
-                    <a16:rowId xmlns:a16="http://schemas.microsoft.com/office/drawing/2014/main" val="10000"/>
-                  </a:ext>
-                </a:extLst>
-              </a:tr>
-              <a:tr h="802485">
-                <a:tc>
-                  <a:txBody>
-                    <a:bodyPr/>
-                    <a:lstStyle/>
-                    <a:p>
-                      <a:pPr marL="0" lvl="0" indent="0" algn="l" rtl="0">
-                        <a:spcBef>
-                          <a:spcPts val="0"/>
-                        </a:spcBef>
-                        <a:spcAft>
-                          <a:spcPts val="0"/>
-                        </a:spcAft>
-                        <a:buNone/>
-                      </a:pPr>
-                      <a:r>
-                        <a:rPr lang="en-US" sz="1800" dirty="0"/>
-                        <a:t>Have you played before? Maybe</a:t>
-                      </a:r>
-                    </a:p>
-                    <a:p>
-                      <a:pPr marL="0" lvl="0" indent="0" algn="l" rtl="0">
-                        <a:spcBef>
-                          <a:spcPts val="0"/>
-                        </a:spcBef>
-                        <a:spcAft>
-                          <a:spcPts val="0"/>
-                        </a:spcAft>
-                        <a:buNone/>
-                      </a:pPr>
-                      <a:r>
-                        <a:rPr lang="en-US" sz="1800" dirty="0"/>
-                        <a:t>Have you played before? Yes</a:t>
-                      </a:r>
-                      <a:endParaRPr sz="1800" dirty="0"/>
-                    </a:p>
-                  </a:txBody>
-                  <a:tcPr marL="91425" marR="91425" marT="91425" marB="91425"/>
-                </a:tc>
-                <a:tc>
-                  <a:txBody>
-                    <a:bodyPr/>
-                    <a:lstStyle/>
-                    <a:p>
-                      <a:pPr marL="0" lvl="0" indent="0" algn="l" rtl="0">
-                        <a:spcBef>
-                          <a:spcPts val="0"/>
-                        </a:spcBef>
-                        <a:spcAft>
-                          <a:spcPts val="0"/>
-                        </a:spcAft>
-                        <a:buNone/>
-                      </a:pPr>
-                      <a:r>
-                        <a:rPr lang="en-US" sz="1800" dirty="0"/>
-                        <a:t>&lt;error&gt; Please choose y / n</a:t>
-                      </a:r>
-                    </a:p>
-                    <a:p>
-                      <a:pPr marL="0" lvl="0" indent="0" algn="l" rtl="0">
-                        <a:spcBef>
-                          <a:spcPts val="0"/>
-                        </a:spcBef>
-                        <a:spcAft>
-                          <a:spcPts val="0"/>
-                        </a:spcAft>
-                        <a:buNone/>
-                      </a:pPr>
-                      <a:r>
-                        <a:rPr lang="en-US" sz="1800" dirty="0"/>
-                        <a:t>Game Starts</a:t>
-                      </a:r>
-                    </a:p>
-                  </a:txBody>
-                  <a:tcPr marL="91425" marR="91425" marT="91425" marB="91425"/>
-                </a:tc>
-                <a:extLst>
-                  <a:ext uri="{0D108BD9-81ED-4DB2-BD59-A6C34878D82A}">
-                    <a16:rowId xmlns:a16="http://schemas.microsoft.com/office/drawing/2014/main" val="10001"/>
-                  </a:ext>
-                </a:extLst>
-              </a:tr>
-              <a:tr h="802485">
-                <a:tc>
-                  <a:txBody>
-                    <a:bodyPr/>
-                    <a:lstStyle/>
-                    <a:p>
-                      <a:pPr marL="0" lvl="0" indent="0" algn="l" rtl="0">
-                        <a:spcBef>
-                          <a:spcPts val="0"/>
-                        </a:spcBef>
-                        <a:spcAft>
-                          <a:spcPts val="0"/>
-                        </a:spcAft>
-                        <a:buNone/>
-                      </a:pPr>
-                      <a:r>
-                        <a:rPr lang="en-US" sz="1800" dirty="0"/>
-                        <a:t>Have you played before? No</a:t>
-                      </a:r>
-                      <a:endParaRPr sz="1800" dirty="0"/>
-                    </a:p>
-                  </a:txBody>
-                  <a:tcPr marL="91425" marR="91425" marT="91425" marB="91425"/>
-                </a:tc>
-                <a:tc>
-                  <a:txBody>
-                    <a:bodyPr/>
-                    <a:lstStyle/>
-                    <a:p>
-                      <a:pPr marL="0" lvl="0" indent="0" algn="l" rtl="0">
-                        <a:spcBef>
-                          <a:spcPts val="0"/>
-                        </a:spcBef>
-                        <a:spcAft>
-                          <a:spcPts val="0"/>
-                        </a:spcAft>
-                        <a:buNone/>
-                      </a:pPr>
-                      <a:r>
-                        <a:rPr lang="en-US" sz="1800" dirty="0"/>
-                        <a:t>Show instructions, then start game.</a:t>
-                      </a:r>
-                      <a:endParaRPr sz="1800" dirty="0"/>
-                    </a:p>
-                  </a:txBody>
-                  <a:tcPr marL="91425" marR="91425" marT="91425" marB="91425"/>
-                </a:tc>
-                <a:extLst>
-                  <a:ext uri="{0D108BD9-81ED-4DB2-BD59-A6C34878D82A}">
-                    <a16:rowId xmlns:a16="http://schemas.microsoft.com/office/drawing/2014/main" val="4058153661"/>
-                  </a:ext>
-                </a:extLst>
-              </a:tr>
-            </a:tbl>
-          </a:graphicData>
-        </a:graphic>
-      </p:graphicFrame>
-    </p:spTree>
-    <p:extLst>
-      <p:ext uri="{BB962C8B-B14F-4D97-AF65-F5344CB8AC3E}">
-        <p14:creationId xmlns:p14="http://schemas.microsoft.com/office/powerpoint/2010/main" val="2007169343"/>
-      </p:ext>
-    </p:extLst>
-  </p:cSld>
-  <p:clrMapOvr>
-    <a:masterClrMapping/>
-  </p:clrMapOvr>
-</p:sld>
-</file>
-
-<file path=ppt/slides/slide9.xml><?xml version="1.0" encoding="utf-8"?>
 <p:sld xmlns:a="http://schemas.openxmlformats.org/drawingml/2006/main" xmlns:r="http://schemas.openxmlformats.org/officeDocument/2006/relationships" xmlns:p="http://schemas.openxmlformats.org/presentationml/2006/main">
   <p:cSld>
     <p:spTree>
@@ -14873,6 +14186,171 @@
         <p14:creationId xmlns:p14="http://schemas.microsoft.com/office/powerpoint/2010/main" val="249405800"/>
       </p:ext>
     </p:extLst>
+  </p:cSld>
+  <p:clrMapOvr>
+    <a:masterClrMapping/>
+  </p:clrMapOvr>
+</p:sld>
+</file>
+
+<file path=ppt/slides/slide9.xml><?xml version="1.0" encoding="utf-8"?>
+<p:sld xmlns:a="http://schemas.openxmlformats.org/drawingml/2006/main" xmlns:r="http://schemas.openxmlformats.org/officeDocument/2006/relationships" xmlns:p="http://schemas.openxmlformats.org/presentationml/2006/main">
+  <p:cSld>
+    <p:bg>
+      <p:bgPr>
+        <a:solidFill>
+          <a:srgbClr val="FFD966"/>
+        </a:solidFill>
+        <a:effectLst/>
+      </p:bgPr>
+    </p:bg>
+    <p:spTree>
+      <p:nvGrpSpPr>
+        <p:cNvPr id="1" name="Shape 83"/>
+        <p:cNvGrpSpPr/>
+        <p:nvPr/>
+      </p:nvGrpSpPr>
+      <p:grpSpPr>
+        <a:xfrm>
+          <a:off x="0" y="0"/>
+          <a:ext cx="0" cy="0"/>
+          <a:chOff x="0" y="0"/>
+          <a:chExt cx="0" cy="0"/>
+        </a:xfrm>
+      </p:grpSpPr>
+      <p:sp>
+        <p:nvSpPr>
+          <p:cNvPr id="84" name="Google Shape;84;p18"/>
+          <p:cNvSpPr txBox="1">
+            <a:spLocks noGrp="1"/>
+          </p:cNvSpPr>
+          <p:nvPr>
+            <p:ph type="title"/>
+          </p:nvPr>
+        </p:nvSpPr>
+        <p:spPr>
+          <a:xfrm>
+            <a:off x="311700" y="445025"/>
+            <a:ext cx="8520600" cy="572700"/>
+          </a:xfrm>
+          <a:prstGeom prst="rect">
+            <a:avLst/>
+          </a:prstGeom>
+        </p:spPr>
+        <p:txBody>
+          <a:bodyPr spcFirstLastPara="1" wrap="square" lIns="91425" tIns="91425" rIns="91425" bIns="91425" anchor="t" anchorCtr="0">
+            <a:noAutofit/>
+          </a:bodyPr>
+          <a:lstStyle/>
+          <a:p>
+            <a:pPr marL="0" lvl="0" indent="0" algn="l" rtl="0">
+              <a:spcBef>
+                <a:spcPts val="0"/>
+              </a:spcBef>
+              <a:spcAft>
+                <a:spcPts val="0"/>
+              </a:spcAft>
+              <a:buNone/>
+            </a:pPr>
+            <a:r>
+              <a:rPr lang="en-NZ" b="1" dirty="0"/>
+              <a:t>Round Checker Trials</a:t>
+            </a:r>
+            <a:endParaRPr b="1" dirty="0"/>
+          </a:p>
+        </p:txBody>
+      </p:sp>
+      <p:sp>
+        <p:nvSpPr>
+          <p:cNvPr id="85" name="Google Shape;85;p18"/>
+          <p:cNvSpPr txBox="1">
+            <a:spLocks noGrp="1"/>
+          </p:cNvSpPr>
+          <p:nvPr>
+            <p:ph type="body" idx="1"/>
+          </p:nvPr>
+        </p:nvSpPr>
+        <p:spPr>
+          <a:xfrm>
+            <a:off x="311700" y="1152475"/>
+            <a:ext cx="8520600" cy="3416400"/>
+          </a:xfrm>
+          <a:prstGeom prst="rect">
+            <a:avLst/>
+          </a:prstGeom>
+        </p:spPr>
+        <p:txBody>
+          <a:bodyPr spcFirstLastPara="1" wrap="square" lIns="91425" tIns="91425" rIns="91425" bIns="91425" anchor="t" anchorCtr="0">
+            <a:noAutofit/>
+          </a:bodyPr>
+          <a:lstStyle/>
+          <a:p>
+            <a:pPr marL="0" lvl="0" indent="0" algn="l" rtl="0">
+              <a:spcBef>
+                <a:spcPts val="0"/>
+              </a:spcBef>
+              <a:spcAft>
+                <a:spcPts val="1600"/>
+              </a:spcAft>
+              <a:buNone/>
+            </a:pPr>
+            <a:r>
+              <a:rPr lang="en-NZ" i="1" dirty="0"/>
+              <a:t>Trial 1 (03_round_mechanics_v1): Asks for rounds in the main routine and uses a function to check that users have entered a valid numbers. Code is quit inefficient and clunky.</a:t>
+            </a:r>
+          </a:p>
+          <a:p>
+            <a:pPr marL="0" lvl="0" indent="0" algn="l" rtl="0">
+              <a:spcBef>
+                <a:spcPts val="0"/>
+              </a:spcBef>
+              <a:spcAft>
+                <a:spcPts val="1600"/>
+              </a:spcAft>
+              <a:buNone/>
+            </a:pPr>
+            <a:r>
+              <a:rPr lang="en-NZ" i="1" dirty="0"/>
+              <a:t>Trial 2 (03_RPS_round_mechanics_v2): Integer checking function allows users to press &lt;enter&gt; or an integer. Main routine code works but is inefficient.</a:t>
+            </a:r>
+          </a:p>
+          <a:p>
+            <a:pPr marL="0" lvl="0" indent="0" algn="l" rtl="0">
+              <a:spcBef>
+                <a:spcPts val="0"/>
+              </a:spcBef>
+              <a:spcAft>
+                <a:spcPts val="1600"/>
+              </a:spcAft>
+              <a:buNone/>
+            </a:pPr>
+            <a:r>
+              <a:rPr lang="en-NZ" i="1" dirty="0"/>
+              <a:t>Trial 3 (03_RPS_round_mechanics_v3): Similar to Trial 2 but much more efficient. Uses ‘break’ to end loop.</a:t>
+            </a:r>
+          </a:p>
+          <a:p>
+            <a:pPr marL="0" lvl="0" indent="0" algn="l" rtl="0">
+              <a:spcBef>
+                <a:spcPts val="0"/>
+              </a:spcBef>
+              <a:spcAft>
+                <a:spcPts val="1600"/>
+              </a:spcAft>
+              <a:buNone/>
+            </a:pPr>
+            <a:r>
+              <a:rPr lang="en-NZ" i="1" dirty="0">
+                <a:highlight>
+                  <a:srgbClr val="FFFF00"/>
+                </a:highlight>
+              </a:rPr>
+              <a:t>Giving users two modes for game play makes it more likely that my game will appeal to a wider audience. It also enhances the games usability by following the user freedom heuristic. </a:t>
+            </a:r>
+          </a:p>
+        </p:txBody>
+      </p:sp>
+    </p:spTree>
   </p:cSld>
   <p:clrMapOvr>
     <a:masterClrMapping/>
@@ -15443,6 +14921,12 @@
 </file>
 
 <file path=customXml/item1.xml><?xml version="1.0" encoding="utf-8"?>
+<p:properties xmlns:p="http://schemas.microsoft.com/office/2006/metadata/properties" xmlns:xsi="http://www.w3.org/2001/XMLSchema-instance" xmlns:pc="http://schemas.microsoft.com/office/infopath/2007/PartnerControls">
+  <documentManagement/>
+</p:properties>
+</file>
+
+<file path=customXml/item2.xml><?xml version="1.0" encoding="utf-8"?>
 <ct:contentTypeSchema xmlns:ct="http://schemas.microsoft.com/office/2006/metadata/contentType" xmlns:ma="http://schemas.microsoft.com/office/2006/metadata/properties/metaAttributes" ct:_="" ma:_="" ma:contentTypeName="Document" ma:contentTypeID="0x010100CA5D8974BE78F944A108BF13F2B4CD6A" ma:contentTypeVersion="5" ma:contentTypeDescription="Create a new document." ma:contentTypeScope="" ma:versionID="1e3fc9c3ad9c16f936602fded155d02d">
   <xsd:schema xmlns:xsd="http://www.w3.org/2001/XMLSchema" xmlns:xs="http://www.w3.org/2001/XMLSchema" xmlns:p="http://schemas.microsoft.com/office/2006/metadata/properties" xmlns:ns2="4f936efd-07e9-48ba-b668-2cff2968e155" targetNamespace="http://schemas.microsoft.com/office/2006/metadata/properties" ma:root="true" ma:fieldsID="642a89d75a32cde1551b8a68a7f33533" ns2:_="">
     <xsd:import namespace="4f936efd-07e9-48ba-b668-2cff2968e155"/>
@@ -15594,12 +15078,6 @@
 </ct:contentTypeSchema>
 </file>
 
-<file path=customXml/item2.xml><?xml version="1.0" encoding="utf-8"?>
-<p:properties xmlns:p="http://schemas.microsoft.com/office/2006/metadata/properties" xmlns:xsi="http://www.w3.org/2001/XMLSchema-instance" xmlns:pc="http://schemas.microsoft.com/office/infopath/2007/PartnerControls">
-  <documentManagement/>
-</p:properties>
-</file>
-
 <file path=customXml/item3.xml><?xml version="1.0" encoding="utf-8"?>
 <?mso-contentType ?>
 <FormTemplates xmlns="http://schemas.microsoft.com/sharepoint/v3/contenttype/forms">
@@ -15610,6 +15088,15 @@
 </file>
 
 <file path=customXml/itemProps1.xml><?xml version="1.0" encoding="utf-8"?>
+<ds:datastoreItem xmlns:ds="http://schemas.openxmlformats.org/officeDocument/2006/customXml" ds:itemID="{516D10BD-0186-4A00-BD37-17D1BDE22574}">
+  <ds:schemaRefs>
+    <ds:schemaRef ds:uri="http://schemas.microsoft.com/office/2006/metadata/properties"/>
+    <ds:schemaRef ds:uri="http://schemas.microsoft.com/office/infopath/2007/PartnerControls"/>
+  </ds:schemaRefs>
+</ds:datastoreItem>
+</file>
+
+<file path=customXml/itemProps2.xml><?xml version="1.0" encoding="utf-8"?>
 <ds:datastoreItem xmlns:ds="http://schemas.openxmlformats.org/officeDocument/2006/customXml" ds:itemID="{ECB9EDA7-7083-49EA-8C49-43EBAAC54B35}">
   <ds:schemaRefs>
     <ds:schemaRef ds:uri="http://schemas.microsoft.com/office/2006/metadata/contentType"/>
@@ -15627,15 +15114,6 @@
 </ds:datastoreItem>
 </file>
 
-<file path=customXml/itemProps2.xml><?xml version="1.0" encoding="utf-8"?>
-<ds:datastoreItem xmlns:ds="http://schemas.openxmlformats.org/officeDocument/2006/customXml" ds:itemID="{516D10BD-0186-4A00-BD37-17D1BDE22574}">
-  <ds:schemaRefs>
-    <ds:schemaRef ds:uri="http://schemas.microsoft.com/office/2006/metadata/properties"/>
-    <ds:schemaRef ds:uri="http://schemas.microsoft.com/office/infopath/2007/PartnerControls"/>
-  </ds:schemaRefs>
-</ds:datastoreItem>
-</file>
-
 <file path=customXml/itemProps3.xml><?xml version="1.0" encoding="utf-8"?>
 <ds:datastoreItem xmlns:ds="http://schemas.openxmlformats.org/officeDocument/2006/customXml" ds:itemID="{C55A4F12-1C67-45BB-AEF0-B8BD3F656B95}">
   <ds:schemaRefs>

--- a/main/games/rock_paper_scissors/Rock Paper Scissors Documentation.pptx
+++ b/main/games/rock_paper_scissors/Rock Paper Scissors Documentation.pptx
@@ -5,39 +5,30 @@
     <p:sldMasterId id="2147483659" r:id="rId4"/>
   </p:sldMasterIdLst>
   <p:notesMasterIdLst>
-    <p:notesMasterId r:id="rId35"/>
+    <p:notesMasterId r:id="rId26"/>
   </p:notesMasterIdLst>
   <p:sldIdLst>
     <p:sldId id="256" r:id="rId5"/>
     <p:sldId id="258" r:id="rId6"/>
     <p:sldId id="260" r:id="rId7"/>
-    <p:sldId id="289" r:id="rId8"/>
-    <p:sldId id="290" r:id="rId9"/>
-    <p:sldId id="291" r:id="rId10"/>
-    <p:sldId id="259" r:id="rId11"/>
-    <p:sldId id="262" r:id="rId12"/>
-    <p:sldId id="261" r:id="rId13"/>
-    <p:sldId id="265" r:id="rId14"/>
-    <p:sldId id="264" r:id="rId15"/>
-    <p:sldId id="271" r:id="rId16"/>
-    <p:sldId id="272" r:id="rId17"/>
-    <p:sldId id="266" r:id="rId18"/>
-    <p:sldId id="270" r:id="rId19"/>
-    <p:sldId id="276" r:id="rId20"/>
-    <p:sldId id="273" r:id="rId21"/>
-    <p:sldId id="274" r:id="rId22"/>
-    <p:sldId id="275" r:id="rId23"/>
-    <p:sldId id="277" r:id="rId24"/>
-    <p:sldId id="278" r:id="rId25"/>
-    <p:sldId id="279" r:id="rId26"/>
-    <p:sldId id="280" r:id="rId27"/>
-    <p:sldId id="283" r:id="rId28"/>
-    <p:sldId id="282" r:id="rId29"/>
-    <p:sldId id="281" r:id="rId30"/>
-    <p:sldId id="284" r:id="rId31"/>
-    <p:sldId id="285" r:id="rId32"/>
-    <p:sldId id="286" r:id="rId33"/>
-    <p:sldId id="287" r:id="rId34"/>
+    <p:sldId id="292" r:id="rId8"/>
+    <p:sldId id="293" r:id="rId9"/>
+    <p:sldId id="289" r:id="rId10"/>
+    <p:sldId id="290" r:id="rId11"/>
+    <p:sldId id="291" r:id="rId12"/>
+    <p:sldId id="259" r:id="rId13"/>
+    <p:sldId id="262" r:id="rId14"/>
+    <p:sldId id="261" r:id="rId15"/>
+    <p:sldId id="265" r:id="rId16"/>
+    <p:sldId id="294" r:id="rId17"/>
+    <p:sldId id="280" r:id="rId18"/>
+    <p:sldId id="283" r:id="rId19"/>
+    <p:sldId id="282" r:id="rId20"/>
+    <p:sldId id="281" r:id="rId21"/>
+    <p:sldId id="284" r:id="rId22"/>
+    <p:sldId id="285" r:id="rId23"/>
+    <p:sldId id="286" r:id="rId24"/>
+    <p:sldId id="287" r:id="rId25"/>
   </p:sldIdLst>
   <p:sldSz cx="9144000" cy="5143500" type="screen16x9"/>
   <p:notesSz cx="6858000" cy="9144000"/>
@@ -984,7 +975,7 @@
     </p:spTree>
     <p:extLst>
       <p:ext uri="{BB962C8B-B14F-4D97-AF65-F5344CB8AC3E}">
-        <p14:creationId xmlns:p14="http://schemas.microsoft.com/office/powerpoint/2010/main" val="4124737771"/>
+        <p14:creationId xmlns:p14="http://schemas.microsoft.com/office/powerpoint/2010/main" val="3531987235"/>
       </p:ext>
     </p:extLst>
   </p:cSld>
@@ -1093,7 +1084,7 @@
     </p:spTree>
     <p:extLst>
       <p:ext uri="{BB962C8B-B14F-4D97-AF65-F5344CB8AC3E}">
-        <p14:creationId xmlns:p14="http://schemas.microsoft.com/office/powerpoint/2010/main" val="3579829201"/>
+        <p14:creationId xmlns:p14="http://schemas.microsoft.com/office/powerpoint/2010/main" val="1284591829"/>
       </p:ext>
     </p:extLst>
   </p:cSld>
@@ -1202,7 +1193,7 @@
     </p:spTree>
     <p:extLst>
       <p:ext uri="{BB962C8B-B14F-4D97-AF65-F5344CB8AC3E}">
-        <p14:creationId xmlns:p14="http://schemas.microsoft.com/office/powerpoint/2010/main" val="1233197778"/>
+        <p14:creationId xmlns:p14="http://schemas.microsoft.com/office/powerpoint/2010/main" val="3354959135"/>
       </p:ext>
     </p:extLst>
   </p:cSld>
@@ -1311,7 +1302,7 @@
     </p:spTree>
     <p:extLst>
       <p:ext uri="{BB962C8B-B14F-4D97-AF65-F5344CB8AC3E}">
-        <p14:creationId xmlns:p14="http://schemas.microsoft.com/office/powerpoint/2010/main" val="1854659955"/>
+        <p14:creationId xmlns:p14="http://schemas.microsoft.com/office/powerpoint/2010/main" val="3864249418"/>
       </p:ext>
     </p:extLst>
   </p:cSld>
@@ -1420,7 +1411,7 @@
     </p:spTree>
     <p:extLst>
       <p:ext uri="{BB962C8B-B14F-4D97-AF65-F5344CB8AC3E}">
-        <p14:creationId xmlns:p14="http://schemas.microsoft.com/office/powerpoint/2010/main" val="1567913487"/>
+        <p14:creationId xmlns:p14="http://schemas.microsoft.com/office/powerpoint/2010/main" val="6615638"/>
       </p:ext>
     </p:extLst>
   </p:cSld>
@@ -1529,443 +1520,7 @@
     </p:spTree>
     <p:extLst>
       <p:ext uri="{BB962C8B-B14F-4D97-AF65-F5344CB8AC3E}">
-        <p14:creationId xmlns:p14="http://schemas.microsoft.com/office/powerpoint/2010/main" val="745779560"/>
-      </p:ext>
-    </p:extLst>
-  </p:cSld>
-  <p:clrMapOvr>
-    <a:masterClrMapping/>
-  </p:clrMapOvr>
-</p:notes>
-</file>
-
-<file path=ppt/notesSlides/notesSlide16.xml><?xml version="1.0" encoding="utf-8"?>
-<p:notes xmlns:a="http://schemas.openxmlformats.org/drawingml/2006/main" xmlns:r="http://schemas.openxmlformats.org/officeDocument/2006/relationships" xmlns:p="http://schemas.openxmlformats.org/presentationml/2006/main" showMasterSp="0" showMasterPhAnim="0">
-  <p:cSld>
-    <p:spTree>
-      <p:nvGrpSpPr>
-        <p:cNvPr id="1" name="Shape 80"/>
-        <p:cNvGrpSpPr/>
-        <p:nvPr/>
-      </p:nvGrpSpPr>
-      <p:grpSpPr>
-        <a:xfrm>
-          <a:off x="0" y="0"/>
-          <a:ext cx="0" cy="0"/>
-          <a:chOff x="0" y="0"/>
-          <a:chExt cx="0" cy="0"/>
-        </a:xfrm>
-      </p:grpSpPr>
-      <p:sp>
-        <p:nvSpPr>
-          <p:cNvPr id="81" name="Google Shape;81;ga2e8d2e1f6_0_75:notes"/>
-          <p:cNvSpPr>
-            <a:spLocks noGrp="1" noRot="1" noChangeAspect="1"/>
-          </p:cNvSpPr>
-          <p:nvPr>
-            <p:ph type="sldImg" idx="2"/>
-          </p:nvPr>
-        </p:nvSpPr>
-        <p:spPr>
-          <a:xfrm>
-            <a:off x="381000" y="685800"/>
-            <a:ext cx="6096000" cy="3429000"/>
-          </a:xfrm>
-          <a:custGeom>
-            <a:avLst/>
-            <a:gdLst/>
-            <a:ahLst/>
-            <a:cxnLst/>
-            <a:rect l="l" t="t" r="r" b="b"/>
-            <a:pathLst>
-              <a:path w="120000" h="120000" extrusionOk="0">
-                <a:moveTo>
-                  <a:pt x="0" y="0"/>
-                </a:moveTo>
-                <a:lnTo>
-                  <a:pt x="120000" y="0"/>
-                </a:lnTo>
-                <a:lnTo>
-                  <a:pt x="120000" y="120000"/>
-                </a:lnTo>
-                <a:lnTo>
-                  <a:pt x="0" y="120000"/>
-                </a:lnTo>
-                <a:close/>
-              </a:path>
-            </a:pathLst>
-          </a:custGeom>
-        </p:spPr>
-      </p:sp>
-      <p:sp>
-        <p:nvSpPr>
-          <p:cNvPr id="82" name="Google Shape;82;ga2e8d2e1f6_0_75:notes"/>
-          <p:cNvSpPr txBox="1">
-            <a:spLocks noGrp="1"/>
-          </p:cNvSpPr>
-          <p:nvPr>
-            <p:ph type="body" idx="1"/>
-          </p:nvPr>
-        </p:nvSpPr>
-        <p:spPr>
-          <a:xfrm>
-            <a:off x="685800" y="4343400"/>
-            <a:ext cx="5486400" cy="4114800"/>
-          </a:xfrm>
-          <a:prstGeom prst="rect">
-            <a:avLst/>
-          </a:prstGeom>
-        </p:spPr>
-        <p:txBody>
-          <a:bodyPr spcFirstLastPara="1" wrap="square" lIns="91425" tIns="91425" rIns="91425" bIns="91425" anchor="t" anchorCtr="0">
-            <a:noAutofit/>
-          </a:bodyPr>
-          <a:lstStyle/>
-          <a:p>
-            <a:pPr marL="0" lvl="0" indent="0" algn="l" rtl="0">
-              <a:spcBef>
-                <a:spcPts val="0"/>
-              </a:spcBef>
-              <a:spcAft>
-                <a:spcPts val="0"/>
-              </a:spcAft>
-              <a:buNone/>
-            </a:pPr>
-            <a:endParaRPr/>
-          </a:p>
-        </p:txBody>
-      </p:sp>
-    </p:spTree>
-    <p:extLst>
-      <p:ext uri="{BB962C8B-B14F-4D97-AF65-F5344CB8AC3E}">
-        <p14:creationId xmlns:p14="http://schemas.microsoft.com/office/powerpoint/2010/main" val="3926368428"/>
-      </p:ext>
-    </p:extLst>
-  </p:cSld>
-  <p:clrMapOvr>
-    <a:masterClrMapping/>
-  </p:clrMapOvr>
-</p:notes>
-</file>
-
-<file path=ppt/notesSlides/notesSlide17.xml><?xml version="1.0" encoding="utf-8"?>
-<p:notes xmlns:a="http://schemas.openxmlformats.org/drawingml/2006/main" xmlns:r="http://schemas.openxmlformats.org/officeDocument/2006/relationships" xmlns:p="http://schemas.openxmlformats.org/presentationml/2006/main" showMasterSp="0" showMasterPhAnim="0">
-  <p:cSld>
-    <p:spTree>
-      <p:nvGrpSpPr>
-        <p:cNvPr id="1" name="Shape 80"/>
-        <p:cNvGrpSpPr/>
-        <p:nvPr/>
-      </p:nvGrpSpPr>
-      <p:grpSpPr>
-        <a:xfrm>
-          <a:off x="0" y="0"/>
-          <a:ext cx="0" cy="0"/>
-          <a:chOff x="0" y="0"/>
-          <a:chExt cx="0" cy="0"/>
-        </a:xfrm>
-      </p:grpSpPr>
-      <p:sp>
-        <p:nvSpPr>
-          <p:cNvPr id="81" name="Google Shape;81;ga2e8d2e1f6_0_75:notes"/>
-          <p:cNvSpPr>
-            <a:spLocks noGrp="1" noRot="1" noChangeAspect="1"/>
-          </p:cNvSpPr>
-          <p:nvPr>
-            <p:ph type="sldImg" idx="2"/>
-          </p:nvPr>
-        </p:nvSpPr>
-        <p:spPr>
-          <a:xfrm>
-            <a:off x="381000" y="685800"/>
-            <a:ext cx="6096000" cy="3429000"/>
-          </a:xfrm>
-          <a:custGeom>
-            <a:avLst/>
-            <a:gdLst/>
-            <a:ahLst/>
-            <a:cxnLst/>
-            <a:rect l="l" t="t" r="r" b="b"/>
-            <a:pathLst>
-              <a:path w="120000" h="120000" extrusionOk="0">
-                <a:moveTo>
-                  <a:pt x="0" y="0"/>
-                </a:moveTo>
-                <a:lnTo>
-                  <a:pt x="120000" y="0"/>
-                </a:lnTo>
-                <a:lnTo>
-                  <a:pt x="120000" y="120000"/>
-                </a:lnTo>
-                <a:lnTo>
-                  <a:pt x="0" y="120000"/>
-                </a:lnTo>
-                <a:close/>
-              </a:path>
-            </a:pathLst>
-          </a:custGeom>
-        </p:spPr>
-      </p:sp>
-      <p:sp>
-        <p:nvSpPr>
-          <p:cNvPr id="82" name="Google Shape;82;ga2e8d2e1f6_0_75:notes"/>
-          <p:cNvSpPr txBox="1">
-            <a:spLocks noGrp="1"/>
-          </p:cNvSpPr>
-          <p:nvPr>
-            <p:ph type="body" idx="1"/>
-          </p:nvPr>
-        </p:nvSpPr>
-        <p:spPr>
-          <a:xfrm>
-            <a:off x="685800" y="4343400"/>
-            <a:ext cx="5486400" cy="4114800"/>
-          </a:xfrm>
-          <a:prstGeom prst="rect">
-            <a:avLst/>
-          </a:prstGeom>
-        </p:spPr>
-        <p:txBody>
-          <a:bodyPr spcFirstLastPara="1" wrap="square" lIns="91425" tIns="91425" rIns="91425" bIns="91425" anchor="t" anchorCtr="0">
-            <a:noAutofit/>
-          </a:bodyPr>
-          <a:lstStyle/>
-          <a:p>
-            <a:pPr marL="0" lvl="0" indent="0" algn="l" rtl="0">
-              <a:spcBef>
-                <a:spcPts val="0"/>
-              </a:spcBef>
-              <a:spcAft>
-                <a:spcPts val="0"/>
-              </a:spcAft>
-              <a:buNone/>
-            </a:pPr>
-            <a:endParaRPr/>
-          </a:p>
-        </p:txBody>
-      </p:sp>
-    </p:spTree>
-    <p:extLst>
-      <p:ext uri="{BB962C8B-B14F-4D97-AF65-F5344CB8AC3E}">
-        <p14:creationId xmlns:p14="http://schemas.microsoft.com/office/powerpoint/2010/main" val="4036109500"/>
-      </p:ext>
-    </p:extLst>
-  </p:cSld>
-  <p:clrMapOvr>
-    <a:masterClrMapping/>
-  </p:clrMapOvr>
-</p:notes>
-</file>
-
-<file path=ppt/notesSlides/notesSlide18.xml><?xml version="1.0" encoding="utf-8"?>
-<p:notes xmlns:a="http://schemas.openxmlformats.org/drawingml/2006/main" xmlns:r="http://schemas.openxmlformats.org/officeDocument/2006/relationships" xmlns:p="http://schemas.openxmlformats.org/presentationml/2006/main" showMasterSp="0" showMasterPhAnim="0">
-  <p:cSld>
-    <p:spTree>
-      <p:nvGrpSpPr>
-        <p:cNvPr id="1" name="Shape 80"/>
-        <p:cNvGrpSpPr/>
-        <p:nvPr/>
-      </p:nvGrpSpPr>
-      <p:grpSpPr>
-        <a:xfrm>
-          <a:off x="0" y="0"/>
-          <a:ext cx="0" cy="0"/>
-          <a:chOff x="0" y="0"/>
-          <a:chExt cx="0" cy="0"/>
-        </a:xfrm>
-      </p:grpSpPr>
-      <p:sp>
-        <p:nvSpPr>
-          <p:cNvPr id="81" name="Google Shape;81;ga2e8d2e1f6_0_75:notes"/>
-          <p:cNvSpPr>
-            <a:spLocks noGrp="1" noRot="1" noChangeAspect="1"/>
-          </p:cNvSpPr>
-          <p:nvPr>
-            <p:ph type="sldImg" idx="2"/>
-          </p:nvPr>
-        </p:nvSpPr>
-        <p:spPr>
-          <a:xfrm>
-            <a:off x="381000" y="685800"/>
-            <a:ext cx="6096000" cy="3429000"/>
-          </a:xfrm>
-          <a:custGeom>
-            <a:avLst/>
-            <a:gdLst/>
-            <a:ahLst/>
-            <a:cxnLst/>
-            <a:rect l="l" t="t" r="r" b="b"/>
-            <a:pathLst>
-              <a:path w="120000" h="120000" extrusionOk="0">
-                <a:moveTo>
-                  <a:pt x="0" y="0"/>
-                </a:moveTo>
-                <a:lnTo>
-                  <a:pt x="120000" y="0"/>
-                </a:lnTo>
-                <a:lnTo>
-                  <a:pt x="120000" y="120000"/>
-                </a:lnTo>
-                <a:lnTo>
-                  <a:pt x="0" y="120000"/>
-                </a:lnTo>
-                <a:close/>
-              </a:path>
-            </a:pathLst>
-          </a:custGeom>
-        </p:spPr>
-      </p:sp>
-      <p:sp>
-        <p:nvSpPr>
-          <p:cNvPr id="82" name="Google Shape;82;ga2e8d2e1f6_0_75:notes"/>
-          <p:cNvSpPr txBox="1">
-            <a:spLocks noGrp="1"/>
-          </p:cNvSpPr>
-          <p:nvPr>
-            <p:ph type="body" idx="1"/>
-          </p:nvPr>
-        </p:nvSpPr>
-        <p:spPr>
-          <a:xfrm>
-            <a:off x="685800" y="4343400"/>
-            <a:ext cx="5486400" cy="4114800"/>
-          </a:xfrm>
-          <a:prstGeom prst="rect">
-            <a:avLst/>
-          </a:prstGeom>
-        </p:spPr>
-        <p:txBody>
-          <a:bodyPr spcFirstLastPara="1" wrap="square" lIns="91425" tIns="91425" rIns="91425" bIns="91425" anchor="t" anchorCtr="0">
-            <a:noAutofit/>
-          </a:bodyPr>
-          <a:lstStyle/>
-          <a:p>
-            <a:pPr marL="0" lvl="0" indent="0" algn="l" rtl="0">
-              <a:spcBef>
-                <a:spcPts val="0"/>
-              </a:spcBef>
-              <a:spcAft>
-                <a:spcPts val="0"/>
-              </a:spcAft>
-              <a:buNone/>
-            </a:pPr>
-            <a:endParaRPr/>
-          </a:p>
-        </p:txBody>
-      </p:sp>
-    </p:spTree>
-    <p:extLst>
-      <p:ext uri="{BB962C8B-B14F-4D97-AF65-F5344CB8AC3E}">
-        <p14:creationId xmlns:p14="http://schemas.microsoft.com/office/powerpoint/2010/main" val="4056452143"/>
-      </p:ext>
-    </p:extLst>
-  </p:cSld>
-  <p:clrMapOvr>
-    <a:masterClrMapping/>
-  </p:clrMapOvr>
-</p:notes>
-</file>
-
-<file path=ppt/notesSlides/notesSlide19.xml><?xml version="1.0" encoding="utf-8"?>
-<p:notes xmlns:a="http://schemas.openxmlformats.org/drawingml/2006/main" xmlns:r="http://schemas.openxmlformats.org/officeDocument/2006/relationships" xmlns:p="http://schemas.openxmlformats.org/presentationml/2006/main" showMasterSp="0" showMasterPhAnim="0">
-  <p:cSld>
-    <p:spTree>
-      <p:nvGrpSpPr>
-        <p:cNvPr id="1" name="Shape 80"/>
-        <p:cNvGrpSpPr/>
-        <p:nvPr/>
-      </p:nvGrpSpPr>
-      <p:grpSpPr>
-        <a:xfrm>
-          <a:off x="0" y="0"/>
-          <a:ext cx="0" cy="0"/>
-          <a:chOff x="0" y="0"/>
-          <a:chExt cx="0" cy="0"/>
-        </a:xfrm>
-      </p:grpSpPr>
-      <p:sp>
-        <p:nvSpPr>
-          <p:cNvPr id="81" name="Google Shape;81;ga2e8d2e1f6_0_75:notes"/>
-          <p:cNvSpPr>
-            <a:spLocks noGrp="1" noRot="1" noChangeAspect="1"/>
-          </p:cNvSpPr>
-          <p:nvPr>
-            <p:ph type="sldImg" idx="2"/>
-          </p:nvPr>
-        </p:nvSpPr>
-        <p:spPr>
-          <a:xfrm>
-            <a:off x="381000" y="685800"/>
-            <a:ext cx="6096000" cy="3429000"/>
-          </a:xfrm>
-          <a:custGeom>
-            <a:avLst/>
-            <a:gdLst/>
-            <a:ahLst/>
-            <a:cxnLst/>
-            <a:rect l="l" t="t" r="r" b="b"/>
-            <a:pathLst>
-              <a:path w="120000" h="120000" extrusionOk="0">
-                <a:moveTo>
-                  <a:pt x="0" y="0"/>
-                </a:moveTo>
-                <a:lnTo>
-                  <a:pt x="120000" y="0"/>
-                </a:lnTo>
-                <a:lnTo>
-                  <a:pt x="120000" y="120000"/>
-                </a:lnTo>
-                <a:lnTo>
-                  <a:pt x="0" y="120000"/>
-                </a:lnTo>
-                <a:close/>
-              </a:path>
-            </a:pathLst>
-          </a:custGeom>
-        </p:spPr>
-      </p:sp>
-      <p:sp>
-        <p:nvSpPr>
-          <p:cNvPr id="82" name="Google Shape;82;ga2e8d2e1f6_0_75:notes"/>
-          <p:cNvSpPr txBox="1">
-            <a:spLocks noGrp="1"/>
-          </p:cNvSpPr>
-          <p:nvPr>
-            <p:ph type="body" idx="1"/>
-          </p:nvPr>
-        </p:nvSpPr>
-        <p:spPr>
-          <a:xfrm>
-            <a:off x="685800" y="4343400"/>
-            <a:ext cx="5486400" cy="4114800"/>
-          </a:xfrm>
-          <a:prstGeom prst="rect">
-            <a:avLst/>
-          </a:prstGeom>
-        </p:spPr>
-        <p:txBody>
-          <a:bodyPr spcFirstLastPara="1" wrap="square" lIns="91425" tIns="91425" rIns="91425" bIns="91425" anchor="t" anchorCtr="0">
-            <a:noAutofit/>
-          </a:bodyPr>
-          <a:lstStyle/>
-          <a:p>
-            <a:pPr marL="0" lvl="0" indent="0" algn="l" rtl="0">
-              <a:spcBef>
-                <a:spcPts val="0"/>
-              </a:spcBef>
-              <a:spcAft>
-                <a:spcPts val="0"/>
-              </a:spcAft>
-              <a:buNone/>
-            </a:pPr>
-            <a:endParaRPr/>
-          </a:p>
-        </p:txBody>
-      </p:sp>
-    </p:spTree>
-    <p:extLst>
-      <p:ext uri="{BB962C8B-B14F-4D97-AF65-F5344CB8AC3E}">
-        <p14:creationId xmlns:p14="http://schemas.microsoft.com/office/powerpoint/2010/main" val="3531987235"/>
+        <p14:creationId xmlns:p14="http://schemas.microsoft.com/office/powerpoint/2010/main" val="3198619344"/>
       </p:ext>
     </p:extLst>
   </p:cSld>
@@ -2100,551 +1655,6 @@
 </p:notes>
 </file>
 
-<file path=ppt/notesSlides/notesSlide20.xml><?xml version="1.0" encoding="utf-8"?>
-<p:notes xmlns:a="http://schemas.openxmlformats.org/drawingml/2006/main" xmlns:r="http://schemas.openxmlformats.org/officeDocument/2006/relationships" xmlns:p="http://schemas.openxmlformats.org/presentationml/2006/main" showMasterSp="0" showMasterPhAnim="0">
-  <p:cSld>
-    <p:spTree>
-      <p:nvGrpSpPr>
-        <p:cNvPr id="1" name="Shape 80"/>
-        <p:cNvGrpSpPr/>
-        <p:nvPr/>
-      </p:nvGrpSpPr>
-      <p:grpSpPr>
-        <a:xfrm>
-          <a:off x="0" y="0"/>
-          <a:ext cx="0" cy="0"/>
-          <a:chOff x="0" y="0"/>
-          <a:chExt cx="0" cy="0"/>
-        </a:xfrm>
-      </p:grpSpPr>
-      <p:sp>
-        <p:nvSpPr>
-          <p:cNvPr id="81" name="Google Shape;81;ga2e8d2e1f6_0_75:notes"/>
-          <p:cNvSpPr>
-            <a:spLocks noGrp="1" noRot="1" noChangeAspect="1"/>
-          </p:cNvSpPr>
-          <p:nvPr>
-            <p:ph type="sldImg" idx="2"/>
-          </p:nvPr>
-        </p:nvSpPr>
-        <p:spPr>
-          <a:xfrm>
-            <a:off x="381000" y="685800"/>
-            <a:ext cx="6096000" cy="3429000"/>
-          </a:xfrm>
-          <a:custGeom>
-            <a:avLst/>
-            <a:gdLst/>
-            <a:ahLst/>
-            <a:cxnLst/>
-            <a:rect l="l" t="t" r="r" b="b"/>
-            <a:pathLst>
-              <a:path w="120000" h="120000" extrusionOk="0">
-                <a:moveTo>
-                  <a:pt x="0" y="0"/>
-                </a:moveTo>
-                <a:lnTo>
-                  <a:pt x="120000" y="0"/>
-                </a:lnTo>
-                <a:lnTo>
-                  <a:pt x="120000" y="120000"/>
-                </a:lnTo>
-                <a:lnTo>
-                  <a:pt x="0" y="120000"/>
-                </a:lnTo>
-                <a:close/>
-              </a:path>
-            </a:pathLst>
-          </a:custGeom>
-        </p:spPr>
-      </p:sp>
-      <p:sp>
-        <p:nvSpPr>
-          <p:cNvPr id="82" name="Google Shape;82;ga2e8d2e1f6_0_75:notes"/>
-          <p:cNvSpPr txBox="1">
-            <a:spLocks noGrp="1"/>
-          </p:cNvSpPr>
-          <p:nvPr>
-            <p:ph type="body" idx="1"/>
-          </p:nvPr>
-        </p:nvSpPr>
-        <p:spPr>
-          <a:xfrm>
-            <a:off x="685800" y="4343400"/>
-            <a:ext cx="5486400" cy="4114800"/>
-          </a:xfrm>
-          <a:prstGeom prst="rect">
-            <a:avLst/>
-          </a:prstGeom>
-        </p:spPr>
-        <p:txBody>
-          <a:bodyPr spcFirstLastPara="1" wrap="square" lIns="91425" tIns="91425" rIns="91425" bIns="91425" anchor="t" anchorCtr="0">
-            <a:noAutofit/>
-          </a:bodyPr>
-          <a:lstStyle/>
-          <a:p>
-            <a:pPr marL="0" lvl="0" indent="0" algn="l" rtl="0">
-              <a:spcBef>
-                <a:spcPts val="0"/>
-              </a:spcBef>
-              <a:spcAft>
-                <a:spcPts val="0"/>
-              </a:spcAft>
-              <a:buNone/>
-            </a:pPr>
-            <a:endParaRPr/>
-          </a:p>
-        </p:txBody>
-      </p:sp>
-    </p:spTree>
-    <p:extLst>
-      <p:ext uri="{BB962C8B-B14F-4D97-AF65-F5344CB8AC3E}">
-        <p14:creationId xmlns:p14="http://schemas.microsoft.com/office/powerpoint/2010/main" val="1284591829"/>
-      </p:ext>
-    </p:extLst>
-  </p:cSld>
-  <p:clrMapOvr>
-    <a:masterClrMapping/>
-  </p:clrMapOvr>
-</p:notes>
-</file>
-
-<file path=ppt/notesSlides/notesSlide21.xml><?xml version="1.0" encoding="utf-8"?>
-<p:notes xmlns:a="http://schemas.openxmlformats.org/drawingml/2006/main" xmlns:r="http://schemas.openxmlformats.org/officeDocument/2006/relationships" xmlns:p="http://schemas.openxmlformats.org/presentationml/2006/main" showMasterSp="0" showMasterPhAnim="0">
-  <p:cSld>
-    <p:spTree>
-      <p:nvGrpSpPr>
-        <p:cNvPr id="1" name="Shape 80"/>
-        <p:cNvGrpSpPr/>
-        <p:nvPr/>
-      </p:nvGrpSpPr>
-      <p:grpSpPr>
-        <a:xfrm>
-          <a:off x="0" y="0"/>
-          <a:ext cx="0" cy="0"/>
-          <a:chOff x="0" y="0"/>
-          <a:chExt cx="0" cy="0"/>
-        </a:xfrm>
-      </p:grpSpPr>
-      <p:sp>
-        <p:nvSpPr>
-          <p:cNvPr id="81" name="Google Shape;81;ga2e8d2e1f6_0_75:notes"/>
-          <p:cNvSpPr>
-            <a:spLocks noGrp="1" noRot="1" noChangeAspect="1"/>
-          </p:cNvSpPr>
-          <p:nvPr>
-            <p:ph type="sldImg" idx="2"/>
-          </p:nvPr>
-        </p:nvSpPr>
-        <p:spPr>
-          <a:xfrm>
-            <a:off x="381000" y="685800"/>
-            <a:ext cx="6096000" cy="3429000"/>
-          </a:xfrm>
-          <a:custGeom>
-            <a:avLst/>
-            <a:gdLst/>
-            <a:ahLst/>
-            <a:cxnLst/>
-            <a:rect l="l" t="t" r="r" b="b"/>
-            <a:pathLst>
-              <a:path w="120000" h="120000" extrusionOk="0">
-                <a:moveTo>
-                  <a:pt x="0" y="0"/>
-                </a:moveTo>
-                <a:lnTo>
-                  <a:pt x="120000" y="0"/>
-                </a:lnTo>
-                <a:lnTo>
-                  <a:pt x="120000" y="120000"/>
-                </a:lnTo>
-                <a:lnTo>
-                  <a:pt x="0" y="120000"/>
-                </a:lnTo>
-                <a:close/>
-              </a:path>
-            </a:pathLst>
-          </a:custGeom>
-        </p:spPr>
-      </p:sp>
-      <p:sp>
-        <p:nvSpPr>
-          <p:cNvPr id="82" name="Google Shape;82;ga2e8d2e1f6_0_75:notes"/>
-          <p:cNvSpPr txBox="1">
-            <a:spLocks noGrp="1"/>
-          </p:cNvSpPr>
-          <p:nvPr>
-            <p:ph type="body" idx="1"/>
-          </p:nvPr>
-        </p:nvSpPr>
-        <p:spPr>
-          <a:xfrm>
-            <a:off x="685800" y="4343400"/>
-            <a:ext cx="5486400" cy="4114800"/>
-          </a:xfrm>
-          <a:prstGeom prst="rect">
-            <a:avLst/>
-          </a:prstGeom>
-        </p:spPr>
-        <p:txBody>
-          <a:bodyPr spcFirstLastPara="1" wrap="square" lIns="91425" tIns="91425" rIns="91425" bIns="91425" anchor="t" anchorCtr="0">
-            <a:noAutofit/>
-          </a:bodyPr>
-          <a:lstStyle/>
-          <a:p>
-            <a:pPr marL="0" lvl="0" indent="0" algn="l" rtl="0">
-              <a:spcBef>
-                <a:spcPts val="0"/>
-              </a:spcBef>
-              <a:spcAft>
-                <a:spcPts val="0"/>
-              </a:spcAft>
-              <a:buNone/>
-            </a:pPr>
-            <a:endParaRPr/>
-          </a:p>
-        </p:txBody>
-      </p:sp>
-    </p:spTree>
-    <p:extLst>
-      <p:ext uri="{BB962C8B-B14F-4D97-AF65-F5344CB8AC3E}">
-        <p14:creationId xmlns:p14="http://schemas.microsoft.com/office/powerpoint/2010/main" val="3354959135"/>
-      </p:ext>
-    </p:extLst>
-  </p:cSld>
-  <p:clrMapOvr>
-    <a:masterClrMapping/>
-  </p:clrMapOvr>
-</p:notes>
-</file>
-
-<file path=ppt/notesSlides/notesSlide22.xml><?xml version="1.0" encoding="utf-8"?>
-<p:notes xmlns:a="http://schemas.openxmlformats.org/drawingml/2006/main" xmlns:r="http://schemas.openxmlformats.org/officeDocument/2006/relationships" xmlns:p="http://schemas.openxmlformats.org/presentationml/2006/main" showMasterSp="0" showMasterPhAnim="0">
-  <p:cSld>
-    <p:spTree>
-      <p:nvGrpSpPr>
-        <p:cNvPr id="1" name="Shape 80"/>
-        <p:cNvGrpSpPr/>
-        <p:nvPr/>
-      </p:nvGrpSpPr>
-      <p:grpSpPr>
-        <a:xfrm>
-          <a:off x="0" y="0"/>
-          <a:ext cx="0" cy="0"/>
-          <a:chOff x="0" y="0"/>
-          <a:chExt cx="0" cy="0"/>
-        </a:xfrm>
-      </p:grpSpPr>
-      <p:sp>
-        <p:nvSpPr>
-          <p:cNvPr id="81" name="Google Shape;81;ga2e8d2e1f6_0_75:notes"/>
-          <p:cNvSpPr>
-            <a:spLocks noGrp="1" noRot="1" noChangeAspect="1"/>
-          </p:cNvSpPr>
-          <p:nvPr>
-            <p:ph type="sldImg" idx="2"/>
-          </p:nvPr>
-        </p:nvSpPr>
-        <p:spPr>
-          <a:xfrm>
-            <a:off x="381000" y="685800"/>
-            <a:ext cx="6096000" cy="3429000"/>
-          </a:xfrm>
-          <a:custGeom>
-            <a:avLst/>
-            <a:gdLst/>
-            <a:ahLst/>
-            <a:cxnLst/>
-            <a:rect l="l" t="t" r="r" b="b"/>
-            <a:pathLst>
-              <a:path w="120000" h="120000" extrusionOk="0">
-                <a:moveTo>
-                  <a:pt x="0" y="0"/>
-                </a:moveTo>
-                <a:lnTo>
-                  <a:pt x="120000" y="0"/>
-                </a:lnTo>
-                <a:lnTo>
-                  <a:pt x="120000" y="120000"/>
-                </a:lnTo>
-                <a:lnTo>
-                  <a:pt x="0" y="120000"/>
-                </a:lnTo>
-                <a:close/>
-              </a:path>
-            </a:pathLst>
-          </a:custGeom>
-        </p:spPr>
-      </p:sp>
-      <p:sp>
-        <p:nvSpPr>
-          <p:cNvPr id="82" name="Google Shape;82;ga2e8d2e1f6_0_75:notes"/>
-          <p:cNvSpPr txBox="1">
-            <a:spLocks noGrp="1"/>
-          </p:cNvSpPr>
-          <p:nvPr>
-            <p:ph type="body" idx="1"/>
-          </p:nvPr>
-        </p:nvSpPr>
-        <p:spPr>
-          <a:xfrm>
-            <a:off x="685800" y="4343400"/>
-            <a:ext cx="5486400" cy="4114800"/>
-          </a:xfrm>
-          <a:prstGeom prst="rect">
-            <a:avLst/>
-          </a:prstGeom>
-        </p:spPr>
-        <p:txBody>
-          <a:bodyPr spcFirstLastPara="1" wrap="square" lIns="91425" tIns="91425" rIns="91425" bIns="91425" anchor="t" anchorCtr="0">
-            <a:noAutofit/>
-          </a:bodyPr>
-          <a:lstStyle/>
-          <a:p>
-            <a:pPr marL="0" lvl="0" indent="0" algn="l" rtl="0">
-              <a:spcBef>
-                <a:spcPts val="0"/>
-              </a:spcBef>
-              <a:spcAft>
-                <a:spcPts val="0"/>
-              </a:spcAft>
-              <a:buNone/>
-            </a:pPr>
-            <a:endParaRPr/>
-          </a:p>
-        </p:txBody>
-      </p:sp>
-    </p:spTree>
-    <p:extLst>
-      <p:ext uri="{BB962C8B-B14F-4D97-AF65-F5344CB8AC3E}">
-        <p14:creationId xmlns:p14="http://schemas.microsoft.com/office/powerpoint/2010/main" val="3864249418"/>
-      </p:ext>
-    </p:extLst>
-  </p:cSld>
-  <p:clrMapOvr>
-    <a:masterClrMapping/>
-  </p:clrMapOvr>
-</p:notes>
-</file>
-
-<file path=ppt/notesSlides/notesSlide23.xml><?xml version="1.0" encoding="utf-8"?>
-<p:notes xmlns:a="http://schemas.openxmlformats.org/drawingml/2006/main" xmlns:r="http://schemas.openxmlformats.org/officeDocument/2006/relationships" xmlns:p="http://schemas.openxmlformats.org/presentationml/2006/main" showMasterSp="0" showMasterPhAnim="0">
-  <p:cSld>
-    <p:spTree>
-      <p:nvGrpSpPr>
-        <p:cNvPr id="1" name="Shape 80"/>
-        <p:cNvGrpSpPr/>
-        <p:nvPr/>
-      </p:nvGrpSpPr>
-      <p:grpSpPr>
-        <a:xfrm>
-          <a:off x="0" y="0"/>
-          <a:ext cx="0" cy="0"/>
-          <a:chOff x="0" y="0"/>
-          <a:chExt cx="0" cy="0"/>
-        </a:xfrm>
-      </p:grpSpPr>
-      <p:sp>
-        <p:nvSpPr>
-          <p:cNvPr id="81" name="Google Shape;81;ga2e8d2e1f6_0_75:notes"/>
-          <p:cNvSpPr>
-            <a:spLocks noGrp="1" noRot="1" noChangeAspect="1"/>
-          </p:cNvSpPr>
-          <p:nvPr>
-            <p:ph type="sldImg" idx="2"/>
-          </p:nvPr>
-        </p:nvSpPr>
-        <p:spPr>
-          <a:xfrm>
-            <a:off x="381000" y="685800"/>
-            <a:ext cx="6096000" cy="3429000"/>
-          </a:xfrm>
-          <a:custGeom>
-            <a:avLst/>
-            <a:gdLst/>
-            <a:ahLst/>
-            <a:cxnLst/>
-            <a:rect l="l" t="t" r="r" b="b"/>
-            <a:pathLst>
-              <a:path w="120000" h="120000" extrusionOk="0">
-                <a:moveTo>
-                  <a:pt x="0" y="0"/>
-                </a:moveTo>
-                <a:lnTo>
-                  <a:pt x="120000" y="0"/>
-                </a:lnTo>
-                <a:lnTo>
-                  <a:pt x="120000" y="120000"/>
-                </a:lnTo>
-                <a:lnTo>
-                  <a:pt x="0" y="120000"/>
-                </a:lnTo>
-                <a:close/>
-              </a:path>
-            </a:pathLst>
-          </a:custGeom>
-        </p:spPr>
-      </p:sp>
-      <p:sp>
-        <p:nvSpPr>
-          <p:cNvPr id="82" name="Google Shape;82;ga2e8d2e1f6_0_75:notes"/>
-          <p:cNvSpPr txBox="1">
-            <a:spLocks noGrp="1"/>
-          </p:cNvSpPr>
-          <p:nvPr>
-            <p:ph type="body" idx="1"/>
-          </p:nvPr>
-        </p:nvSpPr>
-        <p:spPr>
-          <a:xfrm>
-            <a:off x="685800" y="4343400"/>
-            <a:ext cx="5486400" cy="4114800"/>
-          </a:xfrm>
-          <a:prstGeom prst="rect">
-            <a:avLst/>
-          </a:prstGeom>
-        </p:spPr>
-        <p:txBody>
-          <a:bodyPr spcFirstLastPara="1" wrap="square" lIns="91425" tIns="91425" rIns="91425" bIns="91425" anchor="t" anchorCtr="0">
-            <a:noAutofit/>
-          </a:bodyPr>
-          <a:lstStyle/>
-          <a:p>
-            <a:pPr marL="0" lvl="0" indent="0" algn="l" rtl="0">
-              <a:spcBef>
-                <a:spcPts val="0"/>
-              </a:spcBef>
-              <a:spcAft>
-                <a:spcPts val="0"/>
-              </a:spcAft>
-              <a:buNone/>
-            </a:pPr>
-            <a:endParaRPr/>
-          </a:p>
-        </p:txBody>
-      </p:sp>
-    </p:spTree>
-    <p:extLst>
-      <p:ext uri="{BB962C8B-B14F-4D97-AF65-F5344CB8AC3E}">
-        <p14:creationId xmlns:p14="http://schemas.microsoft.com/office/powerpoint/2010/main" val="6615638"/>
-      </p:ext>
-    </p:extLst>
-  </p:cSld>
-  <p:clrMapOvr>
-    <a:masterClrMapping/>
-  </p:clrMapOvr>
-</p:notes>
-</file>
-
-<file path=ppt/notesSlides/notesSlide24.xml><?xml version="1.0" encoding="utf-8"?>
-<p:notes xmlns:a="http://schemas.openxmlformats.org/drawingml/2006/main" xmlns:r="http://schemas.openxmlformats.org/officeDocument/2006/relationships" xmlns:p="http://schemas.openxmlformats.org/presentationml/2006/main" showMasterSp="0" showMasterPhAnim="0">
-  <p:cSld>
-    <p:spTree>
-      <p:nvGrpSpPr>
-        <p:cNvPr id="1" name="Shape 80"/>
-        <p:cNvGrpSpPr/>
-        <p:nvPr/>
-      </p:nvGrpSpPr>
-      <p:grpSpPr>
-        <a:xfrm>
-          <a:off x="0" y="0"/>
-          <a:ext cx="0" cy="0"/>
-          <a:chOff x="0" y="0"/>
-          <a:chExt cx="0" cy="0"/>
-        </a:xfrm>
-      </p:grpSpPr>
-      <p:sp>
-        <p:nvSpPr>
-          <p:cNvPr id="81" name="Google Shape;81;ga2e8d2e1f6_0_75:notes"/>
-          <p:cNvSpPr>
-            <a:spLocks noGrp="1" noRot="1" noChangeAspect="1"/>
-          </p:cNvSpPr>
-          <p:nvPr>
-            <p:ph type="sldImg" idx="2"/>
-          </p:nvPr>
-        </p:nvSpPr>
-        <p:spPr>
-          <a:xfrm>
-            <a:off x="381000" y="685800"/>
-            <a:ext cx="6096000" cy="3429000"/>
-          </a:xfrm>
-          <a:custGeom>
-            <a:avLst/>
-            <a:gdLst/>
-            <a:ahLst/>
-            <a:cxnLst/>
-            <a:rect l="l" t="t" r="r" b="b"/>
-            <a:pathLst>
-              <a:path w="120000" h="120000" extrusionOk="0">
-                <a:moveTo>
-                  <a:pt x="0" y="0"/>
-                </a:moveTo>
-                <a:lnTo>
-                  <a:pt x="120000" y="0"/>
-                </a:lnTo>
-                <a:lnTo>
-                  <a:pt x="120000" y="120000"/>
-                </a:lnTo>
-                <a:lnTo>
-                  <a:pt x="0" y="120000"/>
-                </a:lnTo>
-                <a:close/>
-              </a:path>
-            </a:pathLst>
-          </a:custGeom>
-        </p:spPr>
-      </p:sp>
-      <p:sp>
-        <p:nvSpPr>
-          <p:cNvPr id="82" name="Google Shape;82;ga2e8d2e1f6_0_75:notes"/>
-          <p:cNvSpPr txBox="1">
-            <a:spLocks noGrp="1"/>
-          </p:cNvSpPr>
-          <p:nvPr>
-            <p:ph type="body" idx="1"/>
-          </p:nvPr>
-        </p:nvSpPr>
-        <p:spPr>
-          <a:xfrm>
-            <a:off x="685800" y="4343400"/>
-            <a:ext cx="5486400" cy="4114800"/>
-          </a:xfrm>
-          <a:prstGeom prst="rect">
-            <a:avLst/>
-          </a:prstGeom>
-        </p:spPr>
-        <p:txBody>
-          <a:bodyPr spcFirstLastPara="1" wrap="square" lIns="91425" tIns="91425" rIns="91425" bIns="91425" anchor="t" anchorCtr="0">
-            <a:noAutofit/>
-          </a:bodyPr>
-          <a:lstStyle/>
-          <a:p>
-            <a:pPr marL="0" lvl="0" indent="0" algn="l" rtl="0">
-              <a:spcBef>
-                <a:spcPts val="0"/>
-              </a:spcBef>
-              <a:spcAft>
-                <a:spcPts val="0"/>
-              </a:spcAft>
-              <a:buNone/>
-            </a:pPr>
-            <a:endParaRPr/>
-          </a:p>
-        </p:txBody>
-      </p:sp>
-    </p:spTree>
-    <p:extLst>
-      <p:ext uri="{BB962C8B-B14F-4D97-AF65-F5344CB8AC3E}">
-        <p14:creationId xmlns:p14="http://schemas.microsoft.com/office/powerpoint/2010/main" val="3198619344"/>
-      </p:ext>
-    </p:extLst>
-  </p:cSld>
-  <p:clrMapOvr>
-    <a:masterClrMapping/>
-  </p:clrMapOvr>
-</p:notes>
-</file>
-
 <file path=ppt/notesSlides/notesSlide3.xml><?xml version="1.0" encoding="utf-8"?>
 <p:notes xmlns:a="http://schemas.openxmlformats.org/drawingml/2006/main" xmlns:r="http://schemas.openxmlformats.org/officeDocument/2006/relationships" xmlns:p="http://schemas.openxmlformats.org/presentationml/2006/main" showMasterSp="0" showMasterPhAnim="0">
   <p:cSld>
@@ -2754,6 +1764,115 @@
   <p:cSld>
     <p:spTree>
       <p:nvGrpSpPr>
+        <p:cNvPr id="1" name="Shape 74"/>
+        <p:cNvGrpSpPr/>
+        <p:nvPr/>
+      </p:nvGrpSpPr>
+      <p:grpSpPr>
+        <a:xfrm>
+          <a:off x="0" y="0"/>
+          <a:ext cx="0" cy="0"/>
+          <a:chOff x="0" y="0"/>
+          <a:chExt cx="0" cy="0"/>
+        </a:xfrm>
+      </p:grpSpPr>
+      <p:sp>
+        <p:nvSpPr>
+          <p:cNvPr id="75" name="Google Shape;75;ga2e8d2e1f6_0_20:notes"/>
+          <p:cNvSpPr>
+            <a:spLocks noGrp="1" noRot="1" noChangeAspect="1"/>
+          </p:cNvSpPr>
+          <p:nvPr>
+            <p:ph type="sldImg" idx="2"/>
+          </p:nvPr>
+        </p:nvSpPr>
+        <p:spPr>
+          <a:xfrm>
+            <a:off x="381000" y="685800"/>
+            <a:ext cx="6096000" cy="3429000"/>
+          </a:xfrm>
+          <a:custGeom>
+            <a:avLst/>
+            <a:gdLst/>
+            <a:ahLst/>
+            <a:cxnLst/>
+            <a:rect l="l" t="t" r="r" b="b"/>
+            <a:pathLst>
+              <a:path w="120000" h="120000" extrusionOk="0">
+                <a:moveTo>
+                  <a:pt x="0" y="0"/>
+                </a:moveTo>
+                <a:lnTo>
+                  <a:pt x="120000" y="0"/>
+                </a:lnTo>
+                <a:lnTo>
+                  <a:pt x="120000" y="120000"/>
+                </a:lnTo>
+                <a:lnTo>
+                  <a:pt x="0" y="120000"/>
+                </a:lnTo>
+                <a:close/>
+              </a:path>
+            </a:pathLst>
+          </a:custGeom>
+        </p:spPr>
+      </p:sp>
+      <p:sp>
+        <p:nvSpPr>
+          <p:cNvPr id="76" name="Google Shape;76;ga2e8d2e1f6_0_20:notes"/>
+          <p:cNvSpPr txBox="1">
+            <a:spLocks noGrp="1"/>
+          </p:cNvSpPr>
+          <p:nvPr>
+            <p:ph type="body" idx="1"/>
+          </p:nvPr>
+        </p:nvSpPr>
+        <p:spPr>
+          <a:xfrm>
+            <a:off x="685800" y="4343400"/>
+            <a:ext cx="5486400" cy="4114800"/>
+          </a:xfrm>
+          <a:prstGeom prst="rect">
+            <a:avLst/>
+          </a:prstGeom>
+        </p:spPr>
+        <p:txBody>
+          <a:bodyPr spcFirstLastPara="1" wrap="square" lIns="91425" tIns="91425" rIns="91425" bIns="91425" anchor="t" anchorCtr="0">
+            <a:noAutofit/>
+          </a:bodyPr>
+          <a:lstStyle/>
+          <a:p>
+            <a:pPr marL="0" lvl="0" indent="0" algn="l" rtl="0">
+              <a:spcBef>
+                <a:spcPts val="0"/>
+              </a:spcBef>
+              <a:spcAft>
+                <a:spcPts val="0"/>
+              </a:spcAft>
+              <a:buNone/>
+            </a:pPr>
+            <a:endParaRPr/>
+          </a:p>
+        </p:txBody>
+      </p:sp>
+    </p:spTree>
+    <p:extLst>
+      <p:ext uri="{BB962C8B-B14F-4D97-AF65-F5344CB8AC3E}">
+        <p14:creationId xmlns:p14="http://schemas.microsoft.com/office/powerpoint/2010/main" val="180114604"/>
+      </p:ext>
+    </p:extLst>
+  </p:cSld>
+  <p:clrMapOvr>
+    <a:masterClrMapping/>
+  </p:clrMapOvr>
+</p:notes>
+</file>
+
+<file path=ppt/notesSlides/notesSlide5.xml><?xml version="1.0" encoding="utf-8"?>
+<p:notes xmlns:a="http://schemas.openxmlformats.org/drawingml/2006/main" xmlns:r="http://schemas.openxmlformats.org/officeDocument/2006/relationships" xmlns:p="http://schemas.openxmlformats.org/presentationml/2006/main" showMasterSp="0" showMasterPhAnim="0">
+  <p:cSld>
+    <p:spTree>
+      <p:nvGrpSpPr>
         <p:cNvPr id="1" name="Shape 69"/>
         <p:cNvGrpSpPr/>
         <p:nvPr/>
@@ -2842,110 +1961,6 @@
               <a:buNone/>
             </a:pPr>
             <a:endParaRPr dirty="0"/>
-          </a:p>
-        </p:txBody>
-      </p:sp>
-    </p:spTree>
-  </p:cSld>
-  <p:clrMapOvr>
-    <a:masterClrMapping/>
-  </p:clrMapOvr>
-</p:notes>
-</file>
-
-<file path=ppt/notesSlides/notesSlide5.xml><?xml version="1.0" encoding="utf-8"?>
-<p:notes xmlns:a="http://schemas.openxmlformats.org/drawingml/2006/main" xmlns:r="http://schemas.openxmlformats.org/officeDocument/2006/relationships" xmlns:p="http://schemas.openxmlformats.org/presentationml/2006/main" showMasterSp="0" showMasterPhAnim="0">
-  <p:cSld>
-    <p:spTree>
-      <p:nvGrpSpPr>
-        <p:cNvPr id="1" name="Shape 80"/>
-        <p:cNvGrpSpPr/>
-        <p:nvPr/>
-      </p:nvGrpSpPr>
-      <p:grpSpPr>
-        <a:xfrm>
-          <a:off x="0" y="0"/>
-          <a:ext cx="0" cy="0"/>
-          <a:chOff x="0" y="0"/>
-          <a:chExt cx="0" cy="0"/>
-        </a:xfrm>
-      </p:grpSpPr>
-      <p:sp>
-        <p:nvSpPr>
-          <p:cNvPr id="81" name="Google Shape;81;ga2e8d2e1f6_0_75:notes"/>
-          <p:cNvSpPr>
-            <a:spLocks noGrp="1" noRot="1" noChangeAspect="1"/>
-          </p:cNvSpPr>
-          <p:nvPr>
-            <p:ph type="sldImg" idx="2"/>
-          </p:nvPr>
-        </p:nvSpPr>
-        <p:spPr>
-          <a:xfrm>
-            <a:off x="381000" y="685800"/>
-            <a:ext cx="6096000" cy="3429000"/>
-          </a:xfrm>
-          <a:custGeom>
-            <a:avLst/>
-            <a:gdLst/>
-            <a:ahLst/>
-            <a:cxnLst/>
-            <a:rect l="l" t="t" r="r" b="b"/>
-            <a:pathLst>
-              <a:path w="120000" h="120000" extrusionOk="0">
-                <a:moveTo>
-                  <a:pt x="0" y="0"/>
-                </a:moveTo>
-                <a:lnTo>
-                  <a:pt x="120000" y="0"/>
-                </a:lnTo>
-                <a:lnTo>
-                  <a:pt x="120000" y="120000"/>
-                </a:lnTo>
-                <a:lnTo>
-                  <a:pt x="0" y="120000"/>
-                </a:lnTo>
-                <a:close/>
-              </a:path>
-            </a:pathLst>
-          </a:custGeom>
-        </p:spPr>
-      </p:sp>
-      <p:sp>
-        <p:nvSpPr>
-          <p:cNvPr id="82" name="Google Shape;82;ga2e8d2e1f6_0_75:notes"/>
-          <p:cNvSpPr txBox="1">
-            <a:spLocks noGrp="1"/>
-          </p:cNvSpPr>
-          <p:nvPr>
-            <p:ph type="body" idx="1"/>
-          </p:nvPr>
-        </p:nvSpPr>
-        <p:spPr>
-          <a:xfrm>
-            <a:off x="685800" y="4343400"/>
-            <a:ext cx="5486400" cy="4114800"/>
-          </a:xfrm>
-          <a:prstGeom prst="rect">
-            <a:avLst/>
-          </a:prstGeom>
-        </p:spPr>
-        <p:txBody>
-          <a:bodyPr spcFirstLastPara="1" wrap="square" lIns="91425" tIns="91425" rIns="91425" bIns="91425" anchor="t" anchorCtr="0">
-            <a:noAutofit/>
-          </a:bodyPr>
-          <a:lstStyle/>
-          <a:p>
-            <a:pPr marL="0" lvl="0" indent="0" algn="l" rtl="0">
-              <a:spcBef>
-                <a:spcPts val="0"/>
-              </a:spcBef>
-              <a:spcAft>
-                <a:spcPts val="0"/>
-              </a:spcAft>
-              <a:buNone/>
-            </a:pPr>
-            <a:endParaRPr/>
           </a:p>
         </p:txBody>
       </p:sp>
@@ -3054,11 +2069,6 @@
         </p:txBody>
       </p:sp>
     </p:spTree>
-    <p:extLst>
-      <p:ext uri="{BB962C8B-B14F-4D97-AF65-F5344CB8AC3E}">
-        <p14:creationId xmlns:p14="http://schemas.microsoft.com/office/powerpoint/2010/main" val="974409297"/>
-      </p:ext>
-    </p:extLst>
   </p:cSld>
   <p:clrMapOvr>
     <a:masterClrMapping/>
@@ -3165,7 +2175,7 @@
     </p:spTree>
     <p:extLst>
       <p:ext uri="{BB962C8B-B14F-4D97-AF65-F5344CB8AC3E}">
-        <p14:creationId xmlns:p14="http://schemas.microsoft.com/office/powerpoint/2010/main" val="801243526"/>
+        <p14:creationId xmlns:p14="http://schemas.microsoft.com/office/powerpoint/2010/main" val="974409297"/>
       </p:ext>
     </p:extLst>
   </p:cSld>
@@ -3274,7 +2284,7 @@
     </p:spTree>
     <p:extLst>
       <p:ext uri="{BB962C8B-B14F-4D97-AF65-F5344CB8AC3E}">
-        <p14:creationId xmlns:p14="http://schemas.microsoft.com/office/powerpoint/2010/main" val="4134617096"/>
+        <p14:creationId xmlns:p14="http://schemas.microsoft.com/office/powerpoint/2010/main" val="4036109500"/>
       </p:ext>
     </p:extLst>
   </p:cSld>
@@ -3383,7 +2393,7 @@
     </p:spTree>
     <p:extLst>
       <p:ext uri="{BB962C8B-B14F-4D97-AF65-F5344CB8AC3E}">
-        <p14:creationId xmlns:p14="http://schemas.microsoft.com/office/powerpoint/2010/main" val="2935618172"/>
+        <p14:creationId xmlns:p14="http://schemas.microsoft.com/office/powerpoint/2010/main" val="4056452143"/>
       </p:ext>
     </p:extLst>
   </p:cSld>
@@ -8452,6 +7462,555 @@
   <p:cSld>
     <p:spTree>
       <p:nvGrpSpPr>
+        <p:cNvPr id="1" name=""/>
+        <p:cNvGrpSpPr/>
+        <p:nvPr/>
+      </p:nvGrpSpPr>
+      <p:grpSpPr>
+        <a:xfrm>
+          <a:off x="0" y="0"/>
+          <a:ext cx="0" cy="0"/>
+          <a:chOff x="0" y="0"/>
+          <a:chExt cx="0" cy="0"/>
+        </a:xfrm>
+      </p:grpSpPr>
+      <p:sp>
+        <p:nvSpPr>
+          <p:cNvPr id="2" name="Title 1">
+            <a:extLst>
+              <a:ext uri="{FF2B5EF4-FFF2-40B4-BE49-F238E27FC236}">
+                <a16:creationId xmlns:a16="http://schemas.microsoft.com/office/drawing/2014/main" id="{530D5B42-7055-4623-A2AE-E820E726C281}"/>
+              </a:ext>
+            </a:extLst>
+          </p:cNvPr>
+          <p:cNvSpPr>
+            <a:spLocks noGrp="1"/>
+          </p:cNvSpPr>
+          <p:nvPr>
+            <p:ph type="title"/>
+          </p:nvPr>
+        </p:nvSpPr>
+        <p:spPr/>
+        <p:txBody>
+          <a:bodyPr/>
+          <a:lstStyle/>
+          <a:p>
+            <a:r>
+              <a:rPr lang="en-US" b="1" dirty="0"/>
+              <a:t>Yes / No Checker Test Plan</a:t>
+            </a:r>
+            <a:endParaRPr lang="en-NZ" b="1" dirty="0"/>
+          </a:p>
+        </p:txBody>
+      </p:sp>
+      <p:graphicFrame>
+        <p:nvGraphicFramePr>
+          <p:cNvPr id="4" name="Table 4">
+            <a:extLst>
+              <a:ext uri="{FF2B5EF4-FFF2-40B4-BE49-F238E27FC236}">
+                <a16:creationId xmlns:a16="http://schemas.microsoft.com/office/drawing/2014/main" id="{AECF475B-2FDA-4EEB-AD0A-336E46AC022F}"/>
+              </a:ext>
+            </a:extLst>
+          </p:cNvPr>
+          <p:cNvGraphicFramePr>
+            <a:graphicFrameLocks noGrp="1"/>
+          </p:cNvGraphicFramePr>
+          <p:nvPr>
+            <p:extLst>
+              <p:ext uri="{D42A27DB-BD31-4B8C-83A1-F6EECF244321}">
+                <p14:modId xmlns:p14="http://schemas.microsoft.com/office/powerpoint/2010/main" val="3505237048"/>
+              </p:ext>
+            </p:extLst>
+          </p:nvPr>
+        </p:nvGraphicFramePr>
+        <p:xfrm>
+          <a:off x="433456" y="1546178"/>
+          <a:ext cx="3958900" cy="2769036"/>
+        </p:xfrm>
+        <a:graphic>
+          <a:graphicData uri="http://schemas.openxmlformats.org/drawingml/2006/table">
+            <a:tbl>
+              <a:tblPr firstRow="1" bandRow="1">
+                <a:tableStyleId>{3C2FFA5D-87B4-456A-9821-1D502468CF0F}</a:tableStyleId>
+              </a:tblPr>
+              <a:tblGrid>
+                <a:gridCol w="1979450">
+                  <a:extLst>
+                    <a:ext uri="{9D8B030D-6E8A-4147-A177-3AD203B41FA5}">
+                      <a16:colId xmlns:a16="http://schemas.microsoft.com/office/drawing/2014/main" val="3990182086"/>
+                    </a:ext>
+                  </a:extLst>
+                </a:gridCol>
+                <a:gridCol w="1979450">
+                  <a:extLst>
+                    <a:ext uri="{9D8B030D-6E8A-4147-A177-3AD203B41FA5}">
+                      <a16:colId xmlns:a16="http://schemas.microsoft.com/office/drawing/2014/main" val="3098142696"/>
+                    </a:ext>
+                  </a:extLst>
+                </a:gridCol>
+              </a:tblGrid>
+              <a:tr h="375146">
+                <a:tc>
+                  <a:txBody>
+                    <a:bodyPr/>
+                    <a:lstStyle/>
+                    <a:p>
+                      <a:r>
+                        <a:rPr lang="en-US" dirty="0"/>
+                        <a:t>Test Data</a:t>
+                      </a:r>
+                      <a:endParaRPr lang="en-NZ" b="1" dirty="0"/>
+                    </a:p>
+                  </a:txBody>
+                  <a:tcPr/>
+                </a:tc>
+                <a:tc>
+                  <a:txBody>
+                    <a:bodyPr/>
+                    <a:lstStyle/>
+                    <a:p>
+                      <a:r>
+                        <a:rPr lang="en-US" dirty="0"/>
+                        <a:t>Expected</a:t>
+                      </a:r>
+                      <a:endParaRPr lang="en-NZ" b="1" dirty="0"/>
+                    </a:p>
+                  </a:txBody>
+                  <a:tcPr/>
+                </a:tc>
+                <a:extLst>
+                  <a:ext uri="{0D108BD9-81ED-4DB2-BD59-A6C34878D82A}">
+                    <a16:rowId xmlns:a16="http://schemas.microsoft.com/office/drawing/2014/main" val="2367894506"/>
+                  </a:ext>
+                </a:extLst>
+              </a:tr>
+              <a:tr h="375146">
+                <a:tc>
+                  <a:txBody>
+                    <a:bodyPr/>
+                    <a:lstStyle/>
+                    <a:p>
+                      <a:r>
+                        <a:rPr lang="en-US" dirty="0"/>
+                        <a:t>Yes</a:t>
+                      </a:r>
+                      <a:endParaRPr lang="en-NZ" dirty="0"/>
+                    </a:p>
+                  </a:txBody>
+                  <a:tcPr/>
+                </a:tc>
+                <a:tc>
+                  <a:txBody>
+                    <a:bodyPr/>
+                    <a:lstStyle/>
+                    <a:p>
+                      <a:r>
+                        <a:rPr lang="en-US" dirty="0"/>
+                        <a:t>Program continues</a:t>
+                      </a:r>
+                      <a:endParaRPr lang="en-NZ" dirty="0"/>
+                    </a:p>
+                  </a:txBody>
+                  <a:tcPr/>
+                </a:tc>
+                <a:extLst>
+                  <a:ext uri="{0D108BD9-81ED-4DB2-BD59-A6C34878D82A}">
+                    <a16:rowId xmlns:a16="http://schemas.microsoft.com/office/drawing/2014/main" val="4223515980"/>
+                  </a:ext>
+                </a:extLst>
+              </a:tr>
+              <a:tr h="375146">
+                <a:tc>
+                  <a:txBody>
+                    <a:bodyPr/>
+                    <a:lstStyle/>
+                    <a:p>
+                      <a:r>
+                        <a:rPr lang="en-US" dirty="0"/>
+                        <a:t>Y</a:t>
+                      </a:r>
+                      <a:endParaRPr lang="en-NZ" dirty="0"/>
+                    </a:p>
+                  </a:txBody>
+                  <a:tcPr/>
+                </a:tc>
+                <a:tc>
+                  <a:txBody>
+                    <a:bodyPr/>
+                    <a:lstStyle/>
+                    <a:p>
+                      <a:r>
+                        <a:rPr lang="en-US" dirty="0"/>
+                        <a:t>Program continues</a:t>
+                      </a:r>
+                      <a:endParaRPr lang="en-NZ" dirty="0"/>
+                    </a:p>
+                  </a:txBody>
+                  <a:tcPr/>
+                </a:tc>
+                <a:extLst>
+                  <a:ext uri="{0D108BD9-81ED-4DB2-BD59-A6C34878D82A}">
+                    <a16:rowId xmlns:a16="http://schemas.microsoft.com/office/drawing/2014/main" val="3468855258"/>
+                  </a:ext>
+                </a:extLst>
+              </a:tr>
+              <a:tr h="375146">
+                <a:tc>
+                  <a:txBody>
+                    <a:bodyPr/>
+                    <a:lstStyle/>
+                    <a:p>
+                      <a:r>
+                        <a:rPr lang="en-US" dirty="0"/>
+                        <a:t>No</a:t>
+                      </a:r>
+                      <a:endParaRPr lang="en-NZ" dirty="0"/>
+                    </a:p>
+                  </a:txBody>
+                  <a:tcPr/>
+                </a:tc>
+                <a:tc>
+                  <a:txBody>
+                    <a:bodyPr/>
+                    <a:lstStyle/>
+                    <a:p>
+                      <a:r>
+                        <a:rPr lang="en-US" dirty="0"/>
+                        <a:t>Program continues</a:t>
+                      </a:r>
+                      <a:endParaRPr lang="en-NZ" dirty="0"/>
+                    </a:p>
+                  </a:txBody>
+                  <a:tcPr/>
+                </a:tc>
+                <a:extLst>
+                  <a:ext uri="{0D108BD9-81ED-4DB2-BD59-A6C34878D82A}">
+                    <a16:rowId xmlns:a16="http://schemas.microsoft.com/office/drawing/2014/main" val="2150721043"/>
+                  </a:ext>
+                </a:extLst>
+              </a:tr>
+              <a:tr h="375146">
+                <a:tc>
+                  <a:txBody>
+                    <a:bodyPr/>
+                    <a:lstStyle/>
+                    <a:p>
+                      <a:r>
+                        <a:rPr lang="en-US" dirty="0"/>
+                        <a:t>N</a:t>
+                      </a:r>
+                      <a:endParaRPr lang="en-NZ" dirty="0"/>
+                    </a:p>
+                  </a:txBody>
+                  <a:tcPr/>
+                </a:tc>
+                <a:tc>
+                  <a:txBody>
+                    <a:bodyPr/>
+                    <a:lstStyle/>
+                    <a:p>
+                      <a:r>
+                        <a:rPr lang="en-US" dirty="0"/>
+                        <a:t>Program continues</a:t>
+                      </a:r>
+                      <a:endParaRPr lang="en-NZ" dirty="0"/>
+                    </a:p>
+                  </a:txBody>
+                  <a:tcPr/>
+                </a:tc>
+                <a:extLst>
+                  <a:ext uri="{0D108BD9-81ED-4DB2-BD59-A6C34878D82A}">
+                    <a16:rowId xmlns:a16="http://schemas.microsoft.com/office/drawing/2014/main" val="1501686322"/>
+                  </a:ext>
+                </a:extLst>
+              </a:tr>
+              <a:tr h="375146">
+                <a:tc>
+                  <a:txBody>
+                    <a:bodyPr/>
+                    <a:lstStyle/>
+                    <a:p>
+                      <a:r>
+                        <a:rPr lang="en-US" dirty="0" err="1"/>
+                        <a:t>YeS</a:t>
+                      </a:r>
+                      <a:endParaRPr lang="en-NZ" dirty="0"/>
+                    </a:p>
+                  </a:txBody>
+                  <a:tcPr/>
+                </a:tc>
+                <a:tc>
+                  <a:txBody>
+                    <a:bodyPr/>
+                    <a:lstStyle/>
+                    <a:p>
+                      <a:r>
+                        <a:rPr lang="en-US" dirty="0"/>
+                        <a:t>Program continues</a:t>
+                      </a:r>
+                      <a:endParaRPr lang="en-NZ" dirty="0"/>
+                    </a:p>
+                  </a:txBody>
+                  <a:tcPr/>
+                </a:tc>
+                <a:extLst>
+                  <a:ext uri="{0D108BD9-81ED-4DB2-BD59-A6C34878D82A}">
+                    <a16:rowId xmlns:a16="http://schemas.microsoft.com/office/drawing/2014/main" val="3303460023"/>
+                  </a:ext>
+                </a:extLst>
+              </a:tr>
+              <a:tr h="375146">
+                <a:tc>
+                  <a:txBody>
+                    <a:bodyPr/>
+                    <a:lstStyle/>
+                    <a:p>
+                      <a:r>
+                        <a:rPr lang="en-US" dirty="0"/>
+                        <a:t>Maybe</a:t>
+                      </a:r>
+                      <a:endParaRPr lang="en-NZ" dirty="0"/>
+                    </a:p>
+                  </a:txBody>
+                  <a:tcPr/>
+                </a:tc>
+                <a:tc>
+                  <a:txBody>
+                    <a:bodyPr/>
+                    <a:lstStyle/>
+                    <a:p>
+                      <a:r>
+                        <a:rPr lang="en-US" dirty="0"/>
+                        <a:t>Please enter either “Yes” or “No”</a:t>
+                      </a:r>
+                      <a:endParaRPr lang="en-NZ" dirty="0"/>
+                    </a:p>
+                  </a:txBody>
+                  <a:tcPr/>
+                </a:tc>
+                <a:extLst>
+                  <a:ext uri="{0D108BD9-81ED-4DB2-BD59-A6C34878D82A}">
+                    <a16:rowId xmlns:a16="http://schemas.microsoft.com/office/drawing/2014/main" val="2149766486"/>
+                  </a:ext>
+                </a:extLst>
+              </a:tr>
+            </a:tbl>
+          </a:graphicData>
+        </a:graphic>
+      </p:graphicFrame>
+      <p:pic>
+        <p:nvPicPr>
+          <p:cNvPr id="3" name="Picture 2">
+            <a:extLst>
+              <a:ext uri="{FF2B5EF4-FFF2-40B4-BE49-F238E27FC236}">
+                <a16:creationId xmlns:a16="http://schemas.microsoft.com/office/drawing/2014/main" id="{EF9BDCB2-D62E-4280-B512-E2F3B331180F}"/>
+              </a:ext>
+            </a:extLst>
+          </p:cNvPr>
+          <p:cNvPicPr>
+            <a:picLocks noChangeAspect="1"/>
+          </p:cNvPicPr>
+          <p:nvPr/>
+        </p:nvPicPr>
+        <p:blipFill>
+          <a:blip r:embed="rId2"/>
+          <a:stretch>
+            <a:fillRect/>
+          </a:stretch>
+        </p:blipFill>
+        <p:spPr>
+          <a:xfrm>
+            <a:off x="4572000" y="1797969"/>
+            <a:ext cx="3977721" cy="2310205"/>
+          </a:xfrm>
+          <a:prstGeom prst="rect">
+            <a:avLst/>
+          </a:prstGeom>
+        </p:spPr>
+      </p:pic>
+    </p:spTree>
+    <p:extLst>
+      <p:ext uri="{BB962C8B-B14F-4D97-AF65-F5344CB8AC3E}">
+        <p14:creationId xmlns:p14="http://schemas.microsoft.com/office/powerpoint/2010/main" val="249405800"/>
+      </p:ext>
+    </p:extLst>
+  </p:cSld>
+  <p:clrMapOvr>
+    <a:masterClrMapping/>
+  </p:clrMapOvr>
+</p:sld>
+</file>
+
+<file path=ppt/slides/slide11.xml><?xml version="1.0" encoding="utf-8"?>
+<p:sld xmlns:a="http://schemas.openxmlformats.org/drawingml/2006/main" xmlns:r="http://schemas.openxmlformats.org/officeDocument/2006/relationships" xmlns:p="http://schemas.openxmlformats.org/presentationml/2006/main">
+  <p:cSld>
+    <p:bg>
+      <p:bgPr>
+        <a:solidFill>
+          <a:srgbClr val="FFD966"/>
+        </a:solidFill>
+        <a:effectLst/>
+      </p:bgPr>
+    </p:bg>
+    <p:spTree>
+      <p:nvGrpSpPr>
+        <p:cNvPr id="1" name="Shape 83"/>
+        <p:cNvGrpSpPr/>
+        <p:nvPr/>
+      </p:nvGrpSpPr>
+      <p:grpSpPr>
+        <a:xfrm>
+          <a:off x="0" y="0"/>
+          <a:ext cx="0" cy="0"/>
+          <a:chOff x="0" y="0"/>
+          <a:chExt cx="0" cy="0"/>
+        </a:xfrm>
+      </p:grpSpPr>
+      <p:sp>
+        <p:nvSpPr>
+          <p:cNvPr id="84" name="Google Shape;84;p18"/>
+          <p:cNvSpPr txBox="1">
+            <a:spLocks noGrp="1"/>
+          </p:cNvSpPr>
+          <p:nvPr>
+            <p:ph type="title"/>
+          </p:nvPr>
+        </p:nvSpPr>
+        <p:spPr>
+          <a:xfrm>
+            <a:off x="311700" y="445025"/>
+            <a:ext cx="8520600" cy="572700"/>
+          </a:xfrm>
+          <a:prstGeom prst="rect">
+            <a:avLst/>
+          </a:prstGeom>
+        </p:spPr>
+        <p:txBody>
+          <a:bodyPr spcFirstLastPara="1" wrap="square" lIns="91425" tIns="91425" rIns="91425" bIns="91425" anchor="t" anchorCtr="0">
+            <a:noAutofit/>
+          </a:bodyPr>
+          <a:lstStyle/>
+          <a:p>
+            <a:pPr marL="0" lvl="0" indent="0" algn="l" rtl="0">
+              <a:spcBef>
+                <a:spcPts val="0"/>
+              </a:spcBef>
+              <a:spcAft>
+                <a:spcPts val="0"/>
+              </a:spcAft>
+              <a:buNone/>
+            </a:pPr>
+            <a:r>
+              <a:rPr lang="en-NZ" b="1" dirty="0"/>
+              <a:t>Round Checker Trials</a:t>
+            </a:r>
+            <a:endParaRPr b="1" dirty="0"/>
+          </a:p>
+        </p:txBody>
+      </p:sp>
+      <p:sp>
+        <p:nvSpPr>
+          <p:cNvPr id="85" name="Google Shape;85;p18"/>
+          <p:cNvSpPr txBox="1">
+            <a:spLocks noGrp="1"/>
+          </p:cNvSpPr>
+          <p:nvPr>
+            <p:ph type="body" idx="1"/>
+          </p:nvPr>
+        </p:nvSpPr>
+        <p:spPr>
+          <a:xfrm>
+            <a:off x="311700" y="1152475"/>
+            <a:ext cx="8520600" cy="3416400"/>
+          </a:xfrm>
+          <a:prstGeom prst="rect">
+            <a:avLst/>
+          </a:prstGeom>
+        </p:spPr>
+        <p:txBody>
+          <a:bodyPr spcFirstLastPara="1" wrap="square" lIns="91425" tIns="91425" rIns="91425" bIns="91425" anchor="t" anchorCtr="0">
+            <a:noAutofit/>
+          </a:bodyPr>
+          <a:lstStyle/>
+          <a:p>
+            <a:pPr marL="0" lvl="0" indent="0" algn="l" rtl="0">
+              <a:spcBef>
+                <a:spcPts val="0"/>
+              </a:spcBef>
+              <a:spcAft>
+                <a:spcPts val="1600"/>
+              </a:spcAft>
+              <a:buNone/>
+            </a:pPr>
+            <a:r>
+              <a:rPr lang="en-NZ" i="1" dirty="0"/>
+              <a:t>Trial 1 (03_round_mechanics_v1): Asks for rounds in the main routine and uses a function to check that users have entered a valid numbers. Code is quit inefficient and clunky.</a:t>
+            </a:r>
+          </a:p>
+          <a:p>
+            <a:pPr marL="0" lvl="0" indent="0" algn="l" rtl="0">
+              <a:spcBef>
+                <a:spcPts val="0"/>
+              </a:spcBef>
+              <a:spcAft>
+                <a:spcPts val="1600"/>
+              </a:spcAft>
+              <a:buNone/>
+            </a:pPr>
+            <a:r>
+              <a:rPr lang="en-NZ" i="1" dirty="0"/>
+              <a:t>Trial 2 (03_RPS_round_mechanics_v2): Integer checking function allows users to press &lt;enter&gt; or an integer. Main routine code works but is inefficient.</a:t>
+            </a:r>
+          </a:p>
+          <a:p>
+            <a:pPr marL="0" lvl="0" indent="0" algn="l" rtl="0">
+              <a:spcBef>
+                <a:spcPts val="0"/>
+              </a:spcBef>
+              <a:spcAft>
+                <a:spcPts val="1600"/>
+              </a:spcAft>
+              <a:buNone/>
+            </a:pPr>
+            <a:r>
+              <a:rPr lang="en-NZ" i="1" dirty="0"/>
+              <a:t>Trial 3 (03_RPS_round_mechanics_v3): Similar to Trial 2 but much more efficient. Uses ‘break’ to end loop.</a:t>
+            </a:r>
+          </a:p>
+          <a:p>
+            <a:pPr marL="0" lvl="0" indent="0" algn="l" rtl="0">
+              <a:spcBef>
+                <a:spcPts val="0"/>
+              </a:spcBef>
+              <a:spcAft>
+                <a:spcPts val="1600"/>
+              </a:spcAft>
+              <a:buNone/>
+            </a:pPr>
+            <a:r>
+              <a:rPr lang="en-NZ" i="1" dirty="0">
+                <a:highlight>
+                  <a:srgbClr val="FFFF00"/>
+                </a:highlight>
+              </a:rPr>
+              <a:t>Giving users two modes for game play makes it more likely that my game will appeal to a wider audience. It also enhances the games usability by following the user freedom heuristic. </a:t>
+            </a:r>
+          </a:p>
+        </p:txBody>
+      </p:sp>
+    </p:spTree>
+  </p:cSld>
+  <p:clrMapOvr>
+    <a:masterClrMapping/>
+  </p:clrMapOvr>
+</p:sld>
+</file>
+
+<file path=ppt/slides/slide12.xml><?xml version="1.0" encoding="utf-8"?>
+<p:sld xmlns:a="http://schemas.openxmlformats.org/drawingml/2006/main" xmlns:r="http://schemas.openxmlformats.org/officeDocument/2006/relationships" xmlns:p="http://schemas.openxmlformats.org/presentationml/2006/main">
+  <p:cSld>
+    <p:spTree>
+      <p:nvGrpSpPr>
         <p:cNvPr id="1" name="Shape 83"/>
         <p:cNvGrpSpPr/>
         <p:nvPr/>
@@ -8689,239 +8248,6 @@
 </p:sld>
 </file>
 
-<file path=ppt/slides/slide11.xml><?xml version="1.0" encoding="utf-8"?>
-<p:sld xmlns:a="http://schemas.openxmlformats.org/drawingml/2006/main" xmlns:r="http://schemas.openxmlformats.org/officeDocument/2006/relationships" xmlns:p="http://schemas.openxmlformats.org/presentationml/2006/main">
-  <p:cSld>
-    <p:spTree>
-      <p:nvGrpSpPr>
-        <p:cNvPr id="1" name="Shape 83"/>
-        <p:cNvGrpSpPr/>
-        <p:nvPr/>
-      </p:nvGrpSpPr>
-      <p:grpSpPr>
-        <a:xfrm>
-          <a:off x="0" y="0"/>
-          <a:ext cx="0" cy="0"/>
-          <a:chOff x="0" y="0"/>
-          <a:chExt cx="0" cy="0"/>
-        </a:xfrm>
-      </p:grpSpPr>
-      <p:sp>
-        <p:nvSpPr>
-          <p:cNvPr id="84" name="Google Shape;84;p18"/>
-          <p:cNvSpPr txBox="1">
-            <a:spLocks noGrp="1"/>
-          </p:cNvSpPr>
-          <p:nvPr>
-            <p:ph type="title"/>
-          </p:nvPr>
-        </p:nvSpPr>
-        <p:spPr>
-          <a:xfrm>
-            <a:off x="311700" y="445025"/>
-            <a:ext cx="8520600" cy="572700"/>
-          </a:xfrm>
-          <a:prstGeom prst="rect">
-            <a:avLst/>
-          </a:prstGeom>
-        </p:spPr>
-        <p:txBody>
-          <a:bodyPr spcFirstLastPara="1" wrap="square" lIns="91425" tIns="91425" rIns="91425" bIns="91425" anchor="t" anchorCtr="0">
-            <a:noAutofit/>
-          </a:bodyPr>
-          <a:lstStyle/>
-          <a:p>
-            <a:pPr marL="0" lvl="0" indent="0" algn="l" rtl="0">
-              <a:spcBef>
-                <a:spcPts val="0"/>
-              </a:spcBef>
-              <a:spcAft>
-                <a:spcPts val="0"/>
-              </a:spcAft>
-              <a:buNone/>
-            </a:pPr>
-            <a:r>
-              <a:rPr lang="en" b="1" dirty="0"/>
-              <a:t>How Much? (Ask for user input)</a:t>
-            </a:r>
-            <a:endParaRPr b="1" dirty="0"/>
-          </a:p>
-        </p:txBody>
-      </p:sp>
-      <p:sp>
-        <p:nvSpPr>
-          <p:cNvPr id="85" name="Google Shape;85;p18"/>
-          <p:cNvSpPr txBox="1">
-            <a:spLocks noGrp="1"/>
-          </p:cNvSpPr>
-          <p:nvPr>
-            <p:ph type="body" idx="1"/>
-          </p:nvPr>
-        </p:nvSpPr>
-        <p:spPr>
-          <a:xfrm>
-            <a:off x="311699" y="1152475"/>
-            <a:ext cx="3862735" cy="3416400"/>
-          </a:xfrm>
-          <a:prstGeom prst="rect">
-            <a:avLst/>
-          </a:prstGeom>
-        </p:spPr>
-        <p:txBody>
-          <a:bodyPr spcFirstLastPara="1" wrap="square" lIns="91425" tIns="91425" rIns="91425" bIns="91425" anchor="t" anchorCtr="0">
-            <a:noAutofit/>
-          </a:bodyPr>
-          <a:lstStyle/>
-          <a:p>
-            <a:pPr marL="0" lvl="0" indent="0" algn="l" rtl="0">
-              <a:spcBef>
-                <a:spcPts val="0"/>
-              </a:spcBef>
-              <a:spcAft>
-                <a:spcPts val="1600"/>
-              </a:spcAft>
-              <a:buNone/>
-            </a:pPr>
-            <a:r>
-              <a:rPr lang="en" i="1" dirty="0"/>
-              <a:t>The plan is to develop a number checking function as part of this component. </a:t>
-            </a:r>
-            <a:endParaRPr i="1" dirty="0"/>
-          </a:p>
-        </p:txBody>
-      </p:sp>
-      <p:pic>
-        <p:nvPicPr>
-          <p:cNvPr id="4" name="Picture 3">
-            <a:extLst>
-              <a:ext uri="{FF2B5EF4-FFF2-40B4-BE49-F238E27FC236}">
-                <a16:creationId xmlns:a16="http://schemas.microsoft.com/office/drawing/2014/main" id="{4DA01C25-380E-4BFC-B554-48EFA4E33AC7}"/>
-              </a:ext>
-            </a:extLst>
-          </p:cNvPr>
-          <p:cNvPicPr>
-            <a:picLocks noChangeAspect="1"/>
-          </p:cNvPicPr>
-          <p:nvPr/>
-        </p:nvPicPr>
-        <p:blipFill>
-          <a:blip r:embed="rId3"/>
-          <a:stretch>
-            <a:fillRect/>
-          </a:stretch>
-        </p:blipFill>
-        <p:spPr>
-          <a:xfrm>
-            <a:off x="4572000" y="1222441"/>
-            <a:ext cx="3717462" cy="3416400"/>
-          </a:xfrm>
-          <a:prstGeom prst="rect">
-            <a:avLst/>
-          </a:prstGeom>
-        </p:spPr>
-      </p:pic>
-    </p:spTree>
-    <p:extLst>
-      <p:ext uri="{BB962C8B-B14F-4D97-AF65-F5344CB8AC3E}">
-        <p14:creationId xmlns:p14="http://schemas.microsoft.com/office/powerpoint/2010/main" val="359406329"/>
-      </p:ext>
-    </p:extLst>
-  </p:cSld>
-  <p:clrMapOvr>
-    <a:masterClrMapping/>
-  </p:clrMapOvr>
-</p:sld>
-</file>
-
-<file path=ppt/slides/slide12.xml><?xml version="1.0" encoding="utf-8"?>
-<p:sld xmlns:a="http://schemas.openxmlformats.org/drawingml/2006/main" xmlns:r="http://schemas.openxmlformats.org/officeDocument/2006/relationships" xmlns:p="http://schemas.openxmlformats.org/presentationml/2006/main">
-  <p:cSld>
-    <p:spTree>
-      <p:nvGrpSpPr>
-        <p:cNvPr id="1" name=""/>
-        <p:cNvGrpSpPr/>
-        <p:nvPr/>
-      </p:nvGrpSpPr>
-      <p:grpSpPr>
-        <a:xfrm>
-          <a:off x="0" y="0"/>
-          <a:ext cx="0" cy="0"/>
-          <a:chOff x="0" y="0"/>
-          <a:chExt cx="0" cy="0"/>
-        </a:xfrm>
-      </p:grpSpPr>
-      <p:sp>
-        <p:nvSpPr>
-          <p:cNvPr id="2" name="Title 1">
-            <a:extLst>
-              <a:ext uri="{FF2B5EF4-FFF2-40B4-BE49-F238E27FC236}">
-                <a16:creationId xmlns:a16="http://schemas.microsoft.com/office/drawing/2014/main" id="{530D5B42-7055-4623-A2AE-E820E726C281}"/>
-              </a:ext>
-            </a:extLst>
-          </p:cNvPr>
-          <p:cNvSpPr>
-            <a:spLocks noGrp="1"/>
-          </p:cNvSpPr>
-          <p:nvPr>
-            <p:ph type="title"/>
-          </p:nvPr>
-        </p:nvSpPr>
-        <p:spPr/>
-        <p:txBody>
-          <a:bodyPr/>
-          <a:lstStyle/>
-          <a:p>
-            <a:r>
-              <a:rPr lang="en-US" b="1" dirty="0"/>
-              <a:t>How Much? Test Plan</a:t>
-            </a:r>
-            <a:endParaRPr lang="en-NZ" b="1" dirty="0"/>
-          </a:p>
-        </p:txBody>
-      </p:sp>
-      <p:pic>
-        <p:nvPicPr>
-          <p:cNvPr id="5" name="Picture 4">
-            <a:extLst>
-              <a:ext uri="{FF2B5EF4-FFF2-40B4-BE49-F238E27FC236}">
-                <a16:creationId xmlns:a16="http://schemas.microsoft.com/office/drawing/2014/main" id="{66820B51-514A-4565-AA04-ED4DC861FF8A}"/>
-              </a:ext>
-            </a:extLst>
-          </p:cNvPr>
-          <p:cNvPicPr>
-            <a:picLocks noChangeAspect="1"/>
-          </p:cNvPicPr>
-          <p:nvPr/>
-        </p:nvPicPr>
-        <p:blipFill>
-          <a:blip r:embed="rId2"/>
-          <a:stretch>
-            <a:fillRect/>
-          </a:stretch>
-        </p:blipFill>
-        <p:spPr>
-          <a:xfrm>
-            <a:off x="470451" y="1390577"/>
-            <a:ext cx="8014216" cy="2803735"/>
-          </a:xfrm>
-          <a:prstGeom prst="rect">
-            <a:avLst/>
-          </a:prstGeom>
-        </p:spPr>
-      </p:pic>
-    </p:spTree>
-    <p:extLst>
-      <p:ext uri="{BB962C8B-B14F-4D97-AF65-F5344CB8AC3E}">
-        <p14:creationId xmlns:p14="http://schemas.microsoft.com/office/powerpoint/2010/main" val="1104491211"/>
-      </p:ext>
-    </p:extLst>
-  </p:cSld>
-  <p:clrMapOvr>
-    <a:masterClrMapping/>
-  </p:clrMapOvr>
-</p:sld>
-</file>
-
 <file path=ppt/slides/slide13.xml><?xml version="1.0" encoding="utf-8"?>
 <p:sld xmlns:a="http://schemas.openxmlformats.org/drawingml/2006/main" xmlns:r="http://schemas.openxmlformats.org/officeDocument/2006/relationships" xmlns:p="http://schemas.openxmlformats.org/presentationml/2006/main">
   <p:cSld>
@@ -8944,7 +8270,7 @@
           <p:cNvPr id="2" name="Title 1">
             <a:extLst>
               <a:ext uri="{FF2B5EF4-FFF2-40B4-BE49-F238E27FC236}">
-                <a16:creationId xmlns:a16="http://schemas.microsoft.com/office/drawing/2014/main" id="{530D5B42-7055-4623-A2AE-E820E726C281}"/>
+                <a16:creationId xmlns:a16="http://schemas.microsoft.com/office/drawing/2014/main" id="{F44B6FF2-1EAE-49EA-BADC-78E5C9E6C44E}"/>
               </a:ext>
             </a:extLst>
           </p:cNvPr>
@@ -8961,95 +8287,189 @@
           <a:lstStyle/>
           <a:p>
             <a:r>
-              <a:rPr lang="en-US" b="1" dirty="0"/>
-              <a:t>How Much? Checker Testing</a:t>
-            </a:r>
-            <a:endParaRPr lang="en-NZ" b="1" dirty="0"/>
-          </a:p>
-        </p:txBody>
-      </p:sp>
-      <p:pic>
-        <p:nvPicPr>
-          <p:cNvPr id="6" name="Picture 5">
-            <a:extLst>
-              <a:ext uri="{FF2B5EF4-FFF2-40B4-BE49-F238E27FC236}">
-                <a16:creationId xmlns:a16="http://schemas.microsoft.com/office/drawing/2014/main" id="{1E059BA5-314D-41AA-8A43-69AE490D6872}"/>
-              </a:ext>
-            </a:extLst>
-          </p:cNvPr>
-          <p:cNvPicPr>
-            <a:picLocks noChangeAspect="1"/>
-          </p:cNvPicPr>
-          <p:nvPr/>
-        </p:nvPicPr>
-        <p:blipFill>
-          <a:blip r:embed="rId2"/>
-          <a:stretch>
-            <a:fillRect/>
-          </a:stretch>
-        </p:blipFill>
-        <p:spPr>
-          <a:xfrm>
-            <a:off x="2782596" y="1358397"/>
-            <a:ext cx="4022397" cy="2033381"/>
-          </a:xfrm>
-          <a:prstGeom prst="rect">
-            <a:avLst/>
-          </a:prstGeom>
-        </p:spPr>
-      </p:pic>
-      <p:sp>
-        <p:nvSpPr>
-          <p:cNvPr id="7" name="Rectangle 6">
-            <a:extLst>
-              <a:ext uri="{FF2B5EF4-FFF2-40B4-BE49-F238E27FC236}">
-                <a16:creationId xmlns:a16="http://schemas.microsoft.com/office/drawing/2014/main" id="{5E7CF620-5828-4CCF-86EB-95B73E81A924}"/>
-              </a:ext>
-            </a:extLst>
-          </p:cNvPr>
-          <p:cNvSpPr/>
-          <p:nvPr/>
-        </p:nvSpPr>
-        <p:spPr>
-          <a:xfrm>
-            <a:off x="395426" y="1250952"/>
-            <a:ext cx="1943583" cy="2248273"/>
-          </a:xfrm>
-          <a:prstGeom prst="rect">
-            <a:avLst/>
-          </a:prstGeom>
-        </p:spPr>
-        <p:style>
-          <a:lnRef idx="2">
-            <a:schemeClr val="accent5">
-              <a:shade val="50000"/>
-            </a:schemeClr>
-          </a:lnRef>
-          <a:fillRef idx="1">
-            <a:schemeClr val="accent5"/>
-          </a:fillRef>
-          <a:effectRef idx="0">
-            <a:schemeClr val="accent5"/>
-          </a:effectRef>
-          <a:fontRef idx="minor">
-            <a:schemeClr val="lt1"/>
-          </a:fontRef>
-        </p:style>
-        <p:txBody>
-          <a:bodyPr rtlCol="0" anchor="ctr"/>
-          <a:lstStyle/>
-          <a:p>
-            <a:r>
-              <a:rPr lang="en-NZ" dirty="0"/>
-              <a:t>All test passed. Program works correctly for unexpected, expected and boundary cases. </a:t>
+              <a:rPr lang="en-NZ" b="1" dirty="0"/>
+              <a:t>Score Mechanics Test Plan &amp; Testing</a:t>
             </a:r>
           </a:p>
         </p:txBody>
       </p:sp>
+      <p:sp>
+        <p:nvSpPr>
+          <p:cNvPr id="3" name="Text Placeholder 2">
+            <a:extLst>
+              <a:ext uri="{FF2B5EF4-FFF2-40B4-BE49-F238E27FC236}">
+                <a16:creationId xmlns:a16="http://schemas.microsoft.com/office/drawing/2014/main" id="{461744CE-9B73-4779-A57C-64E7A1AB516B}"/>
+              </a:ext>
+            </a:extLst>
+          </p:cNvPr>
+          <p:cNvSpPr>
+            <a:spLocks noGrp="1"/>
+          </p:cNvSpPr>
+          <p:nvPr>
+            <p:ph type="body" idx="1"/>
+          </p:nvPr>
+        </p:nvSpPr>
+        <p:spPr/>
+        <p:txBody>
+          <a:bodyPr/>
+          <a:lstStyle/>
+          <a:p>
+            <a:endParaRPr lang="en-NZ" dirty="0"/>
+          </a:p>
+        </p:txBody>
+      </p:sp>
+      <p:graphicFrame>
+        <p:nvGraphicFramePr>
+          <p:cNvPr id="4" name="Table 4">
+            <a:extLst>
+              <a:ext uri="{FF2B5EF4-FFF2-40B4-BE49-F238E27FC236}">
+                <a16:creationId xmlns:a16="http://schemas.microsoft.com/office/drawing/2014/main" id="{FD5A7D46-6F8C-42CA-8276-8EE772526D84}"/>
+              </a:ext>
+            </a:extLst>
+          </p:cNvPr>
+          <p:cNvGraphicFramePr>
+            <a:graphicFrameLocks noGrp="1"/>
+          </p:cNvGraphicFramePr>
+          <p:nvPr>
+            <p:extLst>
+              <p:ext uri="{D42A27DB-BD31-4B8C-83A1-F6EECF244321}">
+                <p14:modId xmlns:p14="http://schemas.microsoft.com/office/powerpoint/2010/main" val="3478534741"/>
+              </p:ext>
+            </p:extLst>
+          </p:nvPr>
+        </p:nvGraphicFramePr>
+        <p:xfrm>
+          <a:off x="1083988" y="2272298"/>
+          <a:ext cx="6096000" cy="1315720"/>
+        </p:xfrm>
+        <a:graphic>
+          <a:graphicData uri="http://schemas.openxmlformats.org/drawingml/2006/table">
+            <a:tbl>
+              <a:tblPr firstRow="1" bandRow="1">
+                <a:tableStyleId>{5DC7D775-D85B-40C0-ACD5-9A98D17F5DE4}</a:tableStyleId>
+              </a:tblPr>
+              <a:tblGrid>
+                <a:gridCol w="3048000">
+                  <a:extLst>
+                    <a:ext uri="{9D8B030D-6E8A-4147-A177-3AD203B41FA5}">
+                      <a16:colId xmlns:a16="http://schemas.microsoft.com/office/drawing/2014/main" val="1681199835"/>
+                    </a:ext>
+                  </a:extLst>
+                </a:gridCol>
+                <a:gridCol w="3048000">
+                  <a:extLst>
+                    <a:ext uri="{9D8B030D-6E8A-4147-A177-3AD203B41FA5}">
+                      <a16:colId xmlns:a16="http://schemas.microsoft.com/office/drawing/2014/main" val="3162977927"/>
+                    </a:ext>
+                  </a:extLst>
+                </a:gridCol>
+              </a:tblGrid>
+              <a:tr h="370840">
+                <a:tc>
+                  <a:txBody>
+                    <a:bodyPr/>
+                    <a:lstStyle/>
+                    <a:p>
+                      <a:r>
+                        <a:rPr lang="en-NZ" b="1" dirty="0"/>
+                        <a:t>Test Data</a:t>
+                      </a:r>
+                    </a:p>
+                  </a:txBody>
+                  <a:tcPr/>
+                </a:tc>
+                <a:tc>
+                  <a:txBody>
+                    <a:bodyPr/>
+                    <a:lstStyle/>
+                    <a:p>
+                      <a:r>
+                        <a:rPr lang="en-NZ" b="1" dirty="0"/>
+                        <a:t>Expected</a:t>
+                      </a:r>
+                    </a:p>
+                  </a:txBody>
+                  <a:tcPr/>
+                </a:tc>
+                <a:extLst>
+                  <a:ext uri="{0D108BD9-81ED-4DB2-BD59-A6C34878D82A}">
+                    <a16:rowId xmlns:a16="http://schemas.microsoft.com/office/drawing/2014/main" val="361060619"/>
+                  </a:ext>
+                </a:extLst>
+              </a:tr>
+              <a:tr h="370840">
+                <a:tc>
+                  <a:txBody>
+                    <a:bodyPr/>
+                    <a:lstStyle/>
+                    <a:p>
+                      <a:r>
+                        <a:rPr lang="en-NZ" dirty="0"/>
+                        <a:t>Rounds: 5</a:t>
+                      </a:r>
+                    </a:p>
+                    <a:p>
+                      <a:r>
+                        <a:rPr lang="en-NZ" dirty="0"/>
+                        <a:t>Round 1 &amp; 2: win</a:t>
+                      </a:r>
+                    </a:p>
+                    <a:p>
+                      <a:r>
+                        <a:rPr lang="en-NZ" dirty="0"/>
+                        <a:t>Round 3 &amp; 5: lose</a:t>
+                      </a:r>
+                    </a:p>
+                    <a:p>
+                      <a:r>
+                        <a:rPr lang="en-NZ" dirty="0"/>
+                        <a:t>Round 5: tie</a:t>
+                      </a:r>
+                    </a:p>
+                  </a:txBody>
+                  <a:tcPr/>
+                </a:tc>
+                <a:tc>
+                  <a:txBody>
+                    <a:bodyPr/>
+                    <a:lstStyle/>
+                    <a:p>
+                      <a:r>
+                        <a:rPr lang="en-NZ" dirty="0"/>
+                        <a:t>Should play five games. Summary should be as follows:</a:t>
+                      </a:r>
+                    </a:p>
+                    <a:p>
+                      <a:endParaRPr lang="en-NZ" dirty="0"/>
+                    </a:p>
+                    <a:p>
+                      <a:r>
+                        <a:rPr lang="en-NZ" dirty="0"/>
+                        <a:t>Won: 2 | Lost: 2 </a:t>
+                      </a:r>
+                      <a:r>
+                        <a:rPr lang="en-NZ"/>
+                        <a:t>| Draw: 1</a:t>
+                      </a:r>
+                      <a:endParaRPr lang="en-NZ" dirty="0"/>
+                    </a:p>
+                  </a:txBody>
+                  <a:tcPr/>
+                </a:tc>
+                <a:extLst>
+                  <a:ext uri="{0D108BD9-81ED-4DB2-BD59-A6C34878D82A}">
+                    <a16:rowId xmlns:a16="http://schemas.microsoft.com/office/drawing/2014/main" val="567082673"/>
+                  </a:ext>
+                </a:extLst>
+              </a:tr>
+            </a:tbl>
+          </a:graphicData>
+        </a:graphic>
+      </p:graphicFrame>
     </p:spTree>
     <p:extLst>
       <p:ext uri="{BB962C8B-B14F-4D97-AF65-F5344CB8AC3E}">
-        <p14:creationId xmlns:p14="http://schemas.microsoft.com/office/powerpoint/2010/main" val="3623702178"/>
+        <p14:creationId xmlns:p14="http://schemas.microsoft.com/office/powerpoint/2010/main" val="3479445387"/>
       </p:ext>
     </p:extLst>
   </p:cSld>
@@ -9112,152 +8532,129 @@
             </a:pPr>
             <a:r>
               <a:rPr lang="en" b="1" dirty="0"/>
-              <a:t>Token generator</a:t>
+              <a:t>Completed Game – Test Plan (part 1)</a:t>
             </a:r>
             <a:endParaRPr b="1" dirty="0"/>
           </a:p>
         </p:txBody>
       </p:sp>
-      <p:sp>
-        <p:nvSpPr>
-          <p:cNvPr id="85" name="Google Shape;85;p18"/>
-          <p:cNvSpPr txBox="1">
-            <a:spLocks noGrp="1"/>
-          </p:cNvSpPr>
-          <p:nvPr>
-            <p:ph type="body" idx="1"/>
-          </p:nvPr>
-        </p:nvSpPr>
-        <p:spPr>
-          <a:xfrm>
-            <a:off x="735770" y="1145849"/>
-            <a:ext cx="3670578" cy="3416400"/>
-          </a:xfrm>
-          <a:prstGeom prst="rect">
-            <a:avLst/>
-          </a:prstGeom>
-        </p:spPr>
-        <p:txBody>
-          <a:bodyPr spcFirstLastPara="1" wrap="square" lIns="91425" tIns="91425" rIns="91425" bIns="91425" anchor="t" anchorCtr="0">
-            <a:noAutofit/>
-          </a:bodyPr>
-          <a:lstStyle/>
-          <a:p>
-            <a:pPr marL="0" lvl="0" indent="0" algn="l" rtl="0">
-              <a:lnSpc>
-                <a:spcPct val="100000"/>
-              </a:lnSpc>
-              <a:spcBef>
-                <a:spcPts val="0"/>
-              </a:spcBef>
-              <a:buNone/>
-            </a:pPr>
-            <a:r>
-              <a:rPr lang="en" i="1" dirty="0"/>
-              <a:t>The payout schedule is…</a:t>
-            </a:r>
-          </a:p>
-          <a:p>
-            <a:pPr marL="285750" indent="-285750">
-              <a:lnSpc>
-                <a:spcPct val="100000"/>
-              </a:lnSpc>
-            </a:pPr>
-            <a:r>
-              <a:rPr lang="en" i="1" dirty="0"/>
-              <a:t>Donkey: lose $1.00</a:t>
-            </a:r>
-          </a:p>
-          <a:p>
-            <a:pPr marL="285750" indent="-285750">
-              <a:lnSpc>
-                <a:spcPct val="100000"/>
-              </a:lnSpc>
-            </a:pPr>
-            <a:r>
-              <a:rPr lang="en-NZ" i="1" dirty="0"/>
-              <a:t>H</a:t>
-            </a:r>
-            <a:r>
-              <a:rPr lang="en" i="1" dirty="0"/>
-              <a:t>orse / Zebra: lose $0.50</a:t>
-            </a:r>
-          </a:p>
-          <a:p>
-            <a:pPr marL="285750" indent="-285750">
-              <a:lnSpc>
-                <a:spcPct val="100000"/>
-              </a:lnSpc>
-            </a:pPr>
-            <a:r>
-              <a:rPr lang="en" i="1" dirty="0"/>
-              <a:t>Unicorn: win $4.00 (i.e: </a:t>
-            </a:r>
-            <a:r>
-              <a:rPr lang="en-NZ" i="1" dirty="0"/>
-              <a:t>I</a:t>
-            </a:r>
-            <a:r>
-              <a:rPr lang="en" i="1" dirty="0"/>
-              <a:t>f user starts with $1 and gets a unicornm their balance will be $5.00)</a:t>
-            </a:r>
-          </a:p>
-          <a:p>
-            <a:pPr marL="285750" indent="-285750">
-              <a:lnSpc>
-                <a:spcPct val="100000"/>
-              </a:lnSpc>
-            </a:pPr>
-            <a:endParaRPr lang="en" i="1" dirty="0"/>
-          </a:p>
-          <a:p>
-            <a:pPr marL="0" indent="0">
-              <a:lnSpc>
-                <a:spcPct val="100000"/>
-              </a:lnSpc>
-              <a:buNone/>
-            </a:pPr>
-            <a:r>
-              <a:rPr lang="en" i="1" dirty="0"/>
-              <a:t>*In this component we need to check that over time the user loses money. </a:t>
-            </a:r>
-          </a:p>
-        </p:txBody>
-      </p:sp>
-      <p:pic>
-        <p:nvPicPr>
-          <p:cNvPr id="9" name="Picture 8">
+      <p:graphicFrame>
+        <p:nvGraphicFramePr>
+          <p:cNvPr id="2" name="Table 2">
             <a:extLst>
               <a:ext uri="{FF2B5EF4-FFF2-40B4-BE49-F238E27FC236}">
-                <a16:creationId xmlns:a16="http://schemas.microsoft.com/office/drawing/2014/main" id="{062DF743-CEB0-4506-97D6-F163396979E9}"/>
+                <a16:creationId xmlns:a16="http://schemas.microsoft.com/office/drawing/2014/main" id="{8AB45219-9BD4-47AE-85D6-8DCF8779BA34}"/>
               </a:ext>
             </a:extLst>
           </p:cNvPr>
-          <p:cNvPicPr>
-            <a:picLocks noChangeAspect="1"/>
-          </p:cNvPicPr>
-          <p:nvPr/>
-        </p:nvPicPr>
-        <p:blipFill>
-          <a:blip r:embed="rId3"/>
-          <a:stretch>
-            <a:fillRect/>
-          </a:stretch>
-        </p:blipFill>
-        <p:spPr>
-          <a:xfrm>
-            <a:off x="4572000" y="804041"/>
-            <a:ext cx="4128224" cy="3758208"/>
-          </a:xfrm>
-          <a:prstGeom prst="rect">
-            <a:avLst/>
-          </a:prstGeom>
-        </p:spPr>
-      </p:pic>
+          <p:cNvGraphicFramePr>
+            <a:graphicFrameLocks noGrp="1"/>
+          </p:cNvGraphicFramePr>
+          <p:nvPr>
+            <p:extLst>
+              <p:ext uri="{D42A27DB-BD31-4B8C-83A1-F6EECF244321}">
+                <p14:modId xmlns:p14="http://schemas.microsoft.com/office/powerpoint/2010/main" val="12452357"/>
+              </p:ext>
+            </p:extLst>
+          </p:nvPr>
+        </p:nvGraphicFramePr>
+        <p:xfrm>
+          <a:off x="443948" y="1255367"/>
+          <a:ext cx="6096000" cy="741680"/>
+        </p:xfrm>
+        <a:graphic>
+          <a:graphicData uri="http://schemas.openxmlformats.org/drawingml/2006/table">
+            <a:tbl>
+              <a:tblPr firstRow="1" bandRow="1">
+                <a:tableStyleId>{5DC7D775-D85B-40C0-ACD5-9A98D17F5DE4}</a:tableStyleId>
+              </a:tblPr>
+              <a:tblGrid>
+                <a:gridCol w="3048000">
+                  <a:extLst>
+                    <a:ext uri="{9D8B030D-6E8A-4147-A177-3AD203B41FA5}">
+                      <a16:colId xmlns:a16="http://schemas.microsoft.com/office/drawing/2014/main" val="3499504866"/>
+                    </a:ext>
+                  </a:extLst>
+                </a:gridCol>
+                <a:gridCol w="3048000">
+                  <a:extLst>
+                    <a:ext uri="{9D8B030D-6E8A-4147-A177-3AD203B41FA5}">
+                      <a16:colId xmlns:a16="http://schemas.microsoft.com/office/drawing/2014/main" val="3882733627"/>
+                    </a:ext>
+                  </a:extLst>
+                </a:gridCol>
+              </a:tblGrid>
+              <a:tr h="370840">
+                <a:tc>
+                  <a:txBody>
+                    <a:bodyPr/>
+                    <a:lstStyle/>
+                    <a:p>
+                      <a:r>
+                        <a:rPr lang="en-NZ" dirty="0"/>
+                        <a:t>Test Case</a:t>
+                      </a:r>
+                    </a:p>
+                  </a:txBody>
+                  <a:tcPr/>
+                </a:tc>
+                <a:tc>
+                  <a:txBody>
+                    <a:bodyPr/>
+                    <a:lstStyle/>
+                    <a:p>
+                      <a:r>
+                        <a:rPr lang="en-NZ" dirty="0"/>
+                        <a:t>Expected</a:t>
+                      </a:r>
+                    </a:p>
+                  </a:txBody>
+                  <a:tcPr/>
+                </a:tc>
+                <a:extLst>
+                  <a:ext uri="{0D108BD9-81ED-4DB2-BD59-A6C34878D82A}">
+                    <a16:rowId xmlns:a16="http://schemas.microsoft.com/office/drawing/2014/main" val="1983161952"/>
+                  </a:ext>
+                </a:extLst>
+              </a:tr>
+              <a:tr h="370840">
+                <a:tc>
+                  <a:txBody>
+                    <a:bodyPr/>
+                    <a:lstStyle/>
+                    <a:p>
+                      <a:r>
+                        <a:rPr lang="en-NZ" dirty="0"/>
+                        <a:t>runs out</a:t>
+                      </a:r>
+                    </a:p>
+                  </a:txBody>
+                  <a:tcPr/>
+                </a:tc>
+                <a:tc>
+                  <a:txBody>
+                    <a:bodyPr/>
+                    <a:lstStyle/>
+                    <a:p>
+                      <a:endParaRPr lang="en-NZ" dirty="0"/>
+                    </a:p>
+                  </a:txBody>
+                  <a:tcPr/>
+                </a:tc>
+                <a:extLst>
+                  <a:ext uri="{0D108BD9-81ED-4DB2-BD59-A6C34878D82A}">
+                    <a16:rowId xmlns:a16="http://schemas.microsoft.com/office/drawing/2014/main" val="4196382038"/>
+                  </a:ext>
+                </a:extLst>
+              </a:tr>
+            </a:tbl>
+          </a:graphicData>
+        </a:graphic>
+      </p:graphicFrame>
     </p:spTree>
     <p:extLst>
       <p:ext uri="{BB962C8B-B14F-4D97-AF65-F5344CB8AC3E}">
-        <p14:creationId xmlns:p14="http://schemas.microsoft.com/office/powerpoint/2010/main" val="2762722671"/>
+        <p14:creationId xmlns:p14="http://schemas.microsoft.com/office/powerpoint/2010/main" val="2708298385"/>
       </p:ext>
     </p:extLst>
   </p:cSld>
@@ -9309,15 +8706,20 @@
           </a:bodyPr>
           <a:lstStyle/>
           <a:p>
+            <a:pPr marL="0" lvl="0" indent="0" algn="l" rtl="0">
+              <a:spcBef>
+                <a:spcPts val="0"/>
+              </a:spcBef>
+              <a:spcAft>
+                <a:spcPts val="0"/>
+              </a:spcAft>
+              <a:buNone/>
+            </a:pPr>
             <a:r>
-              <a:rPr lang="en" sz="2000" b="1" dirty="0"/>
-              <a:t>Token Generator Test Plan (</a:t>
+              <a:rPr lang="en" b="1" dirty="0"/>
+              <a:t>Completed Game – Test Plan (part 2)</a:t>
             </a:r>
-            <a:r>
-              <a:rPr lang="en-NZ" sz="2000" i="1" dirty="0"/>
-              <a:t>Check tokens randomly generated)</a:t>
-            </a:r>
-            <a:endParaRPr sz="2000" b="1" dirty="0"/>
+            <a:endParaRPr b="1" dirty="0"/>
           </a:p>
         </p:txBody>
       </p:sp>
@@ -9326,7 +8728,7 @@
           <p:cNvPr id="2" name="Table 2">
             <a:extLst>
               <a:ext uri="{FF2B5EF4-FFF2-40B4-BE49-F238E27FC236}">
-                <a16:creationId xmlns:a16="http://schemas.microsoft.com/office/drawing/2014/main" id="{8E704545-0AC2-4497-B7A6-693E6FC8E614}"/>
+                <a16:creationId xmlns:a16="http://schemas.microsoft.com/office/drawing/2014/main" id="{8AB45219-9BD4-47AE-85D6-8DCF8779BA34}"/>
               </a:ext>
             </a:extLst>
           </p:cNvPr>
@@ -9336,33 +8738,33 @@
           <p:nvPr>
             <p:extLst>
               <p:ext uri="{D42A27DB-BD31-4B8C-83A1-F6EECF244321}">
-                <p14:modId xmlns:p14="http://schemas.microsoft.com/office/powerpoint/2010/main" val="1025157035"/>
+                <p14:modId xmlns:p14="http://schemas.microsoft.com/office/powerpoint/2010/main" val="2202030700"/>
               </p:ext>
             </p:extLst>
           </p:nvPr>
         </p:nvGraphicFramePr>
         <p:xfrm>
-          <a:off x="397566" y="1017725"/>
-          <a:ext cx="6096000" cy="1315720"/>
+          <a:off x="443947" y="1255367"/>
+          <a:ext cx="8282608" cy="741680"/>
         </p:xfrm>
         <a:graphic>
           <a:graphicData uri="http://schemas.openxmlformats.org/drawingml/2006/table">
             <a:tbl>
               <a:tblPr firstRow="1" bandRow="1">
-                <a:tableStyleId>{7DF18680-E054-41AD-8BC1-D1AEF772440D}</a:tableStyleId>
+                <a:tableStyleId>{5DC7D775-D85B-40C0-ACD5-9A98D17F5DE4}</a:tableStyleId>
               </a:tblPr>
               <a:tblGrid>
-                <a:gridCol w="3048000">
+                <a:gridCol w="4141304">
                   <a:extLst>
                     <a:ext uri="{9D8B030D-6E8A-4147-A177-3AD203B41FA5}">
-                      <a16:colId xmlns:a16="http://schemas.microsoft.com/office/drawing/2014/main" val="3574722601"/>
+                      <a16:colId xmlns:a16="http://schemas.microsoft.com/office/drawing/2014/main" val="3499504866"/>
                     </a:ext>
                   </a:extLst>
                 </a:gridCol>
-                <a:gridCol w="3048000">
+                <a:gridCol w="4141304">
                   <a:extLst>
                     <a:ext uri="{9D8B030D-6E8A-4147-A177-3AD203B41FA5}">
-                      <a16:colId xmlns:a16="http://schemas.microsoft.com/office/drawing/2014/main" val="3135940783"/>
+                      <a16:colId xmlns:a16="http://schemas.microsoft.com/office/drawing/2014/main" val="3882733627"/>
                     </a:ext>
                   </a:extLst>
                 </a:gridCol>
@@ -9388,7 +8790,7 @@
                     <a:p>
                       <a:r>
                         <a:rPr lang="en-NZ" dirty="0"/>
-                        <a:t>Expected values</a:t>
+                        <a:t>Expected</a:t>
                       </a:r>
                     </a:p>
                   </a:txBody>
@@ -9396,7 +8798,7 @@
                 </a:tc>
                 <a:extLst>
                   <a:ext uri="{0D108BD9-81ED-4DB2-BD59-A6C34878D82A}">
-                    <a16:rowId xmlns:a16="http://schemas.microsoft.com/office/drawing/2014/main" val="3776437987"/>
+                    <a16:rowId xmlns:a16="http://schemas.microsoft.com/office/drawing/2014/main" val="1983161952"/>
                   </a:ext>
                 </a:extLst>
               </a:tr>
@@ -9406,10 +8808,7 @@
                     <a:bodyPr/>
                     <a:lstStyle/>
                     <a:p>
-                      <a:r>
-                        <a:rPr lang="en-NZ" dirty="0"/>
-                        <a:t>Run the program</a:t>
-                      </a:r>
+                      <a:endParaRPr lang="en-NZ" dirty="0"/>
                     </a:p>
                   </a:txBody>
                   <a:tcPr/>
@@ -9419,17 +8818,14 @@
                     <a:bodyPr/>
                     <a:lstStyle/>
                     <a:p>
-                      <a:r>
-                        <a:rPr lang="en-NZ" dirty="0"/>
-                        <a:t>Program should output 20 tokens with at least one horse, donkey, zebra, and unicorn. Order of tokens should be random. </a:t>
-                      </a:r>
+                      <a:endParaRPr lang="en-NZ" dirty="0"/>
                     </a:p>
                   </a:txBody>
                   <a:tcPr/>
                 </a:tc>
                 <a:extLst>
                   <a:ext uri="{0D108BD9-81ED-4DB2-BD59-A6C34878D82A}">
-                    <a16:rowId xmlns:a16="http://schemas.microsoft.com/office/drawing/2014/main" val="1423812765"/>
+                    <a16:rowId xmlns:a16="http://schemas.microsoft.com/office/drawing/2014/main" val="4196382038"/>
                   </a:ext>
                 </a:extLst>
               </a:tr>
@@ -9437,151 +8833,10 @@
           </a:graphicData>
         </a:graphic>
       </p:graphicFrame>
-      <p:sp>
-        <p:nvSpPr>
-          <p:cNvPr id="3" name="Rectangle 2">
-            <a:extLst>
-              <a:ext uri="{FF2B5EF4-FFF2-40B4-BE49-F238E27FC236}">
-                <a16:creationId xmlns:a16="http://schemas.microsoft.com/office/drawing/2014/main" id="{B7892E28-D245-4AF2-8473-4FB35218F03B}"/>
-              </a:ext>
-            </a:extLst>
-          </p:cNvPr>
-          <p:cNvSpPr/>
-          <p:nvPr/>
-        </p:nvSpPr>
-        <p:spPr>
-          <a:xfrm>
-            <a:off x="397566" y="2571750"/>
-            <a:ext cx="2146852" cy="1315720"/>
-          </a:xfrm>
-          <a:prstGeom prst="rect">
-            <a:avLst/>
-          </a:prstGeom>
-        </p:spPr>
-        <p:style>
-          <a:lnRef idx="2">
-            <a:schemeClr val="accent1">
-              <a:shade val="50000"/>
-            </a:schemeClr>
-          </a:lnRef>
-          <a:fillRef idx="1">
-            <a:schemeClr val="accent1"/>
-          </a:fillRef>
-          <a:effectRef idx="0">
-            <a:schemeClr val="accent1"/>
-          </a:effectRef>
-          <a:fontRef idx="minor">
-            <a:schemeClr val="lt1"/>
-          </a:fontRef>
-        </p:style>
-        <p:txBody>
-          <a:bodyPr rtlCol="0" anchor="ctr"/>
-          <a:lstStyle/>
-          <a:p>
-            <a:pPr algn="ctr"/>
-            <a:r>
-              <a:rPr lang="en-NZ" dirty="0"/>
-              <a:t>Results for 100 rounds, 10% chance of a unicorn, 30% chance for each of donkey, zebra, and horse.</a:t>
-            </a:r>
-          </a:p>
-        </p:txBody>
-      </p:sp>
-      <p:pic>
-        <p:nvPicPr>
-          <p:cNvPr id="4" name="Picture 3">
-            <a:extLst>
-              <a:ext uri="{FF2B5EF4-FFF2-40B4-BE49-F238E27FC236}">
-                <a16:creationId xmlns:a16="http://schemas.microsoft.com/office/drawing/2014/main" id="{CE335360-9E48-4142-9C79-A090BCA59B86}"/>
-              </a:ext>
-            </a:extLst>
-          </p:cNvPr>
-          <p:cNvPicPr>
-            <a:picLocks noChangeAspect="1"/>
-          </p:cNvPicPr>
-          <p:nvPr/>
-        </p:nvPicPr>
-        <p:blipFill>
-          <a:blip r:embed="rId3"/>
-          <a:stretch>
-            <a:fillRect/>
-          </a:stretch>
-        </p:blipFill>
-        <p:spPr>
-          <a:xfrm>
-            <a:off x="2771269" y="2620201"/>
-            <a:ext cx="3722297" cy="476316"/>
-          </a:xfrm>
-          <a:prstGeom prst="rect">
-            <a:avLst/>
-          </a:prstGeom>
-          <a:solidFill>
-            <a:schemeClr val="accent1">
-              <a:lumMod val="40000"/>
-              <a:lumOff val="60000"/>
-            </a:schemeClr>
-          </a:solidFill>
-          <a:ln w="38100">
-            <a:solidFill>
-              <a:schemeClr val="accent1">
-                <a:lumMod val="75000"/>
-              </a:schemeClr>
-            </a:solidFill>
-          </a:ln>
-        </p:spPr>
-      </p:pic>
-      <p:sp>
-        <p:nvSpPr>
-          <p:cNvPr id="8" name="Rectangle 7">
-            <a:extLst>
-              <a:ext uri="{FF2B5EF4-FFF2-40B4-BE49-F238E27FC236}">
-                <a16:creationId xmlns:a16="http://schemas.microsoft.com/office/drawing/2014/main" id="{24F8EB4A-B5E1-4C4E-892E-CAFA6D7B34C3}"/>
-              </a:ext>
-            </a:extLst>
-          </p:cNvPr>
-          <p:cNvSpPr/>
-          <p:nvPr/>
-        </p:nvSpPr>
-        <p:spPr>
-          <a:xfrm>
-            <a:off x="2716696" y="3286539"/>
-            <a:ext cx="3776870" cy="476316"/>
-          </a:xfrm>
-          <a:prstGeom prst="rect">
-            <a:avLst/>
-          </a:prstGeom>
-        </p:spPr>
-        <p:style>
-          <a:lnRef idx="2">
-            <a:schemeClr val="accent1">
-              <a:shade val="50000"/>
-            </a:schemeClr>
-          </a:lnRef>
-          <a:fillRef idx="1">
-            <a:schemeClr val="accent1"/>
-          </a:fillRef>
-          <a:effectRef idx="0">
-            <a:schemeClr val="accent1"/>
-          </a:effectRef>
-          <a:fontRef idx="minor">
-            <a:schemeClr val="lt1"/>
-          </a:fontRef>
-        </p:style>
-        <p:txBody>
-          <a:bodyPr rtlCol="0" anchor="ctr"/>
-          <a:lstStyle/>
-          <a:p>
-            <a:pPr algn="ctr"/>
-            <a:r>
-              <a:rPr lang="en-NZ" dirty="0"/>
-              <a:t>Trial #2 (see trialling slide for details)</a:t>
-            </a:r>
-          </a:p>
-        </p:txBody>
-      </p:sp>
     </p:spTree>
     <p:extLst>
       <p:ext uri="{BB962C8B-B14F-4D97-AF65-F5344CB8AC3E}">
-        <p14:creationId xmlns:p14="http://schemas.microsoft.com/office/powerpoint/2010/main" val="2243873409"/>
+        <p14:creationId xmlns:p14="http://schemas.microsoft.com/office/powerpoint/2010/main" val="2455665964"/>
       </p:ext>
     </p:extLst>
   </p:cSld>
@@ -9633,471 +8888,27 @@
           </a:bodyPr>
           <a:lstStyle/>
           <a:p>
+            <a:pPr marL="0" lvl="0" indent="0" algn="l" rtl="0">
+              <a:spcBef>
+                <a:spcPts val="0"/>
+              </a:spcBef>
+              <a:spcAft>
+                <a:spcPts val="0"/>
+              </a:spcAft>
+              <a:buNone/>
+            </a:pPr>
             <a:r>
-              <a:rPr lang="en" sz="2000" b="1" dirty="0"/>
-              <a:t>Token Generator Test Plan (</a:t>
+              <a:rPr lang="en" b="1" dirty="0"/>
+              <a:t>Completed Game – Test Plan (part 1)</a:t>
             </a:r>
-            <a:r>
-              <a:rPr lang="en-NZ" sz="2000" i="1" dirty="0"/>
-              <a:t>Check house has an advantage)</a:t>
-            </a:r>
-            <a:endParaRPr sz="2000" b="1" dirty="0"/>
+            <a:endParaRPr b="1" dirty="0"/>
           </a:p>
         </p:txBody>
       </p:sp>
-      <p:sp>
-        <p:nvSpPr>
-          <p:cNvPr id="5" name="Google Shape;85;p18">
-            <a:extLst>
-              <a:ext uri="{FF2B5EF4-FFF2-40B4-BE49-F238E27FC236}">
-                <a16:creationId xmlns:a16="http://schemas.microsoft.com/office/drawing/2014/main" id="{00360BBF-C380-441B-ACA8-CC2686690132}"/>
-              </a:ext>
-            </a:extLst>
-          </p:cNvPr>
-          <p:cNvSpPr txBox="1">
-            <a:spLocks/>
-          </p:cNvSpPr>
-          <p:nvPr/>
-        </p:nvSpPr>
-        <p:spPr>
-          <a:xfrm>
-            <a:off x="311700" y="2571750"/>
-            <a:ext cx="8520600" cy="1922029"/>
-          </a:xfrm>
-          <a:prstGeom prst="rect">
-            <a:avLst/>
-          </a:prstGeom>
-          <a:noFill/>
-          <a:ln>
-            <a:noFill/>
-          </a:ln>
-        </p:spPr>
-        <p:txBody>
-          <a:bodyPr spcFirstLastPara="1" wrap="square" lIns="91425" tIns="91425" rIns="91425" bIns="91425" anchor="t" anchorCtr="0">
-            <a:noAutofit/>
-          </a:bodyPr>
-          <a:lstStyle>
-            <a:defPPr marR="0" lvl="0" algn="l" rtl="0">
-              <a:lnSpc>
-                <a:spcPct val="100000"/>
-              </a:lnSpc>
-              <a:spcBef>
-                <a:spcPts val="0"/>
-              </a:spcBef>
-              <a:spcAft>
-                <a:spcPts val="0"/>
-              </a:spcAft>
-            </a:defPPr>
-            <a:lvl1pPr marL="457200" marR="0" lvl="0" indent="-342900" algn="l" rtl="0">
-              <a:lnSpc>
-                <a:spcPct val="115000"/>
-              </a:lnSpc>
-              <a:spcBef>
-                <a:spcPts val="0"/>
-              </a:spcBef>
-              <a:spcAft>
-                <a:spcPts val="0"/>
-              </a:spcAft>
-              <a:buClr>
-                <a:schemeClr val="dk2"/>
-              </a:buClr>
-              <a:buSzPts val="1800"/>
-              <a:buFont typeface="Arial"/>
-              <a:buChar char="●"/>
-              <a:defRPr sz="1800" b="0" i="0" u="none" strike="noStrike" cap="none">
-                <a:solidFill>
-                  <a:schemeClr val="dk2"/>
-                </a:solidFill>
-                <a:latin typeface="Arial"/>
-                <a:ea typeface="Arial"/>
-                <a:cs typeface="Arial"/>
-                <a:sym typeface="Arial"/>
-              </a:defRPr>
-            </a:lvl1pPr>
-            <a:lvl2pPr marL="914400" marR="0" lvl="1" indent="-317500" algn="l" rtl="0">
-              <a:lnSpc>
-                <a:spcPct val="115000"/>
-              </a:lnSpc>
-              <a:spcBef>
-                <a:spcPts val="1600"/>
-              </a:spcBef>
-              <a:spcAft>
-                <a:spcPts val="0"/>
-              </a:spcAft>
-              <a:buClr>
-                <a:schemeClr val="dk2"/>
-              </a:buClr>
-              <a:buSzPts val="1400"/>
-              <a:buFont typeface="Arial"/>
-              <a:buChar char="○"/>
-              <a:defRPr sz="1400" b="0" i="0" u="none" strike="noStrike" cap="none">
-                <a:solidFill>
-                  <a:schemeClr val="dk2"/>
-                </a:solidFill>
-                <a:latin typeface="Arial"/>
-                <a:ea typeface="Arial"/>
-                <a:cs typeface="Arial"/>
-                <a:sym typeface="Arial"/>
-              </a:defRPr>
-            </a:lvl2pPr>
-            <a:lvl3pPr marL="1371600" marR="0" lvl="2" indent="-317500" algn="l" rtl="0">
-              <a:lnSpc>
-                <a:spcPct val="115000"/>
-              </a:lnSpc>
-              <a:spcBef>
-                <a:spcPts val="1600"/>
-              </a:spcBef>
-              <a:spcAft>
-                <a:spcPts val="0"/>
-              </a:spcAft>
-              <a:buClr>
-                <a:schemeClr val="dk2"/>
-              </a:buClr>
-              <a:buSzPts val="1400"/>
-              <a:buFont typeface="Arial"/>
-              <a:buChar char="■"/>
-              <a:defRPr sz="1400" b="0" i="0" u="none" strike="noStrike" cap="none">
-                <a:solidFill>
-                  <a:schemeClr val="dk2"/>
-                </a:solidFill>
-                <a:latin typeface="Arial"/>
-                <a:ea typeface="Arial"/>
-                <a:cs typeface="Arial"/>
-                <a:sym typeface="Arial"/>
-              </a:defRPr>
-            </a:lvl3pPr>
-            <a:lvl4pPr marL="1828800" marR="0" lvl="3" indent="-317500" algn="l" rtl="0">
-              <a:lnSpc>
-                <a:spcPct val="115000"/>
-              </a:lnSpc>
-              <a:spcBef>
-                <a:spcPts val="1600"/>
-              </a:spcBef>
-              <a:spcAft>
-                <a:spcPts val="0"/>
-              </a:spcAft>
-              <a:buClr>
-                <a:schemeClr val="dk2"/>
-              </a:buClr>
-              <a:buSzPts val="1400"/>
-              <a:buFont typeface="Arial"/>
-              <a:buChar char="●"/>
-              <a:defRPr sz="1400" b="0" i="0" u="none" strike="noStrike" cap="none">
-                <a:solidFill>
-                  <a:schemeClr val="dk2"/>
-                </a:solidFill>
-                <a:latin typeface="Arial"/>
-                <a:ea typeface="Arial"/>
-                <a:cs typeface="Arial"/>
-                <a:sym typeface="Arial"/>
-              </a:defRPr>
-            </a:lvl4pPr>
-            <a:lvl5pPr marL="2286000" marR="0" lvl="4" indent="-317500" algn="l" rtl="0">
-              <a:lnSpc>
-                <a:spcPct val="115000"/>
-              </a:lnSpc>
-              <a:spcBef>
-                <a:spcPts val="1600"/>
-              </a:spcBef>
-              <a:spcAft>
-                <a:spcPts val="0"/>
-              </a:spcAft>
-              <a:buClr>
-                <a:schemeClr val="dk2"/>
-              </a:buClr>
-              <a:buSzPts val="1400"/>
-              <a:buFont typeface="Arial"/>
-              <a:buChar char="○"/>
-              <a:defRPr sz="1400" b="0" i="0" u="none" strike="noStrike" cap="none">
-                <a:solidFill>
-                  <a:schemeClr val="dk2"/>
-                </a:solidFill>
-                <a:latin typeface="Arial"/>
-                <a:ea typeface="Arial"/>
-                <a:cs typeface="Arial"/>
-                <a:sym typeface="Arial"/>
-              </a:defRPr>
-            </a:lvl5pPr>
-            <a:lvl6pPr marL="2743200" marR="0" lvl="5" indent="-317500" algn="l" rtl="0">
-              <a:lnSpc>
-                <a:spcPct val="115000"/>
-              </a:lnSpc>
-              <a:spcBef>
-                <a:spcPts val="1600"/>
-              </a:spcBef>
-              <a:spcAft>
-                <a:spcPts val="0"/>
-              </a:spcAft>
-              <a:buClr>
-                <a:schemeClr val="dk2"/>
-              </a:buClr>
-              <a:buSzPts val="1400"/>
-              <a:buFont typeface="Arial"/>
-              <a:buChar char="■"/>
-              <a:defRPr sz="1400" b="0" i="0" u="none" strike="noStrike" cap="none">
-                <a:solidFill>
-                  <a:schemeClr val="dk2"/>
-                </a:solidFill>
-                <a:latin typeface="Arial"/>
-                <a:ea typeface="Arial"/>
-                <a:cs typeface="Arial"/>
-                <a:sym typeface="Arial"/>
-              </a:defRPr>
-            </a:lvl6pPr>
-            <a:lvl7pPr marL="3200400" marR="0" lvl="6" indent="-317500" algn="l" rtl="0">
-              <a:lnSpc>
-                <a:spcPct val="115000"/>
-              </a:lnSpc>
-              <a:spcBef>
-                <a:spcPts val="1600"/>
-              </a:spcBef>
-              <a:spcAft>
-                <a:spcPts val="0"/>
-              </a:spcAft>
-              <a:buClr>
-                <a:schemeClr val="dk2"/>
-              </a:buClr>
-              <a:buSzPts val="1400"/>
-              <a:buFont typeface="Arial"/>
-              <a:buChar char="●"/>
-              <a:defRPr sz="1400" b="0" i="0" u="none" strike="noStrike" cap="none">
-                <a:solidFill>
-                  <a:schemeClr val="dk2"/>
-                </a:solidFill>
-                <a:latin typeface="Arial"/>
-                <a:ea typeface="Arial"/>
-                <a:cs typeface="Arial"/>
-                <a:sym typeface="Arial"/>
-              </a:defRPr>
-            </a:lvl7pPr>
-            <a:lvl8pPr marL="3657600" marR="0" lvl="7" indent="-317500" algn="l" rtl="0">
-              <a:lnSpc>
-                <a:spcPct val="115000"/>
-              </a:lnSpc>
-              <a:spcBef>
-                <a:spcPts val="1600"/>
-              </a:spcBef>
-              <a:spcAft>
-                <a:spcPts val="0"/>
-              </a:spcAft>
-              <a:buClr>
-                <a:schemeClr val="dk2"/>
-              </a:buClr>
-              <a:buSzPts val="1400"/>
-              <a:buFont typeface="Arial"/>
-              <a:buChar char="○"/>
-              <a:defRPr sz="1400" b="0" i="0" u="none" strike="noStrike" cap="none">
-                <a:solidFill>
-                  <a:schemeClr val="dk2"/>
-                </a:solidFill>
-                <a:latin typeface="Arial"/>
-                <a:ea typeface="Arial"/>
-                <a:cs typeface="Arial"/>
-                <a:sym typeface="Arial"/>
-              </a:defRPr>
-            </a:lvl8pPr>
-            <a:lvl9pPr marL="4114800" marR="0" lvl="8" indent="-317500" algn="l" rtl="0">
-              <a:lnSpc>
-                <a:spcPct val="115000"/>
-              </a:lnSpc>
-              <a:spcBef>
-                <a:spcPts val="1600"/>
-              </a:spcBef>
-              <a:spcAft>
-                <a:spcPts val="1600"/>
-              </a:spcAft>
-              <a:buClr>
-                <a:schemeClr val="dk2"/>
-              </a:buClr>
-              <a:buSzPts val="1400"/>
-              <a:buFont typeface="Arial"/>
-              <a:buChar char="■"/>
-              <a:defRPr sz="1400" b="0" i="0" u="none" strike="noStrike" cap="none">
-                <a:solidFill>
-                  <a:schemeClr val="dk2"/>
-                </a:solidFill>
-                <a:latin typeface="Arial"/>
-                <a:ea typeface="Arial"/>
-                <a:cs typeface="Arial"/>
-                <a:sym typeface="Arial"/>
-              </a:defRPr>
-            </a:lvl9pPr>
-          </a:lstStyle>
-          <a:p>
-            <a:pPr marL="0" indent="0">
-              <a:spcAft>
-                <a:spcPts val="1600"/>
-              </a:spcAft>
-              <a:buFont typeface="Arial"/>
-              <a:buNone/>
-            </a:pPr>
-            <a:endParaRPr lang="en-NZ" i="1" dirty="0"/>
-          </a:p>
-        </p:txBody>
-      </p:sp>
-      <p:graphicFrame>
-        <p:nvGraphicFramePr>
-          <p:cNvPr id="6" name="Table 2">
-            <a:extLst>
-              <a:ext uri="{FF2B5EF4-FFF2-40B4-BE49-F238E27FC236}">
-                <a16:creationId xmlns:a16="http://schemas.microsoft.com/office/drawing/2014/main" id="{6D92C906-293A-473D-9172-A59192310513}"/>
-              </a:ext>
-            </a:extLst>
-          </p:cNvPr>
-          <p:cNvGraphicFramePr>
-            <a:graphicFrameLocks noGrp="1"/>
-          </p:cNvGraphicFramePr>
-          <p:nvPr>
-            <p:extLst>
-              <p:ext uri="{D42A27DB-BD31-4B8C-83A1-F6EECF244321}">
-                <p14:modId xmlns:p14="http://schemas.microsoft.com/office/powerpoint/2010/main" val="1959788197"/>
-              </p:ext>
-            </p:extLst>
-          </p:nvPr>
-        </p:nvGraphicFramePr>
-        <p:xfrm>
-          <a:off x="397566" y="1138397"/>
-          <a:ext cx="6096000" cy="889000"/>
-        </p:xfrm>
-        <a:graphic>
-          <a:graphicData uri="http://schemas.openxmlformats.org/drawingml/2006/table">
-            <a:tbl>
-              <a:tblPr firstRow="1" bandRow="1">
-                <a:tableStyleId>{7DF18680-E054-41AD-8BC1-D1AEF772440D}</a:tableStyleId>
-              </a:tblPr>
-              <a:tblGrid>
-                <a:gridCol w="3048000">
-                  <a:extLst>
-                    <a:ext uri="{9D8B030D-6E8A-4147-A177-3AD203B41FA5}">
-                      <a16:colId xmlns:a16="http://schemas.microsoft.com/office/drawing/2014/main" val="3574722601"/>
-                    </a:ext>
-                  </a:extLst>
-                </a:gridCol>
-                <a:gridCol w="3048000">
-                  <a:extLst>
-                    <a:ext uri="{9D8B030D-6E8A-4147-A177-3AD203B41FA5}">
-                      <a16:colId xmlns:a16="http://schemas.microsoft.com/office/drawing/2014/main" val="3135940783"/>
-                    </a:ext>
-                  </a:extLst>
-                </a:gridCol>
-              </a:tblGrid>
-              <a:tr h="370840">
-                <a:tc>
-                  <a:txBody>
-                    <a:bodyPr/>
-                    <a:lstStyle/>
-                    <a:p>
-                      <a:r>
-                        <a:rPr lang="en-NZ" dirty="0"/>
-                        <a:t>Test Case</a:t>
-                      </a:r>
-                    </a:p>
-                  </a:txBody>
-                  <a:tcPr/>
-                </a:tc>
-                <a:tc>
-                  <a:txBody>
-                    <a:bodyPr/>
-                    <a:lstStyle/>
-                    <a:p>
-                      <a:r>
-                        <a:rPr lang="en-NZ" dirty="0"/>
-                        <a:t>Expected values</a:t>
-                      </a:r>
-                    </a:p>
-                  </a:txBody>
-                  <a:tcPr/>
-                </a:tc>
-                <a:extLst>
-                  <a:ext uri="{0D108BD9-81ED-4DB2-BD59-A6C34878D82A}">
-                    <a16:rowId xmlns:a16="http://schemas.microsoft.com/office/drawing/2014/main" val="3776437987"/>
-                  </a:ext>
-                </a:extLst>
-              </a:tr>
-              <a:tr h="370840">
-                <a:tc>
-                  <a:txBody>
-                    <a:bodyPr/>
-                    <a:lstStyle/>
-                    <a:p>
-                      <a:r>
-                        <a:rPr lang="en-NZ" dirty="0"/>
-                        <a:t>User starts with $100.</a:t>
-                      </a:r>
-                    </a:p>
-                    <a:p>
-                      <a:r>
-                        <a:rPr lang="en-NZ" dirty="0"/>
-                        <a:t>Run program</a:t>
-                      </a:r>
-                    </a:p>
-                  </a:txBody>
-                  <a:tcPr/>
-                </a:tc>
-                <a:tc>
-                  <a:txBody>
-                    <a:bodyPr/>
-                    <a:lstStyle/>
-                    <a:p>
-                      <a:r>
-                        <a:rPr lang="en-NZ" dirty="0"/>
-                        <a:t>User should lose money (final balance should be less than $100)</a:t>
-                      </a:r>
-                    </a:p>
-                  </a:txBody>
-                  <a:tcPr/>
-                </a:tc>
-                <a:extLst>
-                  <a:ext uri="{0D108BD9-81ED-4DB2-BD59-A6C34878D82A}">
-                    <a16:rowId xmlns:a16="http://schemas.microsoft.com/office/drawing/2014/main" val="1423812765"/>
-                  </a:ext>
-                </a:extLst>
-              </a:tr>
-            </a:tbl>
-          </a:graphicData>
-        </a:graphic>
-      </p:graphicFrame>
-      <p:pic>
-        <p:nvPicPr>
-          <p:cNvPr id="7" name="Picture 6">
-            <a:extLst>
-              <a:ext uri="{FF2B5EF4-FFF2-40B4-BE49-F238E27FC236}">
-                <a16:creationId xmlns:a16="http://schemas.microsoft.com/office/drawing/2014/main" id="{964BF27B-C8C1-4EB3-BD1C-D5EE71394C90}"/>
-              </a:ext>
-            </a:extLst>
-          </p:cNvPr>
-          <p:cNvPicPr>
-            <a:picLocks noChangeAspect="1"/>
-          </p:cNvPicPr>
-          <p:nvPr/>
-        </p:nvPicPr>
-        <p:blipFill>
-          <a:blip r:embed="rId3"/>
-          <a:stretch>
-            <a:fillRect/>
-          </a:stretch>
-        </p:blipFill>
-        <p:spPr>
-          <a:xfrm>
-            <a:off x="397566" y="2296675"/>
-            <a:ext cx="5068007" cy="857370"/>
-          </a:xfrm>
-          <a:prstGeom prst="rect">
-            <a:avLst/>
-          </a:prstGeom>
-          <a:ln w="38100">
-            <a:solidFill>
-              <a:schemeClr val="accent5">
-                <a:lumMod val="50000"/>
-              </a:schemeClr>
-            </a:solidFill>
-          </a:ln>
-        </p:spPr>
-      </p:pic>
     </p:spTree>
     <p:extLst>
       <p:ext uri="{BB962C8B-B14F-4D97-AF65-F5344CB8AC3E}">
-        <p14:creationId xmlns:p14="http://schemas.microsoft.com/office/powerpoint/2010/main" val="3867165694"/>
+        <p14:creationId xmlns:p14="http://schemas.microsoft.com/office/powerpoint/2010/main" val="3904289725"/>
       </p:ext>
     </p:extLst>
   </p:cSld>
@@ -10160,125 +8971,16 @@
             </a:pPr>
             <a:r>
               <a:rPr lang="en" b="1" dirty="0"/>
-              <a:t>Token Generator Testing</a:t>
+              <a:t>Completed Game – Testing (worked as expected)</a:t>
             </a:r>
             <a:endParaRPr b="1" dirty="0"/>
           </a:p>
         </p:txBody>
       </p:sp>
-      <p:sp>
-        <p:nvSpPr>
-          <p:cNvPr id="4" name="Rectangle 3">
-            <a:extLst>
-              <a:ext uri="{FF2B5EF4-FFF2-40B4-BE49-F238E27FC236}">
-                <a16:creationId xmlns:a16="http://schemas.microsoft.com/office/drawing/2014/main" id="{D977B3A7-0252-4A6D-A58B-021430BC5209}"/>
-              </a:ext>
-            </a:extLst>
-          </p:cNvPr>
-          <p:cNvSpPr/>
-          <p:nvPr/>
-        </p:nvSpPr>
-        <p:spPr>
-          <a:xfrm>
-            <a:off x="450847" y="1161956"/>
-            <a:ext cx="4180788" cy="1839661"/>
-          </a:xfrm>
-          <a:prstGeom prst="rect">
-            <a:avLst/>
-          </a:prstGeom>
-        </p:spPr>
-        <p:style>
-          <a:lnRef idx="2">
-            <a:schemeClr val="accent1">
-              <a:shade val="50000"/>
-            </a:schemeClr>
-          </a:lnRef>
-          <a:fillRef idx="1">
-            <a:schemeClr val="accent1"/>
-          </a:fillRef>
-          <a:effectRef idx="0">
-            <a:schemeClr val="accent1"/>
-          </a:effectRef>
-          <a:fontRef idx="minor">
-            <a:schemeClr val="lt1"/>
-          </a:fontRef>
-        </p:style>
-        <p:txBody>
-          <a:bodyPr rtlCol="0" anchor="ctr"/>
-          <a:lstStyle/>
-          <a:p>
-            <a:pPr algn="ctr"/>
-            <a:r>
-              <a:rPr lang="en-NZ" dirty="0"/>
-              <a:t>Testing on the right only shows 10 rounds where the chance of a unicorn is 5%, chance of a donkey is 30% and the chance of a horse / zebra is 65%. If we run the program for more than 100 rounds, the house advantage becomes more clear</a:t>
-            </a:r>
-          </a:p>
-        </p:txBody>
-      </p:sp>
-      <p:pic>
-        <p:nvPicPr>
-          <p:cNvPr id="5" name="Picture 4">
-            <a:extLst>
-              <a:ext uri="{FF2B5EF4-FFF2-40B4-BE49-F238E27FC236}">
-                <a16:creationId xmlns:a16="http://schemas.microsoft.com/office/drawing/2014/main" id="{7F4AA7E5-A299-4109-BB23-314DCFD1FA66}"/>
-              </a:ext>
-            </a:extLst>
-          </p:cNvPr>
-          <p:cNvPicPr>
-            <a:picLocks noChangeAspect="1"/>
-          </p:cNvPicPr>
-          <p:nvPr/>
-        </p:nvPicPr>
-        <p:blipFill>
-          <a:blip r:embed="rId3"/>
-          <a:stretch>
-            <a:fillRect/>
-          </a:stretch>
-        </p:blipFill>
-        <p:spPr>
-          <a:xfrm>
-            <a:off x="450847" y="3218002"/>
-            <a:ext cx="4180788" cy="464532"/>
-          </a:xfrm>
-          <a:prstGeom prst="rect">
-            <a:avLst/>
-          </a:prstGeom>
-        </p:spPr>
-      </p:pic>
-      <p:pic>
-        <p:nvPicPr>
-          <p:cNvPr id="8" name="Picture 7">
-            <a:extLst>
-              <a:ext uri="{FF2B5EF4-FFF2-40B4-BE49-F238E27FC236}">
-                <a16:creationId xmlns:a16="http://schemas.microsoft.com/office/drawing/2014/main" id="{EF2FFA88-74CF-45AF-A4B6-83F1301FE0CA}"/>
-              </a:ext>
-            </a:extLst>
-          </p:cNvPr>
-          <p:cNvPicPr>
-            <a:picLocks noChangeAspect="1"/>
-          </p:cNvPicPr>
-          <p:nvPr/>
-        </p:nvPicPr>
-        <p:blipFill>
-          <a:blip r:embed="rId4"/>
-          <a:stretch>
-            <a:fillRect/>
-          </a:stretch>
-        </p:blipFill>
-        <p:spPr>
-          <a:xfrm>
-            <a:off x="4898033" y="1162784"/>
-            <a:ext cx="2564745" cy="2519750"/>
-          </a:xfrm>
-          <a:prstGeom prst="rect">
-            <a:avLst/>
-          </a:prstGeom>
-        </p:spPr>
-      </p:pic>
     </p:spTree>
     <p:extLst>
       <p:ext uri="{BB962C8B-B14F-4D97-AF65-F5344CB8AC3E}">
-        <p14:creationId xmlns:p14="http://schemas.microsoft.com/office/powerpoint/2010/main" val="4129328043"/>
+        <p14:creationId xmlns:p14="http://schemas.microsoft.com/office/powerpoint/2010/main" val="87668220"/>
       </p:ext>
     </p:extLst>
   </p:cSld>
@@ -10341,92 +9043,16 @@
             </a:pPr>
             <a:r>
               <a:rPr lang="en" b="1" dirty="0"/>
-              <a:t>Payout Trialling…</a:t>
+              <a:t>Version Control Evidence</a:t>
             </a:r>
             <a:endParaRPr b="1" dirty="0"/>
-          </a:p>
-        </p:txBody>
-      </p:sp>
-      <p:sp>
-        <p:nvSpPr>
-          <p:cNvPr id="85" name="Google Shape;85;p18"/>
-          <p:cNvSpPr txBox="1">
-            <a:spLocks noGrp="1"/>
-          </p:cNvSpPr>
-          <p:nvPr>
-            <p:ph type="body" idx="1"/>
-          </p:nvPr>
-        </p:nvSpPr>
-        <p:spPr>
-          <a:xfrm>
-            <a:off x="311700" y="1152475"/>
-            <a:ext cx="8520600" cy="3416400"/>
-          </a:xfrm>
-          <a:prstGeom prst="rect">
-            <a:avLst/>
-          </a:prstGeom>
-        </p:spPr>
-        <p:txBody>
-          <a:bodyPr spcFirstLastPara="1" wrap="square" lIns="91425" tIns="91425" rIns="91425" bIns="91425" anchor="t" anchorCtr="0">
-            <a:noAutofit/>
-          </a:bodyPr>
-          <a:lstStyle/>
-          <a:p>
-            <a:pPr marL="0" lvl="0" indent="0" algn="l" rtl="0">
-              <a:spcBef>
-                <a:spcPts val="0"/>
-              </a:spcBef>
-              <a:spcAft>
-                <a:spcPts val="1600"/>
-              </a:spcAft>
-              <a:buNone/>
-            </a:pPr>
-            <a:r>
-              <a:rPr lang="en" sz="1600" i="1" dirty="0"/>
-              <a:t>Trial #1 (05_token_generator_v2.py): This program chooses from a list of horses, unicorns, donkeys, and zebras. When run 100 times, it became clear that the house would lose money instead of making money =.</a:t>
-            </a:r>
-          </a:p>
-          <a:p>
-            <a:pPr marL="0" lvl="0" indent="0" algn="l" rtl="0">
-              <a:spcBef>
-                <a:spcPts val="0"/>
-              </a:spcBef>
-              <a:spcAft>
-                <a:spcPts val="1600"/>
-              </a:spcAft>
-              <a:buNone/>
-            </a:pPr>
-            <a:r>
-              <a:rPr lang="en" sz="1600" i="1" dirty="0"/>
-              <a:t>Trial #2 (05_token_generator_v3): The list was edited so that it had 1 unicorn, 3 donkeys, 3 zebras and 3 horses. This lead to the house having an advantage.</a:t>
-            </a:r>
-          </a:p>
-          <a:p>
-            <a:pPr marL="0" lvl="0" indent="0" algn="l" rtl="0">
-              <a:spcBef>
-                <a:spcPts val="0"/>
-              </a:spcBef>
-              <a:spcAft>
-                <a:spcPts val="1600"/>
-              </a:spcAft>
-              <a:buNone/>
-            </a:pPr>
-            <a:r>
-              <a:rPr lang="en" sz="1600" i="1" dirty="0"/>
-              <a:t>Trial #3 (05_token_generator_v4): Instead of choosing the items from a list, I chose a random integer between 1 and 100. The schedule was set up so that users have a 5% chance of getting a unicorn, a 30% chance of a donkey, and a 65% chance of getting a horse / zebra. </a:t>
-            </a:r>
-            <a:r>
-              <a:rPr lang="en-NZ" sz="1600" i="1" dirty="0"/>
-              <a:t>In my ‘else’ statement, to decide between a horse and zebra, I set it up so that if the number that was generated was even, the token was a horse, otherwise it was a zebra. </a:t>
-            </a:r>
-            <a:endParaRPr sz="1600" i="1" dirty="0"/>
           </a:p>
         </p:txBody>
       </p:sp>
     </p:spTree>
     <p:extLst>
       <p:ext uri="{BB962C8B-B14F-4D97-AF65-F5344CB8AC3E}">
-        <p14:creationId xmlns:p14="http://schemas.microsoft.com/office/powerpoint/2010/main" val="3163151966"/>
+        <p14:creationId xmlns:p14="http://schemas.microsoft.com/office/powerpoint/2010/main" val="3630987550"/>
       </p:ext>
     </p:extLst>
   </p:cSld>
@@ -10489,7 +9115,7 @@
             </a:pPr>
             <a:r>
               <a:rPr lang="en" b="1" dirty="0"/>
-              <a:t>Rounds Test Plan</a:t>
+              <a:t>Addressing Relevant Implications</a:t>
             </a:r>
             <a:endParaRPr b="1" dirty="0"/>
           </a:p>
@@ -10530,178 +9156,46 @@
               <a:buNone/>
             </a:pPr>
             <a:r>
-              <a:rPr lang="en" i="1" dirty="0"/>
-              <a:t>For testing purposes, each round the user will lose $1.00 (i.e: they get a donkey each time)</a:t>
+              <a:rPr lang="en-NZ" i="1" dirty="0"/>
+              <a:t>I’ve comprehensively tested my outcome to ensure that the functionality implication has been address (i.e., it works for expected, unexpected, and boundary values).</a:t>
             </a:r>
-            <a:endParaRPr i="1" dirty="0"/>
+          </a:p>
+          <a:p>
+            <a:pPr marL="0" lvl="0" indent="0" algn="l" rtl="0">
+              <a:spcBef>
+                <a:spcPts val="0"/>
+              </a:spcBef>
+              <a:spcAft>
+                <a:spcPts val="1600"/>
+              </a:spcAft>
+              <a:buNone/>
+            </a:pPr>
+            <a:r>
+              <a:rPr lang="en-NZ" i="1" dirty="0"/>
+              <a:t>The inclusion of optional instructions and clear error messages help to make the out come easy to use (i.e., addresses the Usability implication)</a:t>
+            </a:r>
+          </a:p>
+          <a:p>
+            <a:pPr marL="0" lvl="0" indent="0" algn="l" rtl="0">
+              <a:spcBef>
+                <a:spcPts val="0"/>
+              </a:spcBef>
+              <a:spcAft>
+                <a:spcPts val="1600"/>
+              </a:spcAft>
+              <a:buNone/>
+            </a:pPr>
+            <a:r>
+              <a:rPr lang="en-NZ" i="1" dirty="0"/>
+              <a:t>I’ve also carefully spaced the program’s output and used a statement generator function to address the aesthetics implication. Whilst aesthetics is not the main focus of text based programs, ensuring the outcome looks good also helps address the usability implication.</a:t>
+            </a:r>
           </a:p>
         </p:txBody>
       </p:sp>
-      <p:graphicFrame>
-        <p:nvGraphicFramePr>
-          <p:cNvPr id="2" name="Table 2">
-            <a:extLst>
-              <a:ext uri="{FF2B5EF4-FFF2-40B4-BE49-F238E27FC236}">
-                <a16:creationId xmlns:a16="http://schemas.microsoft.com/office/drawing/2014/main" id="{410E1166-48A8-420D-8226-BDE17CA7F7FC}"/>
-              </a:ext>
-            </a:extLst>
-          </p:cNvPr>
-          <p:cNvGraphicFramePr>
-            <a:graphicFrameLocks noGrp="1"/>
-          </p:cNvGraphicFramePr>
-          <p:nvPr>
-            <p:extLst>
-              <p:ext uri="{D42A27DB-BD31-4B8C-83A1-F6EECF244321}">
-                <p14:modId xmlns:p14="http://schemas.microsoft.com/office/powerpoint/2010/main" val="3182543516"/>
-              </p:ext>
-            </p:extLst>
-          </p:nvPr>
-        </p:nvGraphicFramePr>
-        <p:xfrm>
-          <a:off x="410817" y="2304415"/>
-          <a:ext cx="6096000" cy="2473960"/>
-        </p:xfrm>
-        <a:graphic>
-          <a:graphicData uri="http://schemas.openxmlformats.org/drawingml/2006/table">
-            <a:tbl>
-              <a:tblPr firstRow="1" bandRow="1">
-                <a:tableStyleId>{5DC7D775-D85B-40C0-ACD5-9A98D17F5DE4}</a:tableStyleId>
-              </a:tblPr>
-              <a:tblGrid>
-                <a:gridCol w="3048000">
-                  <a:extLst>
-                    <a:ext uri="{9D8B030D-6E8A-4147-A177-3AD203B41FA5}">
-                      <a16:colId xmlns:a16="http://schemas.microsoft.com/office/drawing/2014/main" val="2890881031"/>
-                    </a:ext>
-                  </a:extLst>
-                </a:gridCol>
-                <a:gridCol w="3048000">
-                  <a:extLst>
-                    <a:ext uri="{9D8B030D-6E8A-4147-A177-3AD203B41FA5}">
-                      <a16:colId xmlns:a16="http://schemas.microsoft.com/office/drawing/2014/main" val="651066013"/>
-                    </a:ext>
-                  </a:extLst>
-                </a:gridCol>
-              </a:tblGrid>
-              <a:tr h="370840">
-                <a:tc>
-                  <a:txBody>
-                    <a:bodyPr/>
-                    <a:lstStyle/>
-                    <a:p>
-                      <a:r>
-                        <a:rPr lang="en-NZ" dirty="0"/>
-                        <a:t>Test Case</a:t>
-                      </a:r>
-                    </a:p>
-                  </a:txBody>
-                  <a:tcPr/>
-                </a:tc>
-                <a:tc>
-                  <a:txBody>
-                    <a:bodyPr/>
-                    <a:lstStyle/>
-                    <a:p>
-                      <a:r>
-                        <a:rPr lang="en-NZ" dirty="0"/>
-                        <a:t>Expected Outcome</a:t>
-                      </a:r>
-                    </a:p>
-                  </a:txBody>
-                  <a:tcPr/>
-                </a:tc>
-                <a:extLst>
-                  <a:ext uri="{0D108BD9-81ED-4DB2-BD59-A6C34878D82A}">
-                    <a16:rowId xmlns:a16="http://schemas.microsoft.com/office/drawing/2014/main" val="3062588067"/>
-                  </a:ext>
-                </a:extLst>
-              </a:tr>
-              <a:tr h="370840">
-                <a:tc>
-                  <a:txBody>
-                    <a:bodyPr/>
-                    <a:lstStyle/>
-                    <a:p>
-                      <a:r>
-                        <a:rPr lang="en-NZ" dirty="0"/>
-                        <a:t>Starting amount: $5</a:t>
-                      </a:r>
-                    </a:p>
-                    <a:p>
-                      <a:r>
-                        <a:rPr lang="en-NZ" dirty="0"/>
-                        <a:t>Play until money runs out</a:t>
-                      </a:r>
-                    </a:p>
-                  </a:txBody>
-                  <a:tcPr/>
-                </a:tc>
-                <a:tc>
-                  <a:txBody>
-                    <a:bodyPr/>
-                    <a:lstStyle/>
-                    <a:p>
-                      <a:r>
-                        <a:rPr lang="en-NZ" dirty="0"/>
-                        <a:t>Game should go for five rounds. Each round should be correctly numbered. After 5 rounds, ‘Sorry you have run out of money; should display</a:t>
-                      </a:r>
-                    </a:p>
-                  </a:txBody>
-                  <a:tcPr/>
-                </a:tc>
-                <a:extLst>
-                  <a:ext uri="{0D108BD9-81ED-4DB2-BD59-A6C34878D82A}">
-                    <a16:rowId xmlns:a16="http://schemas.microsoft.com/office/drawing/2014/main" val="2151672260"/>
-                  </a:ext>
-                </a:extLst>
-              </a:tr>
-              <a:tr h="370840">
-                <a:tc>
-                  <a:txBody>
-                    <a:bodyPr/>
-                    <a:lstStyle/>
-                    <a:p>
-                      <a:r>
-                        <a:rPr lang="en-NZ" dirty="0"/>
-                        <a:t>Starting amount: $5</a:t>
-                      </a:r>
-                    </a:p>
-                    <a:p>
-                      <a:r>
-                        <a:rPr lang="en-NZ" dirty="0"/>
-                        <a:t>Play 3 rounds</a:t>
-                      </a:r>
-                    </a:p>
-                  </a:txBody>
-                  <a:tcPr/>
-                </a:tc>
-                <a:tc>
-                  <a:txBody>
-                    <a:bodyPr/>
-                    <a:lstStyle/>
-                    <a:p>
-                      <a:r>
-                        <a:rPr lang="en-NZ" dirty="0"/>
-                        <a:t>Game should go for three rounds. When user types ‘xxx’ (for round #4), game should end. Final balance should be $2</a:t>
-                      </a:r>
-                    </a:p>
-                  </a:txBody>
-                  <a:tcPr/>
-                </a:tc>
-                <a:extLst>
-                  <a:ext uri="{0D108BD9-81ED-4DB2-BD59-A6C34878D82A}">
-                    <a16:rowId xmlns:a16="http://schemas.microsoft.com/office/drawing/2014/main" val="2612038654"/>
-                  </a:ext>
-                </a:extLst>
-              </a:tr>
-            </a:tbl>
-          </a:graphicData>
-        </a:graphic>
-      </p:graphicFrame>
     </p:spTree>
     <p:extLst>
       <p:ext uri="{BB962C8B-B14F-4D97-AF65-F5344CB8AC3E}">
-        <p14:creationId xmlns:p14="http://schemas.microsoft.com/office/powerpoint/2010/main" val="3019218375"/>
+        <p14:creationId xmlns:p14="http://schemas.microsoft.com/office/powerpoint/2010/main" val="251612550"/>
       </p:ext>
     </p:extLst>
   </p:cSld>
@@ -10869,188 +9363,54 @@
             </a:pPr>
             <a:r>
               <a:rPr lang="en" b="1" dirty="0"/>
-              <a:t>Rounds Testing</a:t>
+              <a:t>Addressing Relevant Implications</a:t>
             </a:r>
             <a:endParaRPr b="1" dirty="0"/>
           </a:p>
         </p:txBody>
       </p:sp>
-      <p:pic>
-        <p:nvPicPr>
-          <p:cNvPr id="2" name="Picture 1">
-            <a:extLst>
-              <a:ext uri="{FF2B5EF4-FFF2-40B4-BE49-F238E27FC236}">
-                <a16:creationId xmlns:a16="http://schemas.microsoft.com/office/drawing/2014/main" id="{B3D6D107-2C1B-4F88-B698-6FCB30A45F16}"/>
-              </a:ext>
-            </a:extLst>
-          </p:cNvPr>
-          <p:cNvPicPr>
-            <a:picLocks noChangeAspect="1"/>
-          </p:cNvPicPr>
-          <p:nvPr/>
-        </p:nvPicPr>
-        <p:blipFill>
-          <a:blip r:embed="rId3"/>
-          <a:stretch>
-            <a:fillRect/>
-          </a:stretch>
-        </p:blipFill>
-        <p:spPr>
-          <a:xfrm>
-            <a:off x="454193" y="1351722"/>
-            <a:ext cx="3412271" cy="1961158"/>
-          </a:xfrm>
-          <a:prstGeom prst="rect">
-            <a:avLst/>
-          </a:prstGeom>
-          <a:ln w="38100">
-            <a:solidFill>
-              <a:schemeClr val="accent1">
-                <a:lumMod val="50000"/>
-              </a:schemeClr>
-            </a:solidFill>
-          </a:ln>
-        </p:spPr>
-      </p:pic>
-      <p:pic>
-        <p:nvPicPr>
-          <p:cNvPr id="3" name="Picture 2">
-            <a:extLst>
-              <a:ext uri="{FF2B5EF4-FFF2-40B4-BE49-F238E27FC236}">
-                <a16:creationId xmlns:a16="http://schemas.microsoft.com/office/drawing/2014/main" id="{4D196667-2894-41A6-B713-E06D57C4935A}"/>
-              </a:ext>
-            </a:extLst>
-          </p:cNvPr>
-          <p:cNvPicPr>
-            <a:picLocks noChangeAspect="1"/>
-          </p:cNvPicPr>
-          <p:nvPr/>
-        </p:nvPicPr>
-        <p:blipFill>
-          <a:blip r:embed="rId4"/>
-          <a:stretch>
-            <a:fillRect/>
-          </a:stretch>
-        </p:blipFill>
-        <p:spPr>
-          <a:xfrm>
-            <a:off x="4296885" y="1351722"/>
-            <a:ext cx="4535415" cy="824621"/>
-          </a:xfrm>
-          <a:prstGeom prst="rect">
-            <a:avLst/>
-          </a:prstGeom>
-          <a:ln w="38100">
-            <a:solidFill>
-              <a:schemeClr val="accent5">
-                <a:lumMod val="75000"/>
-              </a:schemeClr>
-            </a:solidFill>
-          </a:ln>
-        </p:spPr>
-      </p:pic>
       <p:sp>
         <p:nvSpPr>
-          <p:cNvPr id="4" name="Rectangle 3">
-            <a:extLst>
-              <a:ext uri="{FF2B5EF4-FFF2-40B4-BE49-F238E27FC236}">
-                <a16:creationId xmlns:a16="http://schemas.microsoft.com/office/drawing/2014/main" id="{EEDDA7D2-5714-463F-87A2-DF583EEE9FAF}"/>
-              </a:ext>
-            </a:extLst>
-          </p:cNvPr>
-          <p:cNvSpPr/>
-          <p:nvPr/>
+          <p:cNvPr id="85" name="Google Shape;85;p18"/>
+          <p:cNvSpPr txBox="1">
+            <a:spLocks noGrp="1"/>
+          </p:cNvSpPr>
+          <p:nvPr>
+            <p:ph type="body" idx="1"/>
+          </p:nvPr>
         </p:nvSpPr>
         <p:spPr>
           <a:xfrm>
-            <a:off x="454193" y="3491948"/>
-            <a:ext cx="3412271" cy="1126435"/>
+            <a:off x="311700" y="1152475"/>
+            <a:ext cx="8520600" cy="3416400"/>
           </a:xfrm>
           <a:prstGeom prst="rect">
             <a:avLst/>
           </a:prstGeom>
         </p:spPr>
-        <p:style>
-          <a:lnRef idx="2">
-            <a:schemeClr val="accent1">
-              <a:shade val="50000"/>
-            </a:schemeClr>
-          </a:lnRef>
-          <a:fillRef idx="1">
-            <a:schemeClr val="accent1"/>
-          </a:fillRef>
-          <a:effectRef idx="0">
-            <a:schemeClr val="accent1"/>
-          </a:effectRef>
-          <a:fontRef idx="minor">
-            <a:schemeClr val="lt1"/>
-          </a:fontRef>
-        </p:style>
         <p:txBody>
-          <a:bodyPr rtlCol="0" anchor="ctr"/>
+          <a:bodyPr spcFirstLastPara="1" wrap="square" lIns="91425" tIns="91425" rIns="91425" bIns="91425" anchor="t" anchorCtr="0">
+            <a:noAutofit/>
+          </a:bodyPr>
           <a:lstStyle/>
           <a:p>
-            <a:pPr algn="ctr"/>
-            <a:r>
-              <a:rPr lang="en-NZ" dirty="0"/>
-              <a:t>Ran out of money (game ended as expected)</a:t>
-            </a:r>
-          </a:p>
-        </p:txBody>
-      </p:sp>
-      <p:sp>
-        <p:nvSpPr>
-          <p:cNvPr id="7" name="Rectangle 6">
-            <a:extLst>
-              <a:ext uri="{FF2B5EF4-FFF2-40B4-BE49-F238E27FC236}">
-                <a16:creationId xmlns:a16="http://schemas.microsoft.com/office/drawing/2014/main" id="{11B91268-3CFC-4ABD-80EF-E40C1C07C7F1}"/>
-              </a:ext>
-            </a:extLst>
-          </p:cNvPr>
-          <p:cNvSpPr/>
-          <p:nvPr/>
-        </p:nvSpPr>
-        <p:spPr>
-          <a:xfrm>
-            <a:off x="4296885" y="2451652"/>
-            <a:ext cx="4535415" cy="2166731"/>
-          </a:xfrm>
-          <a:prstGeom prst="rect">
-            <a:avLst/>
-          </a:prstGeom>
-        </p:spPr>
-        <p:style>
-          <a:lnRef idx="2">
-            <a:schemeClr val="accent5">
-              <a:shade val="50000"/>
-            </a:schemeClr>
-          </a:lnRef>
-          <a:fillRef idx="1">
-            <a:schemeClr val="accent5"/>
-          </a:fillRef>
-          <a:effectRef idx="0">
-            <a:schemeClr val="accent5"/>
-          </a:effectRef>
-          <a:fontRef idx="minor">
-            <a:schemeClr val="lt1"/>
-          </a:fontRef>
-        </p:style>
-        <p:txBody>
-          <a:bodyPr rtlCol="0" anchor="ctr"/>
-          <a:lstStyle/>
-          <a:p>
-            <a:pPr algn="ctr"/>
-            <a:r>
-              <a:rPr lang="en-NZ" dirty="0"/>
-              <a:t>Exit code works correctly. I need to add a ‘thanks for playing’ message at the end of the game. </a:t>
-            </a:r>
+            <a:pPr marL="0" lvl="0" indent="0" algn="l" rtl="0">
+              <a:spcBef>
+                <a:spcPts val="0"/>
+              </a:spcBef>
+              <a:spcAft>
+                <a:spcPts val="1600"/>
+              </a:spcAft>
+              <a:buNone/>
+            </a:pPr>
+            <a:endParaRPr lang="en-US" i="1" dirty="0"/>
           </a:p>
         </p:txBody>
       </p:sp>
     </p:spTree>
     <p:extLst>
       <p:ext uri="{BB962C8B-B14F-4D97-AF65-F5344CB8AC3E}">
-        <p14:creationId xmlns:p14="http://schemas.microsoft.com/office/powerpoint/2010/main" val="3868182765"/>
+        <p14:creationId xmlns:p14="http://schemas.microsoft.com/office/powerpoint/2010/main" val="824036131"/>
       </p:ext>
     </p:extLst>
   </p:cSld>
@@ -11089,7 +9449,7 @@
         </p:nvSpPr>
         <p:spPr>
           <a:xfrm>
-            <a:off x="311700" y="445025"/>
+            <a:off x="249823" y="486276"/>
             <a:ext cx="8520600" cy="572700"/>
           </a:xfrm>
           <a:prstGeom prst="rect">
@@ -11113,7 +9473,7 @@
             </a:pPr>
             <a:r>
               <a:rPr lang="en" b="1" dirty="0"/>
-              <a:t>Statement Decorater</a:t>
+              <a:t>Base component testing</a:t>
             </a:r>
             <a:endParaRPr b="1" dirty="0"/>
           </a:p>
@@ -11124,7 +9484,7 @@
           <p:cNvPr id="2" name="Picture 1">
             <a:extLst>
               <a:ext uri="{FF2B5EF4-FFF2-40B4-BE49-F238E27FC236}">
-                <a16:creationId xmlns:a16="http://schemas.microsoft.com/office/drawing/2014/main" id="{37C07843-29D5-4D2B-A53F-09D158671A5C}"/>
+                <a16:creationId xmlns:a16="http://schemas.microsoft.com/office/drawing/2014/main" id="{9E2D0C87-B05B-4E81-A6D2-DEB5FCA066C8}"/>
               </a:ext>
             </a:extLst>
           </p:cNvPr>
@@ -11141,960 +9501,8 @@
         </p:blipFill>
         <p:spPr>
           <a:xfrm>
-            <a:off x="5240981" y="1106557"/>
-            <a:ext cx="3162004" cy="3334578"/>
-          </a:xfrm>
-          <a:prstGeom prst="rect">
-            <a:avLst/>
-          </a:prstGeom>
-        </p:spPr>
-      </p:pic>
-      <p:sp>
-        <p:nvSpPr>
-          <p:cNvPr id="3" name="Rectangle 2">
-            <a:extLst>
-              <a:ext uri="{FF2B5EF4-FFF2-40B4-BE49-F238E27FC236}">
-                <a16:creationId xmlns:a16="http://schemas.microsoft.com/office/drawing/2014/main" id="{7991953D-73A4-4A39-92DD-31A27D06ECE0}"/>
-              </a:ext>
-            </a:extLst>
-          </p:cNvPr>
-          <p:cNvSpPr/>
-          <p:nvPr/>
-        </p:nvSpPr>
-        <p:spPr>
-          <a:xfrm>
-            <a:off x="609600" y="1398104"/>
-            <a:ext cx="3240157" cy="2875722"/>
-          </a:xfrm>
-          <a:prstGeom prst="rect">
-            <a:avLst/>
-          </a:prstGeom>
-        </p:spPr>
-        <p:style>
-          <a:lnRef idx="2">
-            <a:schemeClr val="accent1">
-              <a:shade val="50000"/>
-            </a:schemeClr>
-          </a:lnRef>
-          <a:fillRef idx="1">
-            <a:schemeClr val="accent1"/>
-          </a:fillRef>
-          <a:effectRef idx="0">
-            <a:schemeClr val="accent1"/>
-          </a:effectRef>
-          <a:fontRef idx="minor">
-            <a:schemeClr val="lt1"/>
-          </a:fontRef>
-        </p:style>
-        <p:txBody>
-          <a:bodyPr rtlCol="0" anchor="ctr"/>
-          <a:lstStyle/>
-          <a:p>
-            <a:pPr algn="ctr"/>
-            <a:r>
-              <a:rPr lang="en-NZ" dirty="0"/>
-              <a:t>I realised that we often need to make output stand out and creating a function to help do this makes sense. This component was added to the decomposition near the end of the game development process. </a:t>
-            </a:r>
-          </a:p>
-        </p:txBody>
-      </p:sp>
-    </p:spTree>
-    <p:extLst>
-      <p:ext uri="{BB962C8B-B14F-4D97-AF65-F5344CB8AC3E}">
-        <p14:creationId xmlns:p14="http://schemas.microsoft.com/office/powerpoint/2010/main" val="510691672"/>
-      </p:ext>
-    </p:extLst>
-  </p:cSld>
-  <p:clrMapOvr>
-    <a:masterClrMapping/>
-  </p:clrMapOvr>
-</p:sld>
-</file>
-
-<file path=ppt/slides/slide22.xml><?xml version="1.0" encoding="utf-8"?>
-<p:sld xmlns:a="http://schemas.openxmlformats.org/drawingml/2006/main" xmlns:r="http://schemas.openxmlformats.org/officeDocument/2006/relationships" xmlns:p="http://schemas.openxmlformats.org/presentationml/2006/main">
-  <p:cSld>
-    <p:spTree>
-      <p:nvGrpSpPr>
-        <p:cNvPr id="1" name="Shape 83"/>
-        <p:cNvGrpSpPr/>
-        <p:nvPr/>
-      </p:nvGrpSpPr>
-      <p:grpSpPr>
-        <a:xfrm>
-          <a:off x="0" y="0"/>
-          <a:ext cx="0" cy="0"/>
-          <a:chOff x="0" y="0"/>
-          <a:chExt cx="0" cy="0"/>
-        </a:xfrm>
-      </p:grpSpPr>
-      <p:sp>
-        <p:nvSpPr>
-          <p:cNvPr id="84" name="Google Shape;84;p18"/>
-          <p:cNvSpPr txBox="1">
-            <a:spLocks noGrp="1"/>
-          </p:cNvSpPr>
-          <p:nvPr>
-            <p:ph type="title"/>
-          </p:nvPr>
-        </p:nvSpPr>
-        <p:spPr>
-          <a:xfrm>
-            <a:off x="311700" y="445025"/>
-            <a:ext cx="8520600" cy="572700"/>
-          </a:xfrm>
-          <a:prstGeom prst="rect">
-            <a:avLst/>
-          </a:prstGeom>
-        </p:spPr>
-        <p:txBody>
-          <a:bodyPr spcFirstLastPara="1" wrap="square" lIns="91425" tIns="91425" rIns="91425" bIns="91425" anchor="t" anchorCtr="0">
-            <a:noAutofit/>
-          </a:bodyPr>
-          <a:lstStyle/>
-          <a:p>
-            <a:pPr marL="0" lvl="0" indent="0" algn="l" rtl="0">
-              <a:spcBef>
-                <a:spcPts val="0"/>
-              </a:spcBef>
-              <a:spcAft>
-                <a:spcPts val="0"/>
-              </a:spcAft>
-              <a:buNone/>
-            </a:pPr>
-            <a:r>
-              <a:rPr lang="en" b="1" dirty="0"/>
-              <a:t>Statement Decorator Test Plan</a:t>
-            </a:r>
-            <a:endParaRPr b="1" dirty="0"/>
-          </a:p>
-        </p:txBody>
-      </p:sp>
-      <p:graphicFrame>
-        <p:nvGraphicFramePr>
-          <p:cNvPr id="2" name="Table 2">
-            <a:extLst>
-              <a:ext uri="{FF2B5EF4-FFF2-40B4-BE49-F238E27FC236}">
-                <a16:creationId xmlns:a16="http://schemas.microsoft.com/office/drawing/2014/main" id="{32316447-1E56-4EC3-98E9-2650496ADF3C}"/>
-              </a:ext>
-            </a:extLst>
-          </p:cNvPr>
-          <p:cNvGraphicFramePr>
-            <a:graphicFrameLocks noGrp="1"/>
-          </p:cNvGraphicFramePr>
-          <p:nvPr>
-            <p:extLst>
-              <p:ext uri="{D42A27DB-BD31-4B8C-83A1-F6EECF244321}">
-                <p14:modId xmlns:p14="http://schemas.microsoft.com/office/powerpoint/2010/main" val="1112157639"/>
-              </p:ext>
-            </p:extLst>
-          </p:nvPr>
-        </p:nvGraphicFramePr>
-        <p:xfrm>
-          <a:off x="430694" y="1301750"/>
-          <a:ext cx="8401606" cy="2008081"/>
-        </p:xfrm>
-        <a:graphic>
-          <a:graphicData uri="http://schemas.openxmlformats.org/drawingml/2006/table">
-            <a:tbl>
-              <a:tblPr firstRow="1" bandRow="1">
-                <a:tableStyleId>{5DC7D775-D85B-40C0-ACD5-9A98D17F5DE4}</a:tableStyleId>
-              </a:tblPr>
-              <a:tblGrid>
-                <a:gridCol w="4200803">
-                  <a:extLst>
-                    <a:ext uri="{9D8B030D-6E8A-4147-A177-3AD203B41FA5}">
-                      <a16:colId xmlns:a16="http://schemas.microsoft.com/office/drawing/2014/main" val="815249304"/>
-                    </a:ext>
-                  </a:extLst>
-                </a:gridCol>
-                <a:gridCol w="4200803">
-                  <a:extLst>
-                    <a:ext uri="{9D8B030D-6E8A-4147-A177-3AD203B41FA5}">
-                      <a16:colId xmlns:a16="http://schemas.microsoft.com/office/drawing/2014/main" val="726265547"/>
-                    </a:ext>
-                  </a:extLst>
-                </a:gridCol>
-              </a:tblGrid>
-              <a:tr h="331681">
-                <a:tc>
-                  <a:txBody>
-                    <a:bodyPr/>
-                    <a:lstStyle/>
-                    <a:p>
-                      <a:r>
-                        <a:rPr lang="en-NZ" dirty="0"/>
-                        <a:t>Test Case</a:t>
-                      </a:r>
-                    </a:p>
-                  </a:txBody>
-                  <a:tcPr/>
-                </a:tc>
-                <a:tc>
-                  <a:txBody>
-                    <a:bodyPr/>
-                    <a:lstStyle/>
-                    <a:p>
-                      <a:r>
-                        <a:rPr lang="en-NZ" dirty="0"/>
-                        <a:t>Expected</a:t>
-                      </a:r>
-                    </a:p>
-                  </a:txBody>
-                  <a:tcPr/>
-                </a:tc>
-                <a:extLst>
-                  <a:ext uri="{0D108BD9-81ED-4DB2-BD59-A6C34878D82A}">
-                    <a16:rowId xmlns:a16="http://schemas.microsoft.com/office/drawing/2014/main" val="1258797496"/>
-                  </a:ext>
-                </a:extLst>
-              </a:tr>
-              <a:tr h="845106">
-                <a:tc>
-                  <a:txBody>
-                    <a:bodyPr/>
-                    <a:lstStyle/>
-                    <a:p>
-                      <a:r>
-                        <a:rPr lang="en-NZ" dirty="0"/>
-                        <a:t>Statement 1: Welcome to the Lucky Unicorn Game</a:t>
-                      </a:r>
-                    </a:p>
-                    <a:p>
-                      <a:r>
-                        <a:rPr lang="en-NZ" dirty="0"/>
-                        <a:t>Decoration “*”</a:t>
-                      </a:r>
-                    </a:p>
-                    <a:p>
-                      <a:r>
-                        <a:rPr lang="en-NZ" dirty="0"/>
-                        <a:t>Add some colour with </a:t>
-                      </a:r>
-                      <a:r>
-                        <a:rPr lang="en-NZ" dirty="0" err="1"/>
-                        <a:t>colorama</a:t>
-                      </a:r>
-                      <a:r>
-                        <a:rPr lang="en-NZ" dirty="0"/>
-                        <a:t>, only works when using the terminal. </a:t>
-                      </a:r>
-                    </a:p>
-                  </a:txBody>
-                  <a:tcPr/>
-                </a:tc>
-                <a:tc>
-                  <a:txBody>
-                    <a:bodyPr/>
-                    <a:lstStyle/>
-                    <a:p>
-                      <a:pPr algn="ctr"/>
-                      <a:r>
-                        <a:rPr lang="en-NZ" dirty="0"/>
-                        <a:t>********************************************************Welcome to the Lucky Unicorn Game ********************************************************</a:t>
-                      </a:r>
-                    </a:p>
-                  </a:txBody>
-                  <a:tcPr/>
-                </a:tc>
-                <a:extLst>
-                  <a:ext uri="{0D108BD9-81ED-4DB2-BD59-A6C34878D82A}">
-                    <a16:rowId xmlns:a16="http://schemas.microsoft.com/office/drawing/2014/main" val="1554420525"/>
-                  </a:ext>
-                </a:extLst>
-              </a:tr>
-              <a:tr h="463445">
-                <a:tc>
-                  <a:txBody>
-                    <a:bodyPr/>
-                    <a:lstStyle/>
-                    <a:p>
-                      <a:r>
-                        <a:rPr lang="en-NZ" dirty="0"/>
-                        <a:t>Statement 2: Congratulations you got a Unicorn Decoration ”!”</a:t>
-                      </a:r>
-                    </a:p>
-                  </a:txBody>
-                  <a:tcPr/>
-                </a:tc>
-                <a:tc>
-                  <a:txBody>
-                    <a:bodyPr/>
-                    <a:lstStyle/>
-                    <a:p>
-                      <a:pPr algn="ctr"/>
-                      <a:r>
-                        <a:rPr lang="en-NZ" dirty="0"/>
-                        <a:t>!!!!!!!!!!!!!!!!!!!!!!!!!!!!!!!!!!!!!!!!!!!!!!!!!!!!!!!!!!!!!!!!!!!!!!!!!!!!!!!!!Congratulations you got a Unicorn</a:t>
-                      </a:r>
-                    </a:p>
-                    <a:p>
-                      <a:pPr algn="ctr"/>
-                      <a:r>
-                        <a:rPr lang="en-NZ" dirty="0"/>
-                        <a:t>!!!!!!!!!!!!!!!!!!!!!!!!!!!!!!!!!!!!!!!!!!!!!!!!!!!!!!!!!!!!!!!!!!!!!!!!!!!!!!!!!</a:t>
-                      </a:r>
-                    </a:p>
-                  </a:txBody>
-                  <a:tcPr/>
-                </a:tc>
-                <a:extLst>
-                  <a:ext uri="{0D108BD9-81ED-4DB2-BD59-A6C34878D82A}">
-                    <a16:rowId xmlns:a16="http://schemas.microsoft.com/office/drawing/2014/main" val="983294470"/>
-                  </a:ext>
-                </a:extLst>
-              </a:tr>
-            </a:tbl>
-          </a:graphicData>
-        </a:graphic>
-      </p:graphicFrame>
-    </p:spTree>
-    <p:extLst>
-      <p:ext uri="{BB962C8B-B14F-4D97-AF65-F5344CB8AC3E}">
-        <p14:creationId xmlns:p14="http://schemas.microsoft.com/office/powerpoint/2010/main" val="1491597444"/>
-      </p:ext>
-    </p:extLst>
-  </p:cSld>
-  <p:clrMapOvr>
-    <a:masterClrMapping/>
-  </p:clrMapOvr>
-</p:sld>
-</file>
-
-<file path=ppt/slides/slide23.xml><?xml version="1.0" encoding="utf-8"?>
-<p:sld xmlns:a="http://schemas.openxmlformats.org/drawingml/2006/main" xmlns:r="http://schemas.openxmlformats.org/officeDocument/2006/relationships" xmlns:p="http://schemas.openxmlformats.org/presentationml/2006/main">
-  <p:cSld>
-    <p:spTree>
-      <p:nvGrpSpPr>
-        <p:cNvPr id="1" name="Shape 83"/>
-        <p:cNvGrpSpPr/>
-        <p:nvPr/>
-      </p:nvGrpSpPr>
-      <p:grpSpPr>
-        <a:xfrm>
-          <a:off x="0" y="0"/>
-          <a:ext cx="0" cy="0"/>
-          <a:chOff x="0" y="0"/>
-          <a:chExt cx="0" cy="0"/>
-        </a:xfrm>
-      </p:grpSpPr>
-      <p:sp>
-        <p:nvSpPr>
-          <p:cNvPr id="84" name="Google Shape;84;p18"/>
-          <p:cNvSpPr txBox="1">
-            <a:spLocks noGrp="1"/>
-          </p:cNvSpPr>
-          <p:nvPr>
-            <p:ph type="title"/>
-          </p:nvPr>
-        </p:nvSpPr>
-        <p:spPr>
-          <a:xfrm>
-            <a:off x="311700" y="445025"/>
-            <a:ext cx="8520600" cy="572700"/>
-          </a:xfrm>
-          <a:prstGeom prst="rect">
-            <a:avLst/>
-          </a:prstGeom>
-        </p:spPr>
-        <p:txBody>
-          <a:bodyPr spcFirstLastPara="1" wrap="square" lIns="91425" tIns="91425" rIns="91425" bIns="91425" anchor="t" anchorCtr="0">
-            <a:noAutofit/>
-          </a:bodyPr>
-          <a:lstStyle/>
-          <a:p>
-            <a:pPr marL="0" lvl="0" indent="0" algn="l" rtl="0">
-              <a:spcBef>
-                <a:spcPts val="0"/>
-              </a:spcBef>
-              <a:spcAft>
-                <a:spcPts val="0"/>
-              </a:spcAft>
-              <a:buNone/>
-            </a:pPr>
-            <a:r>
-              <a:rPr lang="en" b="1" dirty="0"/>
-              <a:t>Completed Game – Test Plan (part 1)</a:t>
-            </a:r>
-            <a:endParaRPr b="1" dirty="0"/>
-          </a:p>
-        </p:txBody>
-      </p:sp>
-      <p:graphicFrame>
-        <p:nvGraphicFramePr>
-          <p:cNvPr id="2" name="Table 2">
-            <a:extLst>
-              <a:ext uri="{FF2B5EF4-FFF2-40B4-BE49-F238E27FC236}">
-                <a16:creationId xmlns:a16="http://schemas.microsoft.com/office/drawing/2014/main" id="{8AB45219-9BD4-47AE-85D6-8DCF8779BA34}"/>
-              </a:ext>
-            </a:extLst>
-          </p:cNvPr>
-          <p:cNvGraphicFramePr>
-            <a:graphicFrameLocks noGrp="1"/>
-          </p:cNvGraphicFramePr>
-          <p:nvPr>
-            <p:extLst>
-              <p:ext uri="{D42A27DB-BD31-4B8C-83A1-F6EECF244321}">
-                <p14:modId xmlns:p14="http://schemas.microsoft.com/office/powerpoint/2010/main" val="2498923454"/>
-              </p:ext>
-            </p:extLst>
-          </p:nvPr>
-        </p:nvGraphicFramePr>
-        <p:xfrm>
-          <a:off x="443948" y="1255367"/>
-          <a:ext cx="6096000" cy="3235960"/>
-        </p:xfrm>
-        <a:graphic>
-          <a:graphicData uri="http://schemas.openxmlformats.org/drawingml/2006/table">
-            <a:tbl>
-              <a:tblPr firstRow="1" bandRow="1">
-                <a:tableStyleId>{5DC7D775-D85B-40C0-ACD5-9A98D17F5DE4}</a:tableStyleId>
-              </a:tblPr>
-              <a:tblGrid>
-                <a:gridCol w="3048000">
-                  <a:extLst>
-                    <a:ext uri="{9D8B030D-6E8A-4147-A177-3AD203B41FA5}">
-                      <a16:colId xmlns:a16="http://schemas.microsoft.com/office/drawing/2014/main" val="3499504866"/>
-                    </a:ext>
-                  </a:extLst>
-                </a:gridCol>
-                <a:gridCol w="3048000">
-                  <a:extLst>
-                    <a:ext uri="{9D8B030D-6E8A-4147-A177-3AD203B41FA5}">
-                      <a16:colId xmlns:a16="http://schemas.microsoft.com/office/drawing/2014/main" val="3882733627"/>
-                    </a:ext>
-                  </a:extLst>
-                </a:gridCol>
-              </a:tblGrid>
-              <a:tr h="370840">
-                <a:tc>
-                  <a:txBody>
-                    <a:bodyPr/>
-                    <a:lstStyle/>
-                    <a:p>
-                      <a:r>
-                        <a:rPr lang="en-NZ" dirty="0"/>
-                        <a:t>Test Case</a:t>
-                      </a:r>
-                    </a:p>
-                  </a:txBody>
-                  <a:tcPr/>
-                </a:tc>
-                <a:tc>
-                  <a:txBody>
-                    <a:bodyPr/>
-                    <a:lstStyle/>
-                    <a:p>
-                      <a:r>
-                        <a:rPr lang="en-NZ" dirty="0"/>
-                        <a:t>Expected</a:t>
-                      </a:r>
-                    </a:p>
-                  </a:txBody>
-                  <a:tcPr/>
-                </a:tc>
-                <a:extLst>
-                  <a:ext uri="{0D108BD9-81ED-4DB2-BD59-A6C34878D82A}">
-                    <a16:rowId xmlns:a16="http://schemas.microsoft.com/office/drawing/2014/main" val="1983161952"/>
-                  </a:ext>
-                </a:extLst>
-              </a:tr>
-              <a:tr h="370840">
-                <a:tc>
-                  <a:txBody>
-                    <a:bodyPr/>
-                    <a:lstStyle/>
-                    <a:p>
-                      <a:r>
-                        <a:rPr lang="en-NZ" dirty="0"/>
-                        <a:t>Run Program</a:t>
-                      </a:r>
-                    </a:p>
-                    <a:p>
-                      <a:r>
-                        <a:rPr lang="en-NZ" dirty="0"/>
-                        <a:t>Played Before? Maybe</a:t>
-                      </a:r>
-                    </a:p>
-                    <a:p>
-                      <a:r>
-                        <a:rPr lang="en-NZ" dirty="0"/>
-                        <a:t>Instructions? Yes</a:t>
-                      </a:r>
-                    </a:p>
-                    <a:p>
-                      <a:endParaRPr lang="en-NZ" dirty="0"/>
-                    </a:p>
-                    <a:p>
-                      <a:r>
-                        <a:rPr lang="en-NZ" dirty="0"/>
-                        <a:t>Amount? </a:t>
-                      </a:r>
-                      <a:r>
-                        <a:rPr lang="en-NZ" dirty="0" err="1"/>
-                        <a:t>Xlii</a:t>
-                      </a:r>
-                      <a:r>
-                        <a:rPr lang="en-NZ" dirty="0"/>
-                        <a:t>, 0.5, 0, 11, 1</a:t>
-                      </a:r>
-                    </a:p>
-                    <a:p>
-                      <a:r>
-                        <a:rPr lang="en-NZ" dirty="0"/>
-                        <a:t>Try above amounts to confirm number checker called correctly</a:t>
-                      </a:r>
-                    </a:p>
-                    <a:p>
-                      <a:endParaRPr lang="en-NZ" dirty="0"/>
-                    </a:p>
-                    <a:p>
-                      <a:r>
-                        <a:rPr lang="en-NZ" dirty="0"/>
-                        <a:t>Play until money runs out</a:t>
-                      </a:r>
-                    </a:p>
-                  </a:txBody>
-                  <a:tcPr/>
-                </a:tc>
-                <a:tc>
-                  <a:txBody>
-                    <a:bodyPr/>
-                    <a:lstStyle/>
-                    <a:p>
-                      <a:r>
-                        <a:rPr lang="en-NZ" dirty="0"/>
-                        <a:t>Welcome message displays</a:t>
-                      </a:r>
-                    </a:p>
-                    <a:p>
-                      <a:endParaRPr lang="en-NZ" dirty="0"/>
-                    </a:p>
-                    <a:p>
-                      <a:r>
-                        <a:rPr lang="en-NZ" dirty="0"/>
-                        <a:t>Error – please type y/n</a:t>
-                      </a:r>
-                    </a:p>
-                    <a:p>
-                      <a:endParaRPr lang="en-NZ" dirty="0"/>
-                    </a:p>
-                    <a:p>
-                      <a:r>
-                        <a:rPr lang="en-NZ" dirty="0"/>
-                        <a:t>Error for xlii, 0.5, 0, and 11</a:t>
-                      </a:r>
-                    </a:p>
-                    <a:p>
-                      <a:endParaRPr lang="en-NZ" dirty="0"/>
-                    </a:p>
-                    <a:p>
-                      <a:r>
-                        <a:rPr lang="en-NZ" dirty="0"/>
-                        <a:t>Random Token generated and score updated (most likely outcome is a single round game unless we get a unicorn)</a:t>
-                      </a:r>
-                    </a:p>
-                    <a:p>
-                      <a:endParaRPr lang="en-NZ" dirty="0"/>
-                    </a:p>
-                    <a:p>
-                      <a:r>
-                        <a:rPr lang="en-NZ" dirty="0"/>
-                        <a:t>Stats show starting amount of 1 and balance of either $0.50 or $0.00</a:t>
-                      </a:r>
-                    </a:p>
-                  </a:txBody>
-                  <a:tcPr/>
-                </a:tc>
-                <a:extLst>
-                  <a:ext uri="{0D108BD9-81ED-4DB2-BD59-A6C34878D82A}">
-                    <a16:rowId xmlns:a16="http://schemas.microsoft.com/office/drawing/2014/main" val="4196382038"/>
-                  </a:ext>
-                </a:extLst>
-              </a:tr>
-            </a:tbl>
-          </a:graphicData>
-        </a:graphic>
-      </p:graphicFrame>
-    </p:spTree>
-    <p:extLst>
-      <p:ext uri="{BB962C8B-B14F-4D97-AF65-F5344CB8AC3E}">
-        <p14:creationId xmlns:p14="http://schemas.microsoft.com/office/powerpoint/2010/main" val="2708298385"/>
-      </p:ext>
-    </p:extLst>
-  </p:cSld>
-  <p:clrMapOvr>
-    <a:masterClrMapping/>
-  </p:clrMapOvr>
-</p:sld>
-</file>
-
-<file path=ppt/slides/slide24.xml><?xml version="1.0" encoding="utf-8"?>
-<p:sld xmlns:a="http://schemas.openxmlformats.org/drawingml/2006/main" xmlns:r="http://schemas.openxmlformats.org/officeDocument/2006/relationships" xmlns:p="http://schemas.openxmlformats.org/presentationml/2006/main">
-  <p:cSld>
-    <p:spTree>
-      <p:nvGrpSpPr>
-        <p:cNvPr id="1" name="Shape 83"/>
-        <p:cNvGrpSpPr/>
-        <p:nvPr/>
-      </p:nvGrpSpPr>
-      <p:grpSpPr>
-        <a:xfrm>
-          <a:off x="0" y="0"/>
-          <a:ext cx="0" cy="0"/>
-          <a:chOff x="0" y="0"/>
-          <a:chExt cx="0" cy="0"/>
-        </a:xfrm>
-      </p:grpSpPr>
-      <p:sp>
-        <p:nvSpPr>
-          <p:cNvPr id="84" name="Google Shape;84;p18"/>
-          <p:cNvSpPr txBox="1">
-            <a:spLocks noGrp="1"/>
-          </p:cNvSpPr>
-          <p:nvPr>
-            <p:ph type="title"/>
-          </p:nvPr>
-        </p:nvSpPr>
-        <p:spPr>
-          <a:xfrm>
-            <a:off x="311700" y="445025"/>
-            <a:ext cx="8520600" cy="572700"/>
-          </a:xfrm>
-          <a:prstGeom prst="rect">
-            <a:avLst/>
-          </a:prstGeom>
-        </p:spPr>
-        <p:txBody>
-          <a:bodyPr spcFirstLastPara="1" wrap="square" lIns="91425" tIns="91425" rIns="91425" bIns="91425" anchor="t" anchorCtr="0">
-            <a:noAutofit/>
-          </a:bodyPr>
-          <a:lstStyle/>
-          <a:p>
-            <a:pPr marL="0" lvl="0" indent="0" algn="l" rtl="0">
-              <a:spcBef>
-                <a:spcPts val="0"/>
-              </a:spcBef>
-              <a:spcAft>
-                <a:spcPts val="0"/>
-              </a:spcAft>
-              <a:buNone/>
-            </a:pPr>
-            <a:r>
-              <a:rPr lang="en" b="1" dirty="0"/>
-              <a:t>Completed Game – Test Plan (part 2)</a:t>
-            </a:r>
-            <a:endParaRPr b="1" dirty="0"/>
-          </a:p>
-        </p:txBody>
-      </p:sp>
-      <p:graphicFrame>
-        <p:nvGraphicFramePr>
-          <p:cNvPr id="2" name="Table 2">
-            <a:extLst>
-              <a:ext uri="{FF2B5EF4-FFF2-40B4-BE49-F238E27FC236}">
-                <a16:creationId xmlns:a16="http://schemas.microsoft.com/office/drawing/2014/main" id="{8AB45219-9BD4-47AE-85D6-8DCF8779BA34}"/>
-              </a:ext>
-            </a:extLst>
-          </p:cNvPr>
-          <p:cNvGraphicFramePr>
-            <a:graphicFrameLocks noGrp="1"/>
-          </p:cNvGraphicFramePr>
-          <p:nvPr>
-            <p:extLst>
-              <p:ext uri="{D42A27DB-BD31-4B8C-83A1-F6EECF244321}">
-                <p14:modId xmlns:p14="http://schemas.microsoft.com/office/powerpoint/2010/main" val="3184602450"/>
-              </p:ext>
-            </p:extLst>
-          </p:nvPr>
-        </p:nvGraphicFramePr>
-        <p:xfrm>
-          <a:off x="443947" y="1255367"/>
-          <a:ext cx="8282608" cy="3022600"/>
-        </p:xfrm>
-        <a:graphic>
-          <a:graphicData uri="http://schemas.openxmlformats.org/drawingml/2006/table">
-            <a:tbl>
-              <a:tblPr firstRow="1" bandRow="1">
-                <a:tableStyleId>{5DC7D775-D85B-40C0-ACD5-9A98D17F5DE4}</a:tableStyleId>
-              </a:tblPr>
-              <a:tblGrid>
-                <a:gridCol w="4141304">
-                  <a:extLst>
-                    <a:ext uri="{9D8B030D-6E8A-4147-A177-3AD203B41FA5}">
-                      <a16:colId xmlns:a16="http://schemas.microsoft.com/office/drawing/2014/main" val="3499504866"/>
-                    </a:ext>
-                  </a:extLst>
-                </a:gridCol>
-                <a:gridCol w="4141304">
-                  <a:extLst>
-                    <a:ext uri="{9D8B030D-6E8A-4147-A177-3AD203B41FA5}">
-                      <a16:colId xmlns:a16="http://schemas.microsoft.com/office/drawing/2014/main" val="3882733627"/>
-                    </a:ext>
-                  </a:extLst>
-                </a:gridCol>
-              </a:tblGrid>
-              <a:tr h="370840">
-                <a:tc>
-                  <a:txBody>
-                    <a:bodyPr/>
-                    <a:lstStyle/>
-                    <a:p>
-                      <a:r>
-                        <a:rPr lang="en-NZ" dirty="0"/>
-                        <a:t>Test Case</a:t>
-                      </a:r>
-                    </a:p>
-                  </a:txBody>
-                  <a:tcPr/>
-                </a:tc>
-                <a:tc>
-                  <a:txBody>
-                    <a:bodyPr/>
-                    <a:lstStyle/>
-                    <a:p>
-                      <a:r>
-                        <a:rPr lang="en-NZ" dirty="0"/>
-                        <a:t>Expected</a:t>
-                      </a:r>
-                    </a:p>
-                  </a:txBody>
-                  <a:tcPr/>
-                </a:tc>
-                <a:extLst>
-                  <a:ext uri="{0D108BD9-81ED-4DB2-BD59-A6C34878D82A}">
-                    <a16:rowId xmlns:a16="http://schemas.microsoft.com/office/drawing/2014/main" val="1983161952"/>
-                  </a:ext>
-                </a:extLst>
-              </a:tr>
-              <a:tr h="370840">
-                <a:tc>
-                  <a:txBody>
-                    <a:bodyPr/>
-                    <a:lstStyle/>
-                    <a:p>
-                      <a:r>
-                        <a:rPr lang="en-NZ" dirty="0"/>
-                        <a:t>Run Program</a:t>
-                      </a:r>
-                    </a:p>
-                    <a:p>
-                      <a:r>
-                        <a:rPr lang="en-NZ" dirty="0"/>
-                        <a:t>Instructions? n</a:t>
-                      </a:r>
-                    </a:p>
-                    <a:p>
-                      <a:endParaRPr lang="en-NZ" dirty="0"/>
-                    </a:p>
-                    <a:p>
-                      <a:r>
-                        <a:rPr lang="en-NZ" dirty="0"/>
-                        <a:t>Amount? 10</a:t>
-                      </a:r>
-                    </a:p>
-                    <a:p>
-                      <a:endParaRPr lang="en-NZ" dirty="0"/>
-                    </a:p>
-                    <a:p>
-                      <a:r>
-                        <a:rPr lang="en-NZ" dirty="0"/>
-                        <a:t>Play </a:t>
-                      </a:r>
-                      <a:r>
-                        <a:rPr lang="en-NZ" dirty="0" err="1"/>
-                        <a:t>untilbalance</a:t>
-                      </a:r>
-                      <a:r>
-                        <a:rPr lang="en-NZ" dirty="0"/>
-                        <a:t> is $3.00 / $2.50, then press ‘xxx’ to quit</a:t>
-                      </a:r>
-                    </a:p>
-                  </a:txBody>
-                  <a:tcPr/>
-                </a:tc>
-                <a:tc>
-                  <a:txBody>
-                    <a:bodyPr/>
-                    <a:lstStyle/>
-                    <a:p>
-                      <a:r>
-                        <a:rPr lang="en-NZ" dirty="0"/>
-                        <a:t>Welcome message displays</a:t>
-                      </a:r>
-                    </a:p>
-                    <a:p>
-                      <a:endParaRPr lang="en-NZ" dirty="0"/>
-                    </a:p>
-                    <a:p>
-                      <a:r>
-                        <a:rPr lang="en-NZ" dirty="0"/>
-                        <a:t>Instructions are displayed</a:t>
-                      </a:r>
-                    </a:p>
-                    <a:p>
-                      <a:endParaRPr lang="en-NZ" dirty="0"/>
-                    </a:p>
-                    <a:p>
-                      <a:r>
-                        <a:rPr lang="en-NZ" dirty="0"/>
-                        <a:t>Random Token generated each time user presses &lt;enter&gt; and balance is updated (lose $1 for donkeys, lose 50c for horse / zebra and gain $4.00 for unicorns).</a:t>
-                      </a:r>
-                    </a:p>
-                    <a:p>
-                      <a:r>
-                        <a:rPr lang="en-NZ" dirty="0"/>
-                        <a:t>Balance should decrease over time</a:t>
-                      </a:r>
-                    </a:p>
-                    <a:p>
-                      <a:endParaRPr lang="en-NZ" dirty="0"/>
-                    </a:p>
-                    <a:p>
-                      <a:r>
-                        <a:rPr lang="en-NZ" dirty="0"/>
-                        <a:t>Stats show starting amount of $10 and final balance of either $2.50 or $3.00</a:t>
-                      </a:r>
-                    </a:p>
-                  </a:txBody>
-                  <a:tcPr/>
-                </a:tc>
-                <a:extLst>
-                  <a:ext uri="{0D108BD9-81ED-4DB2-BD59-A6C34878D82A}">
-                    <a16:rowId xmlns:a16="http://schemas.microsoft.com/office/drawing/2014/main" val="4196382038"/>
-                  </a:ext>
-                </a:extLst>
-              </a:tr>
-            </a:tbl>
-          </a:graphicData>
-        </a:graphic>
-      </p:graphicFrame>
-    </p:spTree>
-    <p:extLst>
-      <p:ext uri="{BB962C8B-B14F-4D97-AF65-F5344CB8AC3E}">
-        <p14:creationId xmlns:p14="http://schemas.microsoft.com/office/powerpoint/2010/main" val="2455665964"/>
-      </p:ext>
-    </p:extLst>
-  </p:cSld>
-  <p:clrMapOvr>
-    <a:masterClrMapping/>
-  </p:clrMapOvr>
-</p:sld>
-</file>
-
-<file path=ppt/slides/slide25.xml><?xml version="1.0" encoding="utf-8"?>
-<p:sld xmlns:a="http://schemas.openxmlformats.org/drawingml/2006/main" xmlns:r="http://schemas.openxmlformats.org/officeDocument/2006/relationships" xmlns:p="http://schemas.openxmlformats.org/presentationml/2006/main">
-  <p:cSld>
-    <p:spTree>
-      <p:nvGrpSpPr>
-        <p:cNvPr id="1" name="Shape 83"/>
-        <p:cNvGrpSpPr/>
-        <p:nvPr/>
-      </p:nvGrpSpPr>
-      <p:grpSpPr>
-        <a:xfrm>
-          <a:off x="0" y="0"/>
-          <a:ext cx="0" cy="0"/>
-          <a:chOff x="0" y="0"/>
-          <a:chExt cx="0" cy="0"/>
-        </a:xfrm>
-      </p:grpSpPr>
-      <p:sp>
-        <p:nvSpPr>
-          <p:cNvPr id="84" name="Google Shape;84;p18"/>
-          <p:cNvSpPr txBox="1">
-            <a:spLocks noGrp="1"/>
-          </p:cNvSpPr>
-          <p:nvPr>
-            <p:ph type="title"/>
-          </p:nvPr>
-        </p:nvSpPr>
-        <p:spPr>
-          <a:xfrm>
-            <a:off x="311700" y="445025"/>
-            <a:ext cx="8520600" cy="572700"/>
-          </a:xfrm>
-          <a:prstGeom prst="rect">
-            <a:avLst/>
-          </a:prstGeom>
-        </p:spPr>
-        <p:txBody>
-          <a:bodyPr spcFirstLastPara="1" wrap="square" lIns="91425" tIns="91425" rIns="91425" bIns="91425" anchor="t" anchorCtr="0">
-            <a:noAutofit/>
-          </a:bodyPr>
-          <a:lstStyle/>
-          <a:p>
-            <a:pPr marL="0" lvl="0" indent="0" algn="l" rtl="0">
-              <a:spcBef>
-                <a:spcPts val="0"/>
-              </a:spcBef>
-              <a:spcAft>
-                <a:spcPts val="0"/>
-              </a:spcAft>
-              <a:buNone/>
-            </a:pPr>
-            <a:r>
-              <a:rPr lang="en" b="1" dirty="0"/>
-              <a:t>Completed Game – Test Plan (part 1)</a:t>
-            </a:r>
-            <a:endParaRPr b="1" dirty="0"/>
-          </a:p>
-        </p:txBody>
-      </p:sp>
-      <p:pic>
-        <p:nvPicPr>
-          <p:cNvPr id="4" name="Picture 3">
-            <a:extLst>
-              <a:ext uri="{FF2B5EF4-FFF2-40B4-BE49-F238E27FC236}">
-                <a16:creationId xmlns:a16="http://schemas.microsoft.com/office/drawing/2014/main" id="{ACD70526-7328-49EC-9F7A-6326E671A8D6}"/>
-              </a:ext>
-            </a:extLst>
-          </p:cNvPr>
-          <p:cNvPicPr>
-            <a:picLocks noChangeAspect="1"/>
-          </p:cNvPicPr>
-          <p:nvPr/>
-        </p:nvPicPr>
-        <p:blipFill>
-          <a:blip r:embed="rId3"/>
-          <a:stretch>
-            <a:fillRect/>
-          </a:stretch>
-        </p:blipFill>
-        <p:spPr>
-          <a:xfrm>
-            <a:off x="205681" y="1342721"/>
-            <a:ext cx="4565404" cy="3011429"/>
-          </a:xfrm>
-          <a:prstGeom prst="rect">
-            <a:avLst/>
-          </a:prstGeom>
-        </p:spPr>
-      </p:pic>
-      <p:pic>
-        <p:nvPicPr>
-          <p:cNvPr id="5" name="Picture 4">
-            <a:extLst>
-              <a:ext uri="{FF2B5EF4-FFF2-40B4-BE49-F238E27FC236}">
-                <a16:creationId xmlns:a16="http://schemas.microsoft.com/office/drawing/2014/main" id="{7CF615D4-6F30-4893-94E9-A092E1AD8FA7}"/>
-              </a:ext>
-            </a:extLst>
-          </p:cNvPr>
-          <p:cNvPicPr>
-            <a:picLocks noChangeAspect="1"/>
-          </p:cNvPicPr>
-          <p:nvPr/>
-        </p:nvPicPr>
-        <p:blipFill>
-          <a:blip r:embed="rId4"/>
-          <a:stretch>
-            <a:fillRect/>
-          </a:stretch>
-        </p:blipFill>
-        <p:spPr>
-          <a:xfrm>
-            <a:off x="4870175" y="1342721"/>
-            <a:ext cx="3962126" cy="3081654"/>
+            <a:off x="1742680" y="1228537"/>
+            <a:ext cx="5658640" cy="2686425"/>
           </a:xfrm>
           <a:prstGeom prst="rect">
             <a:avLst/>
@@ -12104,528 +9512,7 @@
     </p:spTree>
     <p:extLst>
       <p:ext uri="{BB962C8B-B14F-4D97-AF65-F5344CB8AC3E}">
-        <p14:creationId xmlns:p14="http://schemas.microsoft.com/office/powerpoint/2010/main" val="3904289725"/>
-      </p:ext>
-    </p:extLst>
-  </p:cSld>
-  <p:clrMapOvr>
-    <a:masterClrMapping/>
-  </p:clrMapOvr>
-</p:sld>
-</file>
-
-<file path=ppt/slides/slide26.xml><?xml version="1.0" encoding="utf-8"?>
-<p:sld xmlns:a="http://schemas.openxmlformats.org/drawingml/2006/main" xmlns:r="http://schemas.openxmlformats.org/officeDocument/2006/relationships" xmlns:p="http://schemas.openxmlformats.org/presentationml/2006/main">
-  <p:cSld>
-    <p:spTree>
-      <p:nvGrpSpPr>
-        <p:cNvPr id="1" name="Shape 83"/>
-        <p:cNvGrpSpPr/>
-        <p:nvPr/>
-      </p:nvGrpSpPr>
-      <p:grpSpPr>
-        <a:xfrm>
-          <a:off x="0" y="0"/>
-          <a:ext cx="0" cy="0"/>
-          <a:chOff x="0" y="0"/>
-          <a:chExt cx="0" cy="0"/>
-        </a:xfrm>
-      </p:grpSpPr>
-      <p:sp>
-        <p:nvSpPr>
-          <p:cNvPr id="84" name="Google Shape;84;p18"/>
-          <p:cNvSpPr txBox="1">
-            <a:spLocks noGrp="1"/>
-          </p:cNvSpPr>
-          <p:nvPr>
-            <p:ph type="title"/>
-          </p:nvPr>
-        </p:nvSpPr>
-        <p:spPr>
-          <a:xfrm>
-            <a:off x="311700" y="445025"/>
-            <a:ext cx="8520600" cy="572700"/>
-          </a:xfrm>
-          <a:prstGeom prst="rect">
-            <a:avLst/>
-          </a:prstGeom>
-        </p:spPr>
-        <p:txBody>
-          <a:bodyPr spcFirstLastPara="1" wrap="square" lIns="91425" tIns="91425" rIns="91425" bIns="91425" anchor="t" anchorCtr="0">
-            <a:noAutofit/>
-          </a:bodyPr>
-          <a:lstStyle/>
-          <a:p>
-            <a:pPr marL="0" lvl="0" indent="0" algn="l" rtl="0">
-              <a:spcBef>
-                <a:spcPts val="0"/>
-              </a:spcBef>
-              <a:spcAft>
-                <a:spcPts val="0"/>
-              </a:spcAft>
-              <a:buNone/>
-            </a:pPr>
-            <a:r>
-              <a:rPr lang="en" b="1" dirty="0"/>
-              <a:t>Completed Game – Testing (worked as expected)</a:t>
-            </a:r>
-            <a:endParaRPr b="1" dirty="0"/>
-          </a:p>
-        </p:txBody>
-      </p:sp>
-      <p:pic>
-        <p:nvPicPr>
-          <p:cNvPr id="2" name="Picture 1">
-            <a:extLst>
-              <a:ext uri="{FF2B5EF4-FFF2-40B4-BE49-F238E27FC236}">
-                <a16:creationId xmlns:a16="http://schemas.microsoft.com/office/drawing/2014/main" id="{CDFA999B-66B3-4939-B5B0-F8BC84D14D57}"/>
-              </a:ext>
-            </a:extLst>
-          </p:cNvPr>
-          <p:cNvPicPr>
-            <a:picLocks noChangeAspect="1"/>
-          </p:cNvPicPr>
-          <p:nvPr/>
-        </p:nvPicPr>
-        <p:blipFill>
-          <a:blip r:embed="rId3"/>
-          <a:stretch>
-            <a:fillRect/>
-          </a:stretch>
-        </p:blipFill>
-        <p:spPr>
-          <a:xfrm>
-            <a:off x="1061591" y="1166192"/>
-            <a:ext cx="2986948" cy="3671183"/>
-          </a:xfrm>
-          <a:prstGeom prst="rect">
-            <a:avLst/>
-          </a:prstGeom>
-        </p:spPr>
-      </p:pic>
-      <p:pic>
-        <p:nvPicPr>
-          <p:cNvPr id="5" name="Picture 4">
-            <a:extLst>
-              <a:ext uri="{FF2B5EF4-FFF2-40B4-BE49-F238E27FC236}">
-                <a16:creationId xmlns:a16="http://schemas.microsoft.com/office/drawing/2014/main" id="{B8142DBF-DB4A-439F-A776-37025704EE1C}"/>
-              </a:ext>
-            </a:extLst>
-          </p:cNvPr>
-          <p:cNvPicPr>
-            <a:picLocks noChangeAspect="1"/>
-          </p:cNvPicPr>
-          <p:nvPr/>
-        </p:nvPicPr>
-        <p:blipFill>
-          <a:blip r:embed="rId4"/>
-          <a:stretch>
-            <a:fillRect/>
-          </a:stretch>
-        </p:blipFill>
-        <p:spPr>
-          <a:xfrm>
-            <a:off x="4474430" y="1166192"/>
-            <a:ext cx="3986113" cy="3671183"/>
-          </a:xfrm>
-          <a:prstGeom prst="rect">
-            <a:avLst/>
-          </a:prstGeom>
-        </p:spPr>
-      </p:pic>
-    </p:spTree>
-    <p:extLst>
-      <p:ext uri="{BB962C8B-B14F-4D97-AF65-F5344CB8AC3E}">
-        <p14:creationId xmlns:p14="http://schemas.microsoft.com/office/powerpoint/2010/main" val="87668220"/>
-      </p:ext>
-    </p:extLst>
-  </p:cSld>
-  <p:clrMapOvr>
-    <a:masterClrMapping/>
-  </p:clrMapOvr>
-</p:sld>
-</file>
-
-<file path=ppt/slides/slide27.xml><?xml version="1.0" encoding="utf-8"?>
-<p:sld xmlns:a="http://schemas.openxmlformats.org/drawingml/2006/main" xmlns:r="http://schemas.openxmlformats.org/officeDocument/2006/relationships" xmlns:p="http://schemas.openxmlformats.org/presentationml/2006/main">
-  <p:cSld>
-    <p:spTree>
-      <p:nvGrpSpPr>
-        <p:cNvPr id="1" name="Shape 83"/>
-        <p:cNvGrpSpPr/>
-        <p:nvPr/>
-      </p:nvGrpSpPr>
-      <p:grpSpPr>
-        <a:xfrm>
-          <a:off x="0" y="0"/>
-          <a:ext cx="0" cy="0"/>
-          <a:chOff x="0" y="0"/>
-          <a:chExt cx="0" cy="0"/>
-        </a:xfrm>
-      </p:grpSpPr>
-      <p:sp>
-        <p:nvSpPr>
-          <p:cNvPr id="84" name="Google Shape;84;p18"/>
-          <p:cNvSpPr txBox="1">
-            <a:spLocks noGrp="1"/>
-          </p:cNvSpPr>
-          <p:nvPr>
-            <p:ph type="title"/>
-          </p:nvPr>
-        </p:nvSpPr>
-        <p:spPr>
-          <a:xfrm>
-            <a:off x="311700" y="445025"/>
-            <a:ext cx="8520600" cy="572700"/>
-          </a:xfrm>
-          <a:prstGeom prst="rect">
-            <a:avLst/>
-          </a:prstGeom>
-        </p:spPr>
-        <p:txBody>
-          <a:bodyPr spcFirstLastPara="1" wrap="square" lIns="91425" tIns="91425" rIns="91425" bIns="91425" anchor="t" anchorCtr="0">
-            <a:noAutofit/>
-          </a:bodyPr>
-          <a:lstStyle/>
-          <a:p>
-            <a:pPr marL="0" lvl="0" indent="0" algn="l" rtl="0">
-              <a:spcBef>
-                <a:spcPts val="0"/>
-              </a:spcBef>
-              <a:spcAft>
-                <a:spcPts val="0"/>
-              </a:spcAft>
-              <a:buNone/>
-            </a:pPr>
-            <a:r>
-              <a:rPr lang="en" b="1" dirty="0"/>
-              <a:t>Version Control Evidence</a:t>
-            </a:r>
-            <a:endParaRPr b="1" dirty="0"/>
-          </a:p>
-        </p:txBody>
-      </p:sp>
-      <p:pic>
-        <p:nvPicPr>
-          <p:cNvPr id="4" name="Picture 3">
-            <a:extLst>
-              <a:ext uri="{FF2B5EF4-FFF2-40B4-BE49-F238E27FC236}">
-                <a16:creationId xmlns:a16="http://schemas.microsoft.com/office/drawing/2014/main" id="{DBD7DD69-27D5-4267-9760-8F08E44C7220}"/>
-              </a:ext>
-            </a:extLst>
-          </p:cNvPr>
-          <p:cNvPicPr>
-            <a:picLocks noChangeAspect="1"/>
-          </p:cNvPicPr>
-          <p:nvPr/>
-        </p:nvPicPr>
-        <p:blipFill>
-          <a:blip r:embed="rId3"/>
-          <a:stretch>
-            <a:fillRect/>
-          </a:stretch>
-        </p:blipFill>
-        <p:spPr>
-          <a:xfrm>
-            <a:off x="837362" y="1229747"/>
-            <a:ext cx="4830143" cy="1090212"/>
-          </a:xfrm>
-          <a:prstGeom prst="rect">
-            <a:avLst/>
-          </a:prstGeom>
-        </p:spPr>
-      </p:pic>
-      <p:pic>
-        <p:nvPicPr>
-          <p:cNvPr id="5" name="Picture 4">
-            <a:extLst>
-              <a:ext uri="{FF2B5EF4-FFF2-40B4-BE49-F238E27FC236}">
-                <a16:creationId xmlns:a16="http://schemas.microsoft.com/office/drawing/2014/main" id="{15AD1F21-7D45-4F20-8BE8-E25CCEEB6F64}"/>
-              </a:ext>
-            </a:extLst>
-          </p:cNvPr>
-          <p:cNvPicPr>
-            <a:picLocks noChangeAspect="1"/>
-          </p:cNvPicPr>
-          <p:nvPr/>
-        </p:nvPicPr>
-        <p:blipFill>
-          <a:blip r:embed="rId4"/>
-          <a:stretch>
-            <a:fillRect/>
-          </a:stretch>
-        </p:blipFill>
-        <p:spPr>
-          <a:xfrm>
-            <a:off x="837362" y="2531981"/>
-            <a:ext cx="3966828" cy="2008284"/>
-          </a:xfrm>
-          <a:prstGeom prst="rect">
-            <a:avLst/>
-          </a:prstGeom>
-        </p:spPr>
-      </p:pic>
-    </p:spTree>
-    <p:extLst>
-      <p:ext uri="{BB962C8B-B14F-4D97-AF65-F5344CB8AC3E}">
-        <p14:creationId xmlns:p14="http://schemas.microsoft.com/office/powerpoint/2010/main" val="3630987550"/>
-      </p:ext>
-    </p:extLst>
-  </p:cSld>
-  <p:clrMapOvr>
-    <a:masterClrMapping/>
-  </p:clrMapOvr>
-</p:sld>
-</file>
-
-<file path=ppt/slides/slide28.xml><?xml version="1.0" encoding="utf-8"?>
-<p:sld xmlns:a="http://schemas.openxmlformats.org/drawingml/2006/main" xmlns:r="http://schemas.openxmlformats.org/officeDocument/2006/relationships" xmlns:p="http://schemas.openxmlformats.org/presentationml/2006/main">
-  <p:cSld>
-    <p:spTree>
-      <p:nvGrpSpPr>
-        <p:cNvPr id="1" name="Shape 83"/>
-        <p:cNvGrpSpPr/>
-        <p:nvPr/>
-      </p:nvGrpSpPr>
-      <p:grpSpPr>
-        <a:xfrm>
-          <a:off x="0" y="0"/>
-          <a:ext cx="0" cy="0"/>
-          <a:chOff x="0" y="0"/>
-          <a:chExt cx="0" cy="0"/>
-        </a:xfrm>
-      </p:grpSpPr>
-      <p:sp>
-        <p:nvSpPr>
-          <p:cNvPr id="84" name="Google Shape;84;p18"/>
-          <p:cNvSpPr txBox="1">
-            <a:spLocks noGrp="1"/>
-          </p:cNvSpPr>
-          <p:nvPr>
-            <p:ph type="title"/>
-          </p:nvPr>
-        </p:nvSpPr>
-        <p:spPr>
-          <a:xfrm>
-            <a:off x="311700" y="445025"/>
-            <a:ext cx="8520600" cy="572700"/>
-          </a:xfrm>
-          <a:prstGeom prst="rect">
-            <a:avLst/>
-          </a:prstGeom>
-        </p:spPr>
-        <p:txBody>
-          <a:bodyPr spcFirstLastPara="1" wrap="square" lIns="91425" tIns="91425" rIns="91425" bIns="91425" anchor="t" anchorCtr="0">
-            <a:noAutofit/>
-          </a:bodyPr>
-          <a:lstStyle/>
-          <a:p>
-            <a:pPr marL="0" lvl="0" indent="0" algn="l" rtl="0">
-              <a:spcBef>
-                <a:spcPts val="0"/>
-              </a:spcBef>
-              <a:spcAft>
-                <a:spcPts val="0"/>
-              </a:spcAft>
-              <a:buNone/>
-            </a:pPr>
-            <a:r>
-              <a:rPr lang="en" b="1" dirty="0"/>
-              <a:t>Addressing Relevant Implications</a:t>
-            </a:r>
-            <a:endParaRPr b="1" dirty="0"/>
-          </a:p>
-        </p:txBody>
-      </p:sp>
-      <p:sp>
-        <p:nvSpPr>
-          <p:cNvPr id="85" name="Google Shape;85;p18"/>
-          <p:cNvSpPr txBox="1">
-            <a:spLocks noGrp="1"/>
-          </p:cNvSpPr>
-          <p:nvPr>
-            <p:ph type="body" idx="1"/>
-          </p:nvPr>
-        </p:nvSpPr>
-        <p:spPr>
-          <a:xfrm>
-            <a:off x="311700" y="1152475"/>
-            <a:ext cx="8520600" cy="3416400"/>
-          </a:xfrm>
-          <a:prstGeom prst="rect">
-            <a:avLst/>
-          </a:prstGeom>
-        </p:spPr>
-        <p:txBody>
-          <a:bodyPr spcFirstLastPara="1" wrap="square" lIns="91425" tIns="91425" rIns="91425" bIns="91425" anchor="t" anchorCtr="0">
-            <a:noAutofit/>
-          </a:bodyPr>
-          <a:lstStyle/>
-          <a:p>
-            <a:pPr marL="0" lvl="0" indent="0" algn="l" rtl="0">
-              <a:spcBef>
-                <a:spcPts val="0"/>
-              </a:spcBef>
-              <a:spcAft>
-                <a:spcPts val="1600"/>
-              </a:spcAft>
-              <a:buNone/>
-            </a:pPr>
-            <a:r>
-              <a:rPr lang="en-NZ" i="1" dirty="0"/>
-              <a:t>I’ve comprehensively tested my outcome to ensure that the functionality implication has been address (i.e., it works for expected, unexpected, and boundary values).</a:t>
-            </a:r>
-          </a:p>
-          <a:p>
-            <a:pPr marL="0" lvl="0" indent="0" algn="l" rtl="0">
-              <a:spcBef>
-                <a:spcPts val="0"/>
-              </a:spcBef>
-              <a:spcAft>
-                <a:spcPts val="1600"/>
-              </a:spcAft>
-              <a:buNone/>
-            </a:pPr>
-            <a:r>
-              <a:rPr lang="en-NZ" i="1" dirty="0"/>
-              <a:t>The inclusion of optional instructions and clear error messages help to make the out come easy to use (i.e., addresses the Usability implication)</a:t>
-            </a:r>
-          </a:p>
-          <a:p>
-            <a:pPr marL="0" lvl="0" indent="0" algn="l" rtl="0">
-              <a:spcBef>
-                <a:spcPts val="0"/>
-              </a:spcBef>
-              <a:spcAft>
-                <a:spcPts val="1600"/>
-              </a:spcAft>
-              <a:buNone/>
-            </a:pPr>
-            <a:r>
-              <a:rPr lang="en-NZ" i="1" dirty="0"/>
-              <a:t>I’ve also carefully spaced the program’s output and used a statement generator function to address the aesthetics implication. Whilst aesthetics is not the main focus of text based programs, ensuring the outcome looks good also helps address the usability implication.</a:t>
-            </a:r>
-          </a:p>
-        </p:txBody>
-      </p:sp>
-    </p:spTree>
-    <p:extLst>
-      <p:ext uri="{BB962C8B-B14F-4D97-AF65-F5344CB8AC3E}">
-        <p14:creationId xmlns:p14="http://schemas.microsoft.com/office/powerpoint/2010/main" val="251612550"/>
-      </p:ext>
-    </p:extLst>
-  </p:cSld>
-  <p:clrMapOvr>
-    <a:masterClrMapping/>
-  </p:clrMapOvr>
-</p:sld>
-</file>
-
-<file path=ppt/slides/slide29.xml><?xml version="1.0" encoding="utf-8"?>
-<p:sld xmlns:a="http://schemas.openxmlformats.org/drawingml/2006/main" xmlns:r="http://schemas.openxmlformats.org/officeDocument/2006/relationships" xmlns:p="http://schemas.openxmlformats.org/presentationml/2006/main">
-  <p:cSld>
-    <p:spTree>
-      <p:nvGrpSpPr>
-        <p:cNvPr id="1" name="Shape 83"/>
-        <p:cNvGrpSpPr/>
-        <p:nvPr/>
-      </p:nvGrpSpPr>
-      <p:grpSpPr>
-        <a:xfrm>
-          <a:off x="0" y="0"/>
-          <a:ext cx="0" cy="0"/>
-          <a:chOff x="0" y="0"/>
-          <a:chExt cx="0" cy="0"/>
-        </a:xfrm>
-      </p:grpSpPr>
-      <p:sp>
-        <p:nvSpPr>
-          <p:cNvPr id="84" name="Google Shape;84;p18"/>
-          <p:cNvSpPr txBox="1">
-            <a:spLocks noGrp="1"/>
-          </p:cNvSpPr>
-          <p:nvPr>
-            <p:ph type="title"/>
-          </p:nvPr>
-        </p:nvSpPr>
-        <p:spPr>
-          <a:xfrm>
-            <a:off x="311700" y="445025"/>
-            <a:ext cx="8520600" cy="572700"/>
-          </a:xfrm>
-          <a:prstGeom prst="rect">
-            <a:avLst/>
-          </a:prstGeom>
-        </p:spPr>
-        <p:txBody>
-          <a:bodyPr spcFirstLastPara="1" wrap="square" lIns="91425" tIns="91425" rIns="91425" bIns="91425" anchor="t" anchorCtr="0">
-            <a:noAutofit/>
-          </a:bodyPr>
-          <a:lstStyle/>
-          <a:p>
-            <a:pPr marL="0" lvl="0" indent="0" algn="l" rtl="0">
-              <a:spcBef>
-                <a:spcPts val="0"/>
-              </a:spcBef>
-              <a:spcAft>
-                <a:spcPts val="0"/>
-              </a:spcAft>
-              <a:buNone/>
-            </a:pPr>
-            <a:r>
-              <a:rPr lang="en" b="1" dirty="0"/>
-              <a:t>Addressing Relevant Implications</a:t>
-            </a:r>
-            <a:endParaRPr b="1" dirty="0"/>
-          </a:p>
-        </p:txBody>
-      </p:sp>
-      <p:sp>
-        <p:nvSpPr>
-          <p:cNvPr id="85" name="Google Shape;85;p18"/>
-          <p:cNvSpPr txBox="1">
-            <a:spLocks noGrp="1"/>
-          </p:cNvSpPr>
-          <p:nvPr>
-            <p:ph type="body" idx="1"/>
-          </p:nvPr>
-        </p:nvSpPr>
-        <p:spPr>
-          <a:xfrm>
-            <a:off x="311700" y="1152475"/>
-            <a:ext cx="8520600" cy="3416400"/>
-          </a:xfrm>
-          <a:prstGeom prst="rect">
-            <a:avLst/>
-          </a:prstGeom>
-        </p:spPr>
-        <p:txBody>
-          <a:bodyPr spcFirstLastPara="1" wrap="square" lIns="91425" tIns="91425" rIns="91425" bIns="91425" anchor="t" anchorCtr="0">
-            <a:noAutofit/>
-          </a:bodyPr>
-          <a:lstStyle/>
-          <a:p>
-            <a:pPr marL="0" lvl="0" indent="0" algn="l" rtl="0">
-              <a:spcBef>
-                <a:spcPts val="0"/>
-              </a:spcBef>
-              <a:spcAft>
-                <a:spcPts val="1600"/>
-              </a:spcAft>
-              <a:buNone/>
-            </a:pPr>
-            <a:r>
-              <a:rPr lang="en" i="1" dirty="0"/>
-              <a:t>Finally, my program has a limit on the amount users can spend. This addreses the social implicayion as we have a gambling game but want toensure that users do not spend an excessive amount of money. </a:t>
-            </a:r>
-            <a:endParaRPr i="1" dirty="0"/>
-          </a:p>
-        </p:txBody>
-      </p:sp>
-    </p:spTree>
-    <p:extLst>
-      <p:ext uri="{BB962C8B-B14F-4D97-AF65-F5344CB8AC3E}">
-        <p14:creationId xmlns:p14="http://schemas.microsoft.com/office/powerpoint/2010/main" val="824036131"/>
+        <p14:creationId xmlns:p14="http://schemas.microsoft.com/office/powerpoint/2010/main" val="3494287985"/>
       </p:ext>
     </p:extLst>
   </p:cSld>
@@ -13254,12 +10141,12 @@
 </p:sld>
 </file>
 
-<file path=ppt/slides/slide30.xml><?xml version="1.0" encoding="utf-8"?>
+<file path=ppt/slides/slide4.xml><?xml version="1.0" encoding="utf-8"?>
 <p:sld xmlns:a="http://schemas.openxmlformats.org/drawingml/2006/main" xmlns:r="http://schemas.openxmlformats.org/officeDocument/2006/relationships" xmlns:p="http://schemas.openxmlformats.org/presentationml/2006/main">
   <p:cSld>
     <p:spTree>
       <p:nvGrpSpPr>
-        <p:cNvPr id="1" name="Shape 83"/>
+        <p:cNvPr id="1" name="Shape 77"/>
         <p:cNvGrpSpPr/>
         <p:nvPr/>
       </p:nvGrpSpPr>
@@ -13273,7 +10160,7 @@
       </p:grpSpPr>
       <p:sp>
         <p:nvSpPr>
-          <p:cNvPr id="84" name="Google Shape;84;p18"/>
+          <p:cNvPr id="78" name="Google Shape;78;p17"/>
           <p:cNvSpPr txBox="1">
             <a:spLocks noGrp="1"/>
           </p:cNvSpPr>
@@ -13307,58 +10194,618 @@
             </a:pPr>
             <a:r>
               <a:rPr lang="en" b="1" dirty="0"/>
-              <a:t>Trialling Slide</a:t>
+              <a:t>1. Compare Choices(Test Plan)</a:t>
             </a:r>
             <a:endParaRPr b="1" dirty="0"/>
           </a:p>
         </p:txBody>
       </p:sp>
-      <p:sp>
-        <p:nvSpPr>
-          <p:cNvPr id="85" name="Google Shape;85;p18"/>
-          <p:cNvSpPr txBox="1">
-            <a:spLocks noGrp="1"/>
-          </p:cNvSpPr>
+      <p:graphicFrame>
+        <p:nvGraphicFramePr>
+          <p:cNvPr id="79" name="Google Shape;79;p17"/>
+          <p:cNvGraphicFramePr/>
           <p:nvPr>
-            <p:ph type="body" idx="1"/>
+            <p:extLst>
+              <p:ext uri="{D42A27DB-BD31-4B8C-83A1-F6EECF244321}">
+                <p14:modId xmlns:p14="http://schemas.microsoft.com/office/powerpoint/2010/main" val="50290944"/>
+              </p:ext>
+            </p:extLst>
           </p:nvPr>
-        </p:nvSpPr>
-        <p:spPr>
-          <a:xfrm>
-            <a:off x="311700" y="1152475"/>
-            <a:ext cx="8520600" cy="3416400"/>
-          </a:xfrm>
-          <a:prstGeom prst="rect">
-            <a:avLst/>
-          </a:prstGeom>
-        </p:spPr>
-        <p:txBody>
-          <a:bodyPr spcFirstLastPara="1" wrap="square" lIns="91425" tIns="91425" rIns="91425" bIns="91425" anchor="t" anchorCtr="0">
-            <a:noAutofit/>
-          </a:bodyPr>
-          <a:lstStyle/>
-          <a:p>
-            <a:pPr marL="0" lvl="0" indent="0" algn="l" rtl="0">
-              <a:spcBef>
-                <a:spcPts val="0"/>
-              </a:spcBef>
-              <a:spcAft>
-                <a:spcPts val="1600"/>
-              </a:spcAft>
-              <a:buNone/>
-            </a:pPr>
-            <a:r>
-              <a:rPr lang="en" i="1"/>
-              <a:t>Copy this slide and edit the text to provide evidence of trialling components.  </a:t>
-            </a:r>
-            <a:endParaRPr i="1"/>
-          </a:p>
-        </p:txBody>
-      </p:sp>
+        </p:nvGraphicFramePr>
+        <p:xfrm>
+          <a:off x="382475" y="1267724"/>
+          <a:ext cx="8569368" cy="3718260"/>
+        </p:xfrm>
+        <a:graphic>
+          <a:graphicData uri="http://schemas.openxmlformats.org/drawingml/2006/table">
+            <a:tbl>
+              <a:tblPr>
+                <a:tableStyleId>{BDBED569-4797-4DF1-A0F4-6AAB3CD982D8}</a:tableStyleId>
+              </a:tblPr>
+              <a:tblGrid>
+                <a:gridCol w="4284684">
+                  <a:extLst>
+                    <a:ext uri="{9D8B030D-6E8A-4147-A177-3AD203B41FA5}">
+                      <a16:colId xmlns:a16="http://schemas.microsoft.com/office/drawing/2014/main" val="20000"/>
+                    </a:ext>
+                  </a:extLst>
+                </a:gridCol>
+                <a:gridCol w="4284684">
+                  <a:extLst>
+                    <a:ext uri="{9D8B030D-6E8A-4147-A177-3AD203B41FA5}">
+                      <a16:colId xmlns:a16="http://schemas.microsoft.com/office/drawing/2014/main" val="20001"/>
+                    </a:ext>
+                  </a:extLst>
+                </a:gridCol>
+              </a:tblGrid>
+              <a:tr h="359198">
+                <a:tc>
+                  <a:txBody>
+                    <a:bodyPr/>
+                    <a:lstStyle/>
+                    <a:p>
+                      <a:pPr marL="0" lvl="0" indent="0" algn="l" rtl="0">
+                        <a:spcBef>
+                          <a:spcPts val="0"/>
+                        </a:spcBef>
+                        <a:spcAft>
+                          <a:spcPts val="0"/>
+                        </a:spcAft>
+                        <a:buNone/>
+                      </a:pPr>
+                      <a:r>
+                        <a:rPr lang="en" sz="1600" b="1" dirty="0"/>
+                        <a:t>Test Data (user vs computer)</a:t>
+                      </a:r>
+                      <a:endParaRPr sz="1600" b="1" dirty="0"/>
+                    </a:p>
+                  </a:txBody>
+                  <a:tcPr marL="91425" marR="91425" marT="91425" marB="91425"/>
+                </a:tc>
+                <a:tc>
+                  <a:txBody>
+                    <a:bodyPr/>
+                    <a:lstStyle/>
+                    <a:p>
+                      <a:pPr marL="0" lvl="0" indent="0" algn="l" rtl="0">
+                        <a:spcBef>
+                          <a:spcPts val="0"/>
+                        </a:spcBef>
+                        <a:spcAft>
+                          <a:spcPts val="0"/>
+                        </a:spcAft>
+                        <a:buNone/>
+                      </a:pPr>
+                      <a:r>
+                        <a:rPr lang="en" sz="1600" b="1" dirty="0"/>
+                        <a:t>Expected</a:t>
+                      </a:r>
+                      <a:endParaRPr sz="1600" b="1" dirty="0"/>
+                    </a:p>
+                  </a:txBody>
+                  <a:tcPr marL="91425" marR="91425" marT="91425" marB="91425"/>
+                </a:tc>
+                <a:extLst>
+                  <a:ext uri="{0D108BD9-81ED-4DB2-BD59-A6C34878D82A}">
+                    <a16:rowId xmlns:a16="http://schemas.microsoft.com/office/drawing/2014/main" val="10000"/>
+                  </a:ext>
+                </a:extLst>
+              </a:tr>
+              <a:tr h="359198">
+                <a:tc>
+                  <a:txBody>
+                    <a:bodyPr/>
+                    <a:lstStyle/>
+                    <a:p>
+                      <a:pPr marL="0" lvl="0" indent="0" algn="l" rtl="0">
+                        <a:spcBef>
+                          <a:spcPts val="0"/>
+                        </a:spcBef>
+                        <a:spcAft>
+                          <a:spcPts val="0"/>
+                        </a:spcAft>
+                        <a:buNone/>
+                      </a:pPr>
+                      <a:r>
+                        <a:rPr lang="en-NZ" sz="1200" dirty="0"/>
+                        <a:t>Rock vs rock</a:t>
+                      </a:r>
+                    </a:p>
+                  </a:txBody>
+                  <a:tcPr marL="91425" marR="91425" marT="91425" marB="91425"/>
+                </a:tc>
+                <a:tc>
+                  <a:txBody>
+                    <a:bodyPr/>
+                    <a:lstStyle/>
+                    <a:p>
+                      <a:pPr marL="0" lvl="0" indent="0" algn="l" rtl="0">
+                        <a:spcBef>
+                          <a:spcPts val="0"/>
+                        </a:spcBef>
+                        <a:spcAft>
+                          <a:spcPts val="0"/>
+                        </a:spcAft>
+                        <a:buNone/>
+                      </a:pPr>
+                      <a:r>
+                        <a:rPr lang="en-US" sz="1200" dirty="0"/>
+                        <a:t>Draw</a:t>
+                      </a:r>
+                    </a:p>
+                  </a:txBody>
+                  <a:tcPr marL="91425" marR="91425" marT="91425" marB="91425"/>
+                </a:tc>
+                <a:extLst>
+                  <a:ext uri="{0D108BD9-81ED-4DB2-BD59-A6C34878D82A}">
+                    <a16:rowId xmlns:a16="http://schemas.microsoft.com/office/drawing/2014/main" val="10001"/>
+                  </a:ext>
+                </a:extLst>
+              </a:tr>
+              <a:tr h="359198">
+                <a:tc>
+                  <a:txBody>
+                    <a:bodyPr/>
+                    <a:lstStyle/>
+                    <a:p>
+                      <a:pPr marL="0" lvl="0" indent="0" algn="l" rtl="0">
+                        <a:spcBef>
+                          <a:spcPts val="0"/>
+                        </a:spcBef>
+                        <a:spcAft>
+                          <a:spcPts val="0"/>
+                        </a:spcAft>
+                        <a:buNone/>
+                      </a:pPr>
+                      <a:r>
+                        <a:rPr lang="en-NZ" sz="1200" dirty="0"/>
+                        <a:t>Paper vs paper</a:t>
+                      </a:r>
+                      <a:endParaRPr sz="1200" dirty="0"/>
+                    </a:p>
+                  </a:txBody>
+                  <a:tcPr marL="91425" marR="91425" marT="91425" marB="91425"/>
+                </a:tc>
+                <a:tc>
+                  <a:txBody>
+                    <a:bodyPr/>
+                    <a:lstStyle/>
+                    <a:p>
+                      <a:pPr marL="0" lvl="0" indent="0" algn="l" rtl="0">
+                        <a:spcBef>
+                          <a:spcPts val="0"/>
+                        </a:spcBef>
+                        <a:spcAft>
+                          <a:spcPts val="0"/>
+                        </a:spcAft>
+                        <a:buNone/>
+                      </a:pPr>
+                      <a:r>
+                        <a:rPr lang="en-NZ" sz="1200" dirty="0"/>
+                        <a:t>Draw</a:t>
+                      </a:r>
+                    </a:p>
+                  </a:txBody>
+                  <a:tcPr marL="91425" marR="91425" marT="91425" marB="91425"/>
+                </a:tc>
+                <a:extLst>
+                  <a:ext uri="{0D108BD9-81ED-4DB2-BD59-A6C34878D82A}">
+                    <a16:rowId xmlns:a16="http://schemas.microsoft.com/office/drawing/2014/main" val="4058153661"/>
+                  </a:ext>
+                </a:extLst>
+              </a:tr>
+              <a:tr h="359198">
+                <a:tc>
+                  <a:txBody>
+                    <a:bodyPr/>
+                    <a:lstStyle/>
+                    <a:p>
+                      <a:pPr marL="0" lvl="0" indent="0" algn="l" rtl="0">
+                        <a:spcBef>
+                          <a:spcPts val="0"/>
+                        </a:spcBef>
+                        <a:spcAft>
+                          <a:spcPts val="0"/>
+                        </a:spcAft>
+                        <a:buNone/>
+                      </a:pPr>
+                      <a:r>
+                        <a:rPr lang="en-NZ" sz="1200" dirty="0"/>
+                        <a:t>Scissors vs scissors</a:t>
+                      </a:r>
+                      <a:endParaRPr sz="1200" dirty="0"/>
+                    </a:p>
+                  </a:txBody>
+                  <a:tcPr marL="91425" marR="91425" marT="91425" marB="91425"/>
+                </a:tc>
+                <a:tc>
+                  <a:txBody>
+                    <a:bodyPr/>
+                    <a:lstStyle/>
+                    <a:p>
+                      <a:pPr marL="0" marR="0" lvl="0" indent="0" algn="l" defTabSz="914400" rtl="0" eaLnBrk="1" fontAlgn="auto" latinLnBrk="0" hangingPunct="1">
+                        <a:lnSpc>
+                          <a:spcPct val="100000"/>
+                        </a:lnSpc>
+                        <a:spcBef>
+                          <a:spcPts val="0"/>
+                        </a:spcBef>
+                        <a:spcAft>
+                          <a:spcPts val="0"/>
+                        </a:spcAft>
+                        <a:buClr>
+                          <a:srgbClr val="000000"/>
+                        </a:buClr>
+                        <a:buSzTx/>
+                        <a:buFont typeface="Arial"/>
+                        <a:buNone/>
+                        <a:tabLst/>
+                        <a:defRPr/>
+                      </a:pPr>
+                      <a:r>
+                        <a:rPr lang="en-NZ" sz="1200" dirty="0"/>
+                        <a:t>Draw</a:t>
+                      </a:r>
+                    </a:p>
+                  </a:txBody>
+                  <a:tcPr marL="91425" marR="91425" marT="91425" marB="91425"/>
+                </a:tc>
+                <a:extLst>
+                  <a:ext uri="{0D108BD9-81ED-4DB2-BD59-A6C34878D82A}">
+                    <a16:rowId xmlns:a16="http://schemas.microsoft.com/office/drawing/2014/main" val="1082202218"/>
+                  </a:ext>
+                </a:extLst>
+              </a:tr>
+              <a:tr h="359198">
+                <a:tc>
+                  <a:txBody>
+                    <a:bodyPr/>
+                    <a:lstStyle/>
+                    <a:p>
+                      <a:pPr marL="0" lvl="0" indent="0" algn="l" rtl="0">
+                        <a:spcBef>
+                          <a:spcPts val="0"/>
+                        </a:spcBef>
+                        <a:spcAft>
+                          <a:spcPts val="0"/>
+                        </a:spcAft>
+                        <a:buNone/>
+                      </a:pPr>
+                      <a:r>
+                        <a:rPr lang="en-NZ" sz="1200" dirty="0"/>
+                        <a:t>Rock vs scissors</a:t>
+                      </a:r>
+                      <a:endParaRPr sz="1200" dirty="0"/>
+                    </a:p>
+                  </a:txBody>
+                  <a:tcPr marL="91425" marR="91425" marT="91425" marB="91425"/>
+                </a:tc>
+                <a:tc>
+                  <a:txBody>
+                    <a:bodyPr/>
+                    <a:lstStyle/>
+                    <a:p>
+                      <a:pPr marL="0" marR="0" lvl="0" indent="0" algn="l" defTabSz="914400" rtl="0" eaLnBrk="1" fontAlgn="auto" latinLnBrk="0" hangingPunct="1">
+                        <a:lnSpc>
+                          <a:spcPct val="100000"/>
+                        </a:lnSpc>
+                        <a:spcBef>
+                          <a:spcPts val="0"/>
+                        </a:spcBef>
+                        <a:spcAft>
+                          <a:spcPts val="0"/>
+                        </a:spcAft>
+                        <a:buClr>
+                          <a:srgbClr val="000000"/>
+                        </a:buClr>
+                        <a:buSzTx/>
+                        <a:buFont typeface="Arial"/>
+                        <a:buNone/>
+                        <a:tabLst/>
+                        <a:defRPr/>
+                      </a:pPr>
+                      <a:r>
+                        <a:rPr lang="en-NZ" sz="1200" dirty="0"/>
+                        <a:t>User wins</a:t>
+                      </a:r>
+                    </a:p>
+                  </a:txBody>
+                  <a:tcPr marL="91425" marR="91425" marT="91425" marB="91425"/>
+                </a:tc>
+                <a:extLst>
+                  <a:ext uri="{0D108BD9-81ED-4DB2-BD59-A6C34878D82A}">
+                    <a16:rowId xmlns:a16="http://schemas.microsoft.com/office/drawing/2014/main" val="3943354146"/>
+                  </a:ext>
+                </a:extLst>
+              </a:tr>
+              <a:tr h="359198">
+                <a:tc>
+                  <a:txBody>
+                    <a:bodyPr/>
+                    <a:lstStyle/>
+                    <a:p>
+                      <a:pPr marL="0" lvl="0" indent="0" algn="l" rtl="0">
+                        <a:spcBef>
+                          <a:spcPts val="0"/>
+                        </a:spcBef>
+                        <a:spcAft>
+                          <a:spcPts val="0"/>
+                        </a:spcAft>
+                        <a:buNone/>
+                      </a:pPr>
+                      <a:r>
+                        <a:rPr lang="en-NZ" sz="1200" dirty="0"/>
+                        <a:t>Paper vs rock</a:t>
+                      </a:r>
+                      <a:endParaRPr sz="1200" dirty="0"/>
+                    </a:p>
+                  </a:txBody>
+                  <a:tcPr marL="91425" marR="91425" marT="91425" marB="91425"/>
+                </a:tc>
+                <a:tc>
+                  <a:txBody>
+                    <a:bodyPr/>
+                    <a:lstStyle/>
+                    <a:p>
+                      <a:pPr marL="0" marR="0" lvl="0" indent="0" algn="l" defTabSz="914400" rtl="0" eaLnBrk="1" fontAlgn="auto" latinLnBrk="0" hangingPunct="1">
+                        <a:lnSpc>
+                          <a:spcPct val="100000"/>
+                        </a:lnSpc>
+                        <a:spcBef>
+                          <a:spcPts val="0"/>
+                        </a:spcBef>
+                        <a:spcAft>
+                          <a:spcPts val="0"/>
+                        </a:spcAft>
+                        <a:buClr>
+                          <a:srgbClr val="000000"/>
+                        </a:buClr>
+                        <a:buSzTx/>
+                        <a:buFont typeface="Arial"/>
+                        <a:buNone/>
+                        <a:tabLst/>
+                        <a:defRPr/>
+                      </a:pPr>
+                      <a:r>
+                        <a:rPr lang="en-NZ" sz="1200" dirty="0"/>
+                        <a:t>User wins</a:t>
+                      </a:r>
+                    </a:p>
+                  </a:txBody>
+                  <a:tcPr marL="91425" marR="91425" marT="91425" marB="91425"/>
+                </a:tc>
+                <a:extLst>
+                  <a:ext uri="{0D108BD9-81ED-4DB2-BD59-A6C34878D82A}">
+                    <a16:rowId xmlns:a16="http://schemas.microsoft.com/office/drawing/2014/main" val="233044927"/>
+                  </a:ext>
+                </a:extLst>
+              </a:tr>
+              <a:tr h="359198">
+                <a:tc>
+                  <a:txBody>
+                    <a:bodyPr/>
+                    <a:lstStyle/>
+                    <a:p>
+                      <a:pPr marL="0" lvl="0" indent="0" algn="l" rtl="0">
+                        <a:spcBef>
+                          <a:spcPts val="0"/>
+                        </a:spcBef>
+                        <a:spcAft>
+                          <a:spcPts val="0"/>
+                        </a:spcAft>
+                        <a:buNone/>
+                      </a:pPr>
+                      <a:r>
+                        <a:rPr lang="en-NZ" sz="1200" dirty="0"/>
+                        <a:t>Scissors vs paper</a:t>
+                      </a:r>
+                      <a:endParaRPr sz="1200" dirty="0"/>
+                    </a:p>
+                  </a:txBody>
+                  <a:tcPr marL="91425" marR="91425" marT="91425" marB="91425"/>
+                </a:tc>
+                <a:tc>
+                  <a:txBody>
+                    <a:bodyPr/>
+                    <a:lstStyle/>
+                    <a:p>
+                      <a:pPr marL="0" marR="0" lvl="0" indent="0" algn="l" defTabSz="914400" rtl="0" eaLnBrk="1" fontAlgn="auto" latinLnBrk="0" hangingPunct="1">
+                        <a:lnSpc>
+                          <a:spcPct val="100000"/>
+                        </a:lnSpc>
+                        <a:spcBef>
+                          <a:spcPts val="0"/>
+                        </a:spcBef>
+                        <a:spcAft>
+                          <a:spcPts val="0"/>
+                        </a:spcAft>
+                        <a:buClr>
+                          <a:srgbClr val="000000"/>
+                        </a:buClr>
+                        <a:buSzTx/>
+                        <a:buFont typeface="Arial"/>
+                        <a:buNone/>
+                        <a:tabLst/>
+                        <a:defRPr/>
+                      </a:pPr>
+                      <a:r>
+                        <a:rPr lang="en-NZ" sz="1200" dirty="0"/>
+                        <a:t>User wins</a:t>
+                      </a:r>
+                    </a:p>
+                  </a:txBody>
+                  <a:tcPr marL="91425" marR="91425" marT="91425" marB="91425"/>
+                </a:tc>
+                <a:extLst>
+                  <a:ext uri="{0D108BD9-81ED-4DB2-BD59-A6C34878D82A}">
+                    <a16:rowId xmlns:a16="http://schemas.microsoft.com/office/drawing/2014/main" val="3435702399"/>
+                  </a:ext>
+                </a:extLst>
+              </a:tr>
+              <a:tr h="359198">
+                <a:tc>
+                  <a:txBody>
+                    <a:bodyPr/>
+                    <a:lstStyle/>
+                    <a:p>
+                      <a:pPr marL="0" lvl="0" indent="0" algn="l" rtl="0">
+                        <a:spcBef>
+                          <a:spcPts val="0"/>
+                        </a:spcBef>
+                        <a:spcAft>
+                          <a:spcPts val="0"/>
+                        </a:spcAft>
+                        <a:buNone/>
+                      </a:pPr>
+                      <a:r>
+                        <a:rPr lang="en-NZ" sz="1200" dirty="0"/>
+                        <a:t>Scissors vs rock</a:t>
+                      </a:r>
+                    </a:p>
+                  </a:txBody>
+                  <a:tcPr marL="91425" marR="91425" marT="91425" marB="91425"/>
+                </a:tc>
+                <a:tc>
+                  <a:txBody>
+                    <a:bodyPr/>
+                    <a:lstStyle/>
+                    <a:p>
+                      <a:pPr marL="0" lvl="0" indent="0" algn="l" rtl="0">
+                        <a:spcBef>
+                          <a:spcPts val="0"/>
+                        </a:spcBef>
+                        <a:spcAft>
+                          <a:spcPts val="0"/>
+                        </a:spcAft>
+                        <a:buNone/>
+                      </a:pPr>
+                      <a:r>
+                        <a:rPr lang="en-NZ" sz="1200" dirty="0"/>
+                        <a:t>User loses</a:t>
+                      </a:r>
+                      <a:endParaRPr sz="1200" dirty="0"/>
+                    </a:p>
+                  </a:txBody>
+                  <a:tcPr marL="91425" marR="91425" marT="91425" marB="91425"/>
+                </a:tc>
+                <a:extLst>
+                  <a:ext uri="{0D108BD9-81ED-4DB2-BD59-A6C34878D82A}">
+                    <a16:rowId xmlns:a16="http://schemas.microsoft.com/office/drawing/2014/main" val="1575967252"/>
+                  </a:ext>
+                </a:extLst>
+              </a:tr>
+              <a:tr h="359198">
+                <a:tc>
+                  <a:txBody>
+                    <a:bodyPr/>
+                    <a:lstStyle/>
+                    <a:p>
+                      <a:pPr marL="0" lvl="0" indent="0" algn="l" rtl="0">
+                        <a:spcBef>
+                          <a:spcPts val="0"/>
+                        </a:spcBef>
+                        <a:spcAft>
+                          <a:spcPts val="0"/>
+                        </a:spcAft>
+                        <a:buNone/>
+                      </a:pPr>
+                      <a:r>
+                        <a:rPr lang="en-NZ" sz="1200" dirty="0"/>
+                        <a:t>Rock vs paper</a:t>
+                      </a:r>
+                    </a:p>
+                  </a:txBody>
+                  <a:tcPr marL="91425" marR="91425" marT="91425" marB="91425"/>
+                </a:tc>
+                <a:tc>
+                  <a:txBody>
+                    <a:bodyPr/>
+                    <a:lstStyle/>
+                    <a:p>
+                      <a:pPr marL="0" lvl="0" indent="0" algn="l" rtl="0">
+                        <a:spcBef>
+                          <a:spcPts val="0"/>
+                        </a:spcBef>
+                        <a:spcAft>
+                          <a:spcPts val="0"/>
+                        </a:spcAft>
+                        <a:buNone/>
+                      </a:pPr>
+                      <a:r>
+                        <a:rPr lang="en-NZ" sz="1200" dirty="0"/>
+                        <a:t>User loses</a:t>
+                      </a:r>
+                      <a:endParaRPr sz="1200" dirty="0"/>
+                    </a:p>
+                  </a:txBody>
+                  <a:tcPr marL="91425" marR="91425" marT="91425" marB="91425"/>
+                </a:tc>
+                <a:extLst>
+                  <a:ext uri="{0D108BD9-81ED-4DB2-BD59-A6C34878D82A}">
+                    <a16:rowId xmlns:a16="http://schemas.microsoft.com/office/drawing/2014/main" val="933415084"/>
+                  </a:ext>
+                </a:extLst>
+              </a:tr>
+              <a:tr h="359198">
+                <a:tc>
+                  <a:txBody>
+                    <a:bodyPr/>
+                    <a:lstStyle/>
+                    <a:p>
+                      <a:pPr marL="0" lvl="0" indent="0" algn="l" rtl="0">
+                        <a:spcBef>
+                          <a:spcPts val="0"/>
+                        </a:spcBef>
+                        <a:spcAft>
+                          <a:spcPts val="0"/>
+                        </a:spcAft>
+                        <a:buNone/>
+                      </a:pPr>
+                      <a:r>
+                        <a:rPr lang="en-NZ" sz="1200" dirty="0"/>
+                        <a:t>Paper vs scissors</a:t>
+                      </a:r>
+                    </a:p>
+                  </a:txBody>
+                  <a:tcPr marL="91425" marR="91425" marT="91425" marB="91425"/>
+                </a:tc>
+                <a:tc>
+                  <a:txBody>
+                    <a:bodyPr/>
+                    <a:lstStyle/>
+                    <a:p>
+                      <a:pPr marL="0" lvl="0" indent="0" algn="l" rtl="0">
+                        <a:spcBef>
+                          <a:spcPts val="0"/>
+                        </a:spcBef>
+                        <a:spcAft>
+                          <a:spcPts val="0"/>
+                        </a:spcAft>
+                        <a:buNone/>
+                      </a:pPr>
+                      <a:r>
+                        <a:rPr lang="en-NZ" sz="1200" dirty="0"/>
+                        <a:t>User loses</a:t>
+                      </a:r>
+                      <a:endParaRPr sz="1200" dirty="0"/>
+                    </a:p>
+                  </a:txBody>
+                  <a:tcPr marL="91425" marR="91425" marT="91425" marB="91425"/>
+                </a:tc>
+                <a:extLst>
+                  <a:ext uri="{0D108BD9-81ED-4DB2-BD59-A6C34878D82A}">
+                    <a16:rowId xmlns:a16="http://schemas.microsoft.com/office/drawing/2014/main" val="3068920790"/>
+                  </a:ext>
+                </a:extLst>
+              </a:tr>
+            </a:tbl>
+          </a:graphicData>
+        </a:graphic>
+      </p:graphicFrame>
     </p:spTree>
     <p:extLst>
       <p:ext uri="{BB962C8B-B14F-4D97-AF65-F5344CB8AC3E}">
-        <p14:creationId xmlns:p14="http://schemas.microsoft.com/office/powerpoint/2010/main" val="3494287985"/>
+        <p14:creationId xmlns:p14="http://schemas.microsoft.com/office/powerpoint/2010/main" val="420258944"/>
       </p:ext>
     </p:extLst>
   </p:cSld>
@@ -13368,7 +10815,117 @@
 </p:sld>
 </file>
 
-<file path=ppt/slides/slide4.xml><?xml version="1.0" encoding="utf-8"?>
+<file path=ppt/slides/slide5.xml><?xml version="1.0" encoding="utf-8"?>
+<p:sld xmlns:a="http://schemas.openxmlformats.org/drawingml/2006/main" xmlns:r="http://schemas.openxmlformats.org/officeDocument/2006/relationships" xmlns:p="http://schemas.openxmlformats.org/presentationml/2006/main">
+  <p:cSld>
+    <p:spTree>
+      <p:nvGrpSpPr>
+        <p:cNvPr id="1" name=""/>
+        <p:cNvGrpSpPr/>
+        <p:nvPr/>
+      </p:nvGrpSpPr>
+      <p:grpSpPr>
+        <a:xfrm>
+          <a:off x="0" y="0"/>
+          <a:ext cx="0" cy="0"/>
+          <a:chOff x="0" y="0"/>
+          <a:chExt cx="0" cy="0"/>
+        </a:xfrm>
+      </p:grpSpPr>
+      <p:sp>
+        <p:nvSpPr>
+          <p:cNvPr id="2" name="Title 1">
+            <a:extLst>
+              <a:ext uri="{FF2B5EF4-FFF2-40B4-BE49-F238E27FC236}">
+                <a16:creationId xmlns:a16="http://schemas.microsoft.com/office/drawing/2014/main" id="{ABCD30EA-2590-4724-8567-9962EE011E88}"/>
+              </a:ext>
+            </a:extLst>
+          </p:cNvPr>
+          <p:cNvSpPr>
+            <a:spLocks noGrp="1"/>
+          </p:cNvSpPr>
+          <p:nvPr>
+            <p:ph type="title"/>
+          </p:nvPr>
+        </p:nvSpPr>
+        <p:spPr/>
+        <p:txBody>
+          <a:bodyPr/>
+          <a:lstStyle/>
+          <a:p>
+            <a:endParaRPr lang="en-NZ"/>
+          </a:p>
+        </p:txBody>
+      </p:sp>
+      <p:sp>
+        <p:nvSpPr>
+          <p:cNvPr id="3" name="Text Placeholder 2">
+            <a:extLst>
+              <a:ext uri="{FF2B5EF4-FFF2-40B4-BE49-F238E27FC236}">
+                <a16:creationId xmlns:a16="http://schemas.microsoft.com/office/drawing/2014/main" id="{3B0E383E-242E-47E8-AC31-19E7B06BE60F}"/>
+              </a:ext>
+            </a:extLst>
+          </p:cNvPr>
+          <p:cNvSpPr>
+            <a:spLocks noGrp="1"/>
+          </p:cNvSpPr>
+          <p:nvPr>
+            <p:ph type="body" idx="1"/>
+          </p:nvPr>
+        </p:nvSpPr>
+        <p:spPr/>
+        <p:txBody>
+          <a:bodyPr/>
+          <a:lstStyle/>
+          <a:p>
+            <a:endParaRPr lang="en-NZ"/>
+          </a:p>
+        </p:txBody>
+      </p:sp>
+      <p:pic>
+        <p:nvPicPr>
+          <p:cNvPr id="4" name="Picture 3">
+            <a:extLst>
+              <a:ext uri="{FF2B5EF4-FFF2-40B4-BE49-F238E27FC236}">
+                <a16:creationId xmlns:a16="http://schemas.microsoft.com/office/drawing/2014/main" id="{EF0D19AE-6B05-4477-A859-FA4986C58C59}"/>
+              </a:ext>
+            </a:extLst>
+          </p:cNvPr>
+          <p:cNvPicPr>
+            <a:picLocks noChangeAspect="1"/>
+          </p:cNvPicPr>
+          <p:nvPr/>
+        </p:nvPicPr>
+        <p:blipFill>
+          <a:blip r:embed="rId2"/>
+          <a:stretch>
+            <a:fillRect/>
+          </a:stretch>
+        </p:blipFill>
+        <p:spPr>
+          <a:xfrm>
+            <a:off x="256229" y="0"/>
+            <a:ext cx="8631542" cy="5143500"/>
+          </a:xfrm>
+          <a:prstGeom prst="rect">
+            <a:avLst/>
+          </a:prstGeom>
+        </p:spPr>
+      </p:pic>
+    </p:spTree>
+    <p:extLst>
+      <p:ext uri="{BB962C8B-B14F-4D97-AF65-F5344CB8AC3E}">
+        <p14:creationId xmlns:p14="http://schemas.microsoft.com/office/powerpoint/2010/main" val="1554302528"/>
+      </p:ext>
+    </p:extLst>
+  </p:cSld>
+  <p:clrMapOvr>
+    <a:masterClrMapping/>
+  </p:clrMapOvr>
+</p:sld>
+</file>
+
+<file path=ppt/slides/slide6.xml><?xml version="1.0" encoding="utf-8"?>
 <p:sld xmlns:a="http://schemas.openxmlformats.org/drawingml/2006/main" xmlns:r="http://schemas.openxmlformats.org/officeDocument/2006/relationships" xmlns:p="http://schemas.openxmlformats.org/presentationml/2006/main">
   <p:cSld>
     <p:spTree>
@@ -13505,7 +11062,7 @@
 </p:sld>
 </file>
 
-<file path=ppt/slides/slide5.xml><?xml version="1.0" encoding="utf-8"?>
+<file path=ppt/slides/slide7.xml><?xml version="1.0" encoding="utf-8"?>
 <p:sld xmlns:a="http://schemas.openxmlformats.org/drawingml/2006/main" xmlns:r="http://schemas.openxmlformats.org/officeDocument/2006/relationships" xmlns:p="http://schemas.openxmlformats.org/presentationml/2006/main">
   <p:cSld>
     <p:spTree>
@@ -13619,7 +11176,7 @@
 </p:sld>
 </file>
 
-<file path=ppt/slides/slide6.xml><?xml version="1.0" encoding="utf-8"?>
+<file path=ppt/slides/slide8.xml><?xml version="1.0" encoding="utf-8"?>
 <p:sld xmlns:a="http://schemas.openxmlformats.org/drawingml/2006/main" xmlns:r="http://schemas.openxmlformats.org/officeDocument/2006/relationships" xmlns:p="http://schemas.openxmlformats.org/presentationml/2006/main">
   <p:cSld>
     <p:spTree>
@@ -13704,7 +11261,7 @@
 </p:sld>
 </file>
 
-<file path=ppt/slides/slide7.xml><?xml version="1.0" encoding="utf-8"?>
+<file path=ppt/slides/slide9.xml><?xml version="1.0" encoding="utf-8"?>
 <p:sld xmlns:a="http://schemas.openxmlformats.org/drawingml/2006/main" xmlns:r="http://schemas.openxmlformats.org/officeDocument/2006/relationships" xmlns:p="http://schemas.openxmlformats.org/presentationml/2006/main">
   <p:cSld>
     <p:bg>
@@ -13801,555 +11358,6 @@
           </a:prstGeom>
         </p:spPr>
       </p:pic>
-    </p:spTree>
-  </p:cSld>
-  <p:clrMapOvr>
-    <a:masterClrMapping/>
-  </p:clrMapOvr>
-</p:sld>
-</file>
-
-<file path=ppt/slides/slide8.xml><?xml version="1.0" encoding="utf-8"?>
-<p:sld xmlns:a="http://schemas.openxmlformats.org/drawingml/2006/main" xmlns:r="http://schemas.openxmlformats.org/officeDocument/2006/relationships" xmlns:p="http://schemas.openxmlformats.org/presentationml/2006/main">
-  <p:cSld>
-    <p:spTree>
-      <p:nvGrpSpPr>
-        <p:cNvPr id="1" name=""/>
-        <p:cNvGrpSpPr/>
-        <p:nvPr/>
-      </p:nvGrpSpPr>
-      <p:grpSpPr>
-        <a:xfrm>
-          <a:off x="0" y="0"/>
-          <a:ext cx="0" cy="0"/>
-          <a:chOff x="0" y="0"/>
-          <a:chExt cx="0" cy="0"/>
-        </a:xfrm>
-      </p:grpSpPr>
-      <p:sp>
-        <p:nvSpPr>
-          <p:cNvPr id="2" name="Title 1">
-            <a:extLst>
-              <a:ext uri="{FF2B5EF4-FFF2-40B4-BE49-F238E27FC236}">
-                <a16:creationId xmlns:a16="http://schemas.microsoft.com/office/drawing/2014/main" id="{530D5B42-7055-4623-A2AE-E820E726C281}"/>
-              </a:ext>
-            </a:extLst>
-          </p:cNvPr>
-          <p:cNvSpPr>
-            <a:spLocks noGrp="1"/>
-          </p:cNvSpPr>
-          <p:nvPr>
-            <p:ph type="title"/>
-          </p:nvPr>
-        </p:nvSpPr>
-        <p:spPr/>
-        <p:txBody>
-          <a:bodyPr/>
-          <a:lstStyle/>
-          <a:p>
-            <a:r>
-              <a:rPr lang="en-US" b="1" dirty="0"/>
-              <a:t>Yes / No Checker Test Plan</a:t>
-            </a:r>
-            <a:endParaRPr lang="en-NZ" b="1" dirty="0"/>
-          </a:p>
-        </p:txBody>
-      </p:sp>
-      <p:graphicFrame>
-        <p:nvGraphicFramePr>
-          <p:cNvPr id="4" name="Table 4">
-            <a:extLst>
-              <a:ext uri="{FF2B5EF4-FFF2-40B4-BE49-F238E27FC236}">
-                <a16:creationId xmlns:a16="http://schemas.microsoft.com/office/drawing/2014/main" id="{AECF475B-2FDA-4EEB-AD0A-336E46AC022F}"/>
-              </a:ext>
-            </a:extLst>
-          </p:cNvPr>
-          <p:cNvGraphicFramePr>
-            <a:graphicFrameLocks noGrp="1"/>
-          </p:cNvGraphicFramePr>
-          <p:nvPr>
-            <p:extLst>
-              <p:ext uri="{D42A27DB-BD31-4B8C-83A1-F6EECF244321}">
-                <p14:modId xmlns:p14="http://schemas.microsoft.com/office/powerpoint/2010/main" val="3505237048"/>
-              </p:ext>
-            </p:extLst>
-          </p:nvPr>
-        </p:nvGraphicFramePr>
-        <p:xfrm>
-          <a:off x="433456" y="1546178"/>
-          <a:ext cx="3958900" cy="2769036"/>
-        </p:xfrm>
-        <a:graphic>
-          <a:graphicData uri="http://schemas.openxmlformats.org/drawingml/2006/table">
-            <a:tbl>
-              <a:tblPr firstRow="1" bandRow="1">
-                <a:tableStyleId>{3C2FFA5D-87B4-456A-9821-1D502468CF0F}</a:tableStyleId>
-              </a:tblPr>
-              <a:tblGrid>
-                <a:gridCol w="1979450">
-                  <a:extLst>
-                    <a:ext uri="{9D8B030D-6E8A-4147-A177-3AD203B41FA5}">
-                      <a16:colId xmlns:a16="http://schemas.microsoft.com/office/drawing/2014/main" val="3990182086"/>
-                    </a:ext>
-                  </a:extLst>
-                </a:gridCol>
-                <a:gridCol w="1979450">
-                  <a:extLst>
-                    <a:ext uri="{9D8B030D-6E8A-4147-A177-3AD203B41FA5}">
-                      <a16:colId xmlns:a16="http://schemas.microsoft.com/office/drawing/2014/main" val="3098142696"/>
-                    </a:ext>
-                  </a:extLst>
-                </a:gridCol>
-              </a:tblGrid>
-              <a:tr h="375146">
-                <a:tc>
-                  <a:txBody>
-                    <a:bodyPr/>
-                    <a:lstStyle/>
-                    <a:p>
-                      <a:r>
-                        <a:rPr lang="en-US" dirty="0"/>
-                        <a:t>Test Data</a:t>
-                      </a:r>
-                      <a:endParaRPr lang="en-NZ" b="1" dirty="0"/>
-                    </a:p>
-                  </a:txBody>
-                  <a:tcPr/>
-                </a:tc>
-                <a:tc>
-                  <a:txBody>
-                    <a:bodyPr/>
-                    <a:lstStyle/>
-                    <a:p>
-                      <a:r>
-                        <a:rPr lang="en-US" dirty="0"/>
-                        <a:t>Expected</a:t>
-                      </a:r>
-                      <a:endParaRPr lang="en-NZ" b="1" dirty="0"/>
-                    </a:p>
-                  </a:txBody>
-                  <a:tcPr/>
-                </a:tc>
-                <a:extLst>
-                  <a:ext uri="{0D108BD9-81ED-4DB2-BD59-A6C34878D82A}">
-                    <a16:rowId xmlns:a16="http://schemas.microsoft.com/office/drawing/2014/main" val="2367894506"/>
-                  </a:ext>
-                </a:extLst>
-              </a:tr>
-              <a:tr h="375146">
-                <a:tc>
-                  <a:txBody>
-                    <a:bodyPr/>
-                    <a:lstStyle/>
-                    <a:p>
-                      <a:r>
-                        <a:rPr lang="en-US" dirty="0"/>
-                        <a:t>Yes</a:t>
-                      </a:r>
-                      <a:endParaRPr lang="en-NZ" dirty="0"/>
-                    </a:p>
-                  </a:txBody>
-                  <a:tcPr/>
-                </a:tc>
-                <a:tc>
-                  <a:txBody>
-                    <a:bodyPr/>
-                    <a:lstStyle/>
-                    <a:p>
-                      <a:r>
-                        <a:rPr lang="en-US" dirty="0"/>
-                        <a:t>Program continues</a:t>
-                      </a:r>
-                      <a:endParaRPr lang="en-NZ" dirty="0"/>
-                    </a:p>
-                  </a:txBody>
-                  <a:tcPr/>
-                </a:tc>
-                <a:extLst>
-                  <a:ext uri="{0D108BD9-81ED-4DB2-BD59-A6C34878D82A}">
-                    <a16:rowId xmlns:a16="http://schemas.microsoft.com/office/drawing/2014/main" val="4223515980"/>
-                  </a:ext>
-                </a:extLst>
-              </a:tr>
-              <a:tr h="375146">
-                <a:tc>
-                  <a:txBody>
-                    <a:bodyPr/>
-                    <a:lstStyle/>
-                    <a:p>
-                      <a:r>
-                        <a:rPr lang="en-US" dirty="0"/>
-                        <a:t>Y</a:t>
-                      </a:r>
-                      <a:endParaRPr lang="en-NZ" dirty="0"/>
-                    </a:p>
-                  </a:txBody>
-                  <a:tcPr/>
-                </a:tc>
-                <a:tc>
-                  <a:txBody>
-                    <a:bodyPr/>
-                    <a:lstStyle/>
-                    <a:p>
-                      <a:r>
-                        <a:rPr lang="en-US" dirty="0"/>
-                        <a:t>Program continues</a:t>
-                      </a:r>
-                      <a:endParaRPr lang="en-NZ" dirty="0"/>
-                    </a:p>
-                  </a:txBody>
-                  <a:tcPr/>
-                </a:tc>
-                <a:extLst>
-                  <a:ext uri="{0D108BD9-81ED-4DB2-BD59-A6C34878D82A}">
-                    <a16:rowId xmlns:a16="http://schemas.microsoft.com/office/drawing/2014/main" val="3468855258"/>
-                  </a:ext>
-                </a:extLst>
-              </a:tr>
-              <a:tr h="375146">
-                <a:tc>
-                  <a:txBody>
-                    <a:bodyPr/>
-                    <a:lstStyle/>
-                    <a:p>
-                      <a:r>
-                        <a:rPr lang="en-US" dirty="0"/>
-                        <a:t>No</a:t>
-                      </a:r>
-                      <a:endParaRPr lang="en-NZ" dirty="0"/>
-                    </a:p>
-                  </a:txBody>
-                  <a:tcPr/>
-                </a:tc>
-                <a:tc>
-                  <a:txBody>
-                    <a:bodyPr/>
-                    <a:lstStyle/>
-                    <a:p>
-                      <a:r>
-                        <a:rPr lang="en-US" dirty="0"/>
-                        <a:t>Program continues</a:t>
-                      </a:r>
-                      <a:endParaRPr lang="en-NZ" dirty="0"/>
-                    </a:p>
-                  </a:txBody>
-                  <a:tcPr/>
-                </a:tc>
-                <a:extLst>
-                  <a:ext uri="{0D108BD9-81ED-4DB2-BD59-A6C34878D82A}">
-                    <a16:rowId xmlns:a16="http://schemas.microsoft.com/office/drawing/2014/main" val="2150721043"/>
-                  </a:ext>
-                </a:extLst>
-              </a:tr>
-              <a:tr h="375146">
-                <a:tc>
-                  <a:txBody>
-                    <a:bodyPr/>
-                    <a:lstStyle/>
-                    <a:p>
-                      <a:r>
-                        <a:rPr lang="en-US" dirty="0"/>
-                        <a:t>N</a:t>
-                      </a:r>
-                      <a:endParaRPr lang="en-NZ" dirty="0"/>
-                    </a:p>
-                  </a:txBody>
-                  <a:tcPr/>
-                </a:tc>
-                <a:tc>
-                  <a:txBody>
-                    <a:bodyPr/>
-                    <a:lstStyle/>
-                    <a:p>
-                      <a:r>
-                        <a:rPr lang="en-US" dirty="0"/>
-                        <a:t>Program continues</a:t>
-                      </a:r>
-                      <a:endParaRPr lang="en-NZ" dirty="0"/>
-                    </a:p>
-                  </a:txBody>
-                  <a:tcPr/>
-                </a:tc>
-                <a:extLst>
-                  <a:ext uri="{0D108BD9-81ED-4DB2-BD59-A6C34878D82A}">
-                    <a16:rowId xmlns:a16="http://schemas.microsoft.com/office/drawing/2014/main" val="1501686322"/>
-                  </a:ext>
-                </a:extLst>
-              </a:tr>
-              <a:tr h="375146">
-                <a:tc>
-                  <a:txBody>
-                    <a:bodyPr/>
-                    <a:lstStyle/>
-                    <a:p>
-                      <a:r>
-                        <a:rPr lang="en-US" dirty="0" err="1"/>
-                        <a:t>YeS</a:t>
-                      </a:r>
-                      <a:endParaRPr lang="en-NZ" dirty="0"/>
-                    </a:p>
-                  </a:txBody>
-                  <a:tcPr/>
-                </a:tc>
-                <a:tc>
-                  <a:txBody>
-                    <a:bodyPr/>
-                    <a:lstStyle/>
-                    <a:p>
-                      <a:r>
-                        <a:rPr lang="en-US" dirty="0"/>
-                        <a:t>Program continues</a:t>
-                      </a:r>
-                      <a:endParaRPr lang="en-NZ" dirty="0"/>
-                    </a:p>
-                  </a:txBody>
-                  <a:tcPr/>
-                </a:tc>
-                <a:extLst>
-                  <a:ext uri="{0D108BD9-81ED-4DB2-BD59-A6C34878D82A}">
-                    <a16:rowId xmlns:a16="http://schemas.microsoft.com/office/drawing/2014/main" val="3303460023"/>
-                  </a:ext>
-                </a:extLst>
-              </a:tr>
-              <a:tr h="375146">
-                <a:tc>
-                  <a:txBody>
-                    <a:bodyPr/>
-                    <a:lstStyle/>
-                    <a:p>
-                      <a:r>
-                        <a:rPr lang="en-US" dirty="0"/>
-                        <a:t>Maybe</a:t>
-                      </a:r>
-                      <a:endParaRPr lang="en-NZ" dirty="0"/>
-                    </a:p>
-                  </a:txBody>
-                  <a:tcPr/>
-                </a:tc>
-                <a:tc>
-                  <a:txBody>
-                    <a:bodyPr/>
-                    <a:lstStyle/>
-                    <a:p>
-                      <a:r>
-                        <a:rPr lang="en-US" dirty="0"/>
-                        <a:t>Please enter either “Yes” or “No”</a:t>
-                      </a:r>
-                      <a:endParaRPr lang="en-NZ" dirty="0"/>
-                    </a:p>
-                  </a:txBody>
-                  <a:tcPr/>
-                </a:tc>
-                <a:extLst>
-                  <a:ext uri="{0D108BD9-81ED-4DB2-BD59-A6C34878D82A}">
-                    <a16:rowId xmlns:a16="http://schemas.microsoft.com/office/drawing/2014/main" val="2149766486"/>
-                  </a:ext>
-                </a:extLst>
-              </a:tr>
-            </a:tbl>
-          </a:graphicData>
-        </a:graphic>
-      </p:graphicFrame>
-      <p:pic>
-        <p:nvPicPr>
-          <p:cNvPr id="3" name="Picture 2">
-            <a:extLst>
-              <a:ext uri="{FF2B5EF4-FFF2-40B4-BE49-F238E27FC236}">
-                <a16:creationId xmlns:a16="http://schemas.microsoft.com/office/drawing/2014/main" id="{EF9BDCB2-D62E-4280-B512-E2F3B331180F}"/>
-              </a:ext>
-            </a:extLst>
-          </p:cNvPr>
-          <p:cNvPicPr>
-            <a:picLocks noChangeAspect="1"/>
-          </p:cNvPicPr>
-          <p:nvPr/>
-        </p:nvPicPr>
-        <p:blipFill>
-          <a:blip r:embed="rId2"/>
-          <a:stretch>
-            <a:fillRect/>
-          </a:stretch>
-        </p:blipFill>
-        <p:spPr>
-          <a:xfrm>
-            <a:off x="4572000" y="1797969"/>
-            <a:ext cx="3977721" cy="2310205"/>
-          </a:xfrm>
-          <a:prstGeom prst="rect">
-            <a:avLst/>
-          </a:prstGeom>
-        </p:spPr>
-      </p:pic>
-    </p:spTree>
-    <p:extLst>
-      <p:ext uri="{BB962C8B-B14F-4D97-AF65-F5344CB8AC3E}">
-        <p14:creationId xmlns:p14="http://schemas.microsoft.com/office/powerpoint/2010/main" val="249405800"/>
-      </p:ext>
-    </p:extLst>
-  </p:cSld>
-  <p:clrMapOvr>
-    <a:masterClrMapping/>
-  </p:clrMapOvr>
-</p:sld>
-</file>
-
-<file path=ppt/slides/slide9.xml><?xml version="1.0" encoding="utf-8"?>
-<p:sld xmlns:a="http://schemas.openxmlformats.org/drawingml/2006/main" xmlns:r="http://schemas.openxmlformats.org/officeDocument/2006/relationships" xmlns:p="http://schemas.openxmlformats.org/presentationml/2006/main">
-  <p:cSld>
-    <p:bg>
-      <p:bgPr>
-        <a:solidFill>
-          <a:srgbClr val="FFD966"/>
-        </a:solidFill>
-        <a:effectLst/>
-      </p:bgPr>
-    </p:bg>
-    <p:spTree>
-      <p:nvGrpSpPr>
-        <p:cNvPr id="1" name="Shape 83"/>
-        <p:cNvGrpSpPr/>
-        <p:nvPr/>
-      </p:nvGrpSpPr>
-      <p:grpSpPr>
-        <a:xfrm>
-          <a:off x="0" y="0"/>
-          <a:ext cx="0" cy="0"/>
-          <a:chOff x="0" y="0"/>
-          <a:chExt cx="0" cy="0"/>
-        </a:xfrm>
-      </p:grpSpPr>
-      <p:sp>
-        <p:nvSpPr>
-          <p:cNvPr id="84" name="Google Shape;84;p18"/>
-          <p:cNvSpPr txBox="1">
-            <a:spLocks noGrp="1"/>
-          </p:cNvSpPr>
-          <p:nvPr>
-            <p:ph type="title"/>
-          </p:nvPr>
-        </p:nvSpPr>
-        <p:spPr>
-          <a:xfrm>
-            <a:off x="311700" y="445025"/>
-            <a:ext cx="8520600" cy="572700"/>
-          </a:xfrm>
-          <a:prstGeom prst="rect">
-            <a:avLst/>
-          </a:prstGeom>
-        </p:spPr>
-        <p:txBody>
-          <a:bodyPr spcFirstLastPara="1" wrap="square" lIns="91425" tIns="91425" rIns="91425" bIns="91425" anchor="t" anchorCtr="0">
-            <a:noAutofit/>
-          </a:bodyPr>
-          <a:lstStyle/>
-          <a:p>
-            <a:pPr marL="0" lvl="0" indent="0" algn="l" rtl="0">
-              <a:spcBef>
-                <a:spcPts val="0"/>
-              </a:spcBef>
-              <a:spcAft>
-                <a:spcPts val="0"/>
-              </a:spcAft>
-              <a:buNone/>
-            </a:pPr>
-            <a:r>
-              <a:rPr lang="en-NZ" b="1" dirty="0"/>
-              <a:t>Round Checker Trials</a:t>
-            </a:r>
-            <a:endParaRPr b="1" dirty="0"/>
-          </a:p>
-        </p:txBody>
-      </p:sp>
-      <p:sp>
-        <p:nvSpPr>
-          <p:cNvPr id="85" name="Google Shape;85;p18"/>
-          <p:cNvSpPr txBox="1">
-            <a:spLocks noGrp="1"/>
-          </p:cNvSpPr>
-          <p:nvPr>
-            <p:ph type="body" idx="1"/>
-          </p:nvPr>
-        </p:nvSpPr>
-        <p:spPr>
-          <a:xfrm>
-            <a:off x="311700" y="1152475"/>
-            <a:ext cx="8520600" cy="3416400"/>
-          </a:xfrm>
-          <a:prstGeom prst="rect">
-            <a:avLst/>
-          </a:prstGeom>
-        </p:spPr>
-        <p:txBody>
-          <a:bodyPr spcFirstLastPara="1" wrap="square" lIns="91425" tIns="91425" rIns="91425" bIns="91425" anchor="t" anchorCtr="0">
-            <a:noAutofit/>
-          </a:bodyPr>
-          <a:lstStyle/>
-          <a:p>
-            <a:pPr marL="0" lvl="0" indent="0" algn="l" rtl="0">
-              <a:spcBef>
-                <a:spcPts val="0"/>
-              </a:spcBef>
-              <a:spcAft>
-                <a:spcPts val="1600"/>
-              </a:spcAft>
-              <a:buNone/>
-            </a:pPr>
-            <a:r>
-              <a:rPr lang="en-NZ" i="1" dirty="0"/>
-              <a:t>Trial 1 (03_round_mechanics_v1): Asks for rounds in the main routine and uses a function to check that users have entered a valid numbers. Code is quit inefficient and clunky.</a:t>
-            </a:r>
-          </a:p>
-          <a:p>
-            <a:pPr marL="0" lvl="0" indent="0" algn="l" rtl="0">
-              <a:spcBef>
-                <a:spcPts val="0"/>
-              </a:spcBef>
-              <a:spcAft>
-                <a:spcPts val="1600"/>
-              </a:spcAft>
-              <a:buNone/>
-            </a:pPr>
-            <a:r>
-              <a:rPr lang="en-NZ" i="1" dirty="0"/>
-              <a:t>Trial 2 (03_RPS_round_mechanics_v2): Integer checking function allows users to press &lt;enter&gt; or an integer. Main routine code works but is inefficient.</a:t>
-            </a:r>
-          </a:p>
-          <a:p>
-            <a:pPr marL="0" lvl="0" indent="0" algn="l" rtl="0">
-              <a:spcBef>
-                <a:spcPts val="0"/>
-              </a:spcBef>
-              <a:spcAft>
-                <a:spcPts val="1600"/>
-              </a:spcAft>
-              <a:buNone/>
-            </a:pPr>
-            <a:r>
-              <a:rPr lang="en-NZ" i="1" dirty="0"/>
-              <a:t>Trial 3 (03_RPS_round_mechanics_v3): Similar to Trial 2 but much more efficient. Uses ‘break’ to end loop.</a:t>
-            </a:r>
-          </a:p>
-          <a:p>
-            <a:pPr marL="0" lvl="0" indent="0" algn="l" rtl="0">
-              <a:spcBef>
-                <a:spcPts val="0"/>
-              </a:spcBef>
-              <a:spcAft>
-                <a:spcPts val="1600"/>
-              </a:spcAft>
-              <a:buNone/>
-            </a:pPr>
-            <a:r>
-              <a:rPr lang="en-NZ" i="1" dirty="0">
-                <a:highlight>
-                  <a:srgbClr val="FFFF00"/>
-                </a:highlight>
-              </a:rPr>
-              <a:t>Giving users two modes for game play makes it more likely that my game will appeal to a wider audience. It also enhances the games usability by following the user freedom heuristic. </a:t>
-            </a:r>
-          </a:p>
-        </p:txBody>
-      </p:sp>
     </p:spTree>
   </p:cSld>
   <p:clrMapOvr>
@@ -14921,12 +11929,6 @@
 </file>
 
 <file path=customXml/item1.xml><?xml version="1.0" encoding="utf-8"?>
-<p:properties xmlns:p="http://schemas.microsoft.com/office/2006/metadata/properties" xmlns:xsi="http://www.w3.org/2001/XMLSchema-instance" xmlns:pc="http://schemas.microsoft.com/office/infopath/2007/PartnerControls">
-  <documentManagement/>
-</p:properties>
-</file>
-
-<file path=customXml/item2.xml><?xml version="1.0" encoding="utf-8"?>
 <ct:contentTypeSchema xmlns:ct="http://schemas.microsoft.com/office/2006/metadata/contentType" xmlns:ma="http://schemas.microsoft.com/office/2006/metadata/properties/metaAttributes" ct:_="" ma:_="" ma:contentTypeName="Document" ma:contentTypeID="0x010100CA5D8974BE78F944A108BF13F2B4CD6A" ma:contentTypeVersion="5" ma:contentTypeDescription="Create a new document." ma:contentTypeScope="" ma:versionID="1e3fc9c3ad9c16f936602fded155d02d">
   <xsd:schema xmlns:xsd="http://www.w3.org/2001/XMLSchema" xmlns:xs="http://www.w3.org/2001/XMLSchema" xmlns:p="http://schemas.microsoft.com/office/2006/metadata/properties" xmlns:ns2="4f936efd-07e9-48ba-b668-2cff2968e155" targetNamespace="http://schemas.microsoft.com/office/2006/metadata/properties" ma:root="true" ma:fieldsID="642a89d75a32cde1551b8a68a7f33533" ns2:_="">
     <xsd:import namespace="4f936efd-07e9-48ba-b668-2cff2968e155"/>
@@ -15078,6 +12080,12 @@
 </ct:contentTypeSchema>
 </file>
 
+<file path=customXml/item2.xml><?xml version="1.0" encoding="utf-8"?>
+<p:properties xmlns:p="http://schemas.microsoft.com/office/2006/metadata/properties" xmlns:xsi="http://www.w3.org/2001/XMLSchema-instance" xmlns:pc="http://schemas.microsoft.com/office/infopath/2007/PartnerControls">
+  <documentManagement/>
+</p:properties>
+</file>
+
 <file path=customXml/item3.xml><?xml version="1.0" encoding="utf-8"?>
 <?mso-contentType ?>
 <FormTemplates xmlns="http://schemas.microsoft.com/sharepoint/v3/contenttype/forms">
@@ -15088,15 +12096,6 @@
 </file>
 
 <file path=customXml/itemProps1.xml><?xml version="1.0" encoding="utf-8"?>
-<ds:datastoreItem xmlns:ds="http://schemas.openxmlformats.org/officeDocument/2006/customXml" ds:itemID="{516D10BD-0186-4A00-BD37-17D1BDE22574}">
-  <ds:schemaRefs>
-    <ds:schemaRef ds:uri="http://schemas.microsoft.com/office/2006/metadata/properties"/>
-    <ds:schemaRef ds:uri="http://schemas.microsoft.com/office/infopath/2007/PartnerControls"/>
-  </ds:schemaRefs>
-</ds:datastoreItem>
-</file>
-
-<file path=customXml/itemProps2.xml><?xml version="1.0" encoding="utf-8"?>
 <ds:datastoreItem xmlns:ds="http://schemas.openxmlformats.org/officeDocument/2006/customXml" ds:itemID="{ECB9EDA7-7083-49EA-8C49-43EBAAC54B35}">
   <ds:schemaRefs>
     <ds:schemaRef ds:uri="http://schemas.microsoft.com/office/2006/metadata/contentType"/>
@@ -15114,6 +12113,15 @@
 </ds:datastoreItem>
 </file>
 
+<file path=customXml/itemProps2.xml><?xml version="1.0" encoding="utf-8"?>
+<ds:datastoreItem xmlns:ds="http://schemas.openxmlformats.org/officeDocument/2006/customXml" ds:itemID="{516D10BD-0186-4A00-BD37-17D1BDE22574}">
+  <ds:schemaRefs>
+    <ds:schemaRef ds:uri="http://schemas.microsoft.com/office/2006/metadata/properties"/>
+    <ds:schemaRef ds:uri="http://schemas.microsoft.com/office/infopath/2007/PartnerControls"/>
+  </ds:schemaRefs>
+</ds:datastoreItem>
+</file>
+
 <file path=customXml/itemProps3.xml><?xml version="1.0" encoding="utf-8"?>
 <ds:datastoreItem xmlns:ds="http://schemas.openxmlformats.org/officeDocument/2006/customXml" ds:itemID="{C55A4F12-1C67-45BB-AEF0-B8BD3F656B95}">
   <ds:schemaRefs>
